--- a/modules/android/android-client/doc/Overview.pptx
+++ b/modules/android/android-client/doc/Overview.pptx
@@ -2,14 +2,17 @@
 <file path=ppt/presentation.xml><?xml version="1.0" encoding="utf-8"?>
 <p:presentation xmlns:a="http://schemas.openxmlformats.org/drawingml/2006/main" xmlns:r="http://schemas.openxmlformats.org/officeDocument/2006/relationships" xmlns:p="http://schemas.openxmlformats.org/presentationml/2006/main" saveSubsetFonts="1">
   <p:sldMasterIdLst>
-    <p:sldMasterId id="2147483648" r:id="rId1"/>
+    <p:sldMasterId id="2147483660" r:id="rId1"/>
   </p:sldMasterIdLst>
   <p:sldIdLst>
     <p:sldId id="256" r:id="rId2"/>
     <p:sldId id="257" r:id="rId3"/>
     <p:sldId id="258" r:id="rId4"/>
-    <p:sldId id="259" r:id="rId5"/>
-    <p:sldId id="260" r:id="rId6"/>
+    <p:sldId id="260" r:id="rId5"/>
+    <p:sldId id="262" r:id="rId6"/>
+    <p:sldId id="263" r:id="rId7"/>
+    <p:sldId id="261" r:id="rId8"/>
+    <p:sldId id="259" r:id="rId9"/>
   </p:sldIdLst>
   <p:sldSz cx="9144000" cy="6858000" type="screen4x3"/>
   <p:notesSz cx="6858000" cy="9144000"/>
@@ -112,7 +115,7 @@
 </file>
 
 <file path=ppt/slideLayouts/slideLayout1.xml><?xml version="1.0" encoding="utf-8"?>
-<p:sldLayout xmlns:a="http://schemas.openxmlformats.org/drawingml/2006/main" xmlns:r="http://schemas.openxmlformats.org/officeDocument/2006/relationships" xmlns:p="http://schemas.openxmlformats.org/presentationml/2006/main" type="title" preserve="1">
+<p:sldLayout xmlns:a="http://schemas.openxmlformats.org/drawingml/2006/main" xmlns:r="http://schemas.openxmlformats.org/officeDocument/2006/relationships" xmlns:p="http://schemas.openxmlformats.org/presentationml/2006/main" showMasterSp="0" type="title" preserve="1">
   <p:cSld name="Title Slide">
     <p:spTree>
       <p:nvGrpSpPr>
@@ -130,7 +133,7 @@
       </p:grpSpPr>
       <p:sp>
         <p:nvSpPr>
-          <p:cNvPr id="2" name="Title 1"/>
+          <p:cNvPr id="8" name="Title 7"/>
           <p:cNvSpPr>
             <a:spLocks noGrp="1"/>
           </p:cNvSpPr>
@@ -140,25 +143,33 @@
         </p:nvSpPr>
         <p:spPr>
           <a:xfrm>
-            <a:off x="685800" y="2130425"/>
-            <a:ext cx="7772400" cy="1470025"/>
-          </a:xfrm>
-        </p:spPr>
-        <p:txBody>
-          <a:bodyPr/>
-          <a:lstStyle/>
-          <a:p>
-            <a:r>
-              <a:rPr lang="en-US" smtClean="0"/>
+            <a:off x="1219200" y="3886200"/>
+            <a:ext cx="6858000" cy="990600"/>
+          </a:xfrm>
+        </p:spPr>
+        <p:txBody>
+          <a:bodyPr anchor="t" anchorCtr="0"/>
+          <a:lstStyle>
+            <a:lvl1pPr algn="r">
+              <a:defRPr sz="3200">
+                <a:solidFill>
+                  <a:schemeClr val="tx1"/>
+                </a:solidFill>
+              </a:defRPr>
+            </a:lvl1pPr>
+          </a:lstStyle>
+          <a:p>
+            <a:r>
+              <a:rPr kumimoji="0" lang="en-US" altLang="zh-CN" smtClean="0"/>
               <a:t>Click to edit Master title style</a:t>
             </a:r>
-            <a:endParaRPr lang="en-US"/>
-          </a:p>
-        </p:txBody>
-      </p:sp>
-      <p:sp>
-        <p:nvSpPr>
-          <p:cNvPr id="3" name="Subtitle 2"/>
+            <a:endParaRPr kumimoji="0" lang="en-US"/>
+          </a:p>
+        </p:txBody>
+      </p:sp>
+      <p:sp>
+        <p:nvSpPr>
+          <p:cNvPr id="9" name="Subtitle 8"/>
           <p:cNvSpPr>
             <a:spLocks noGrp="1"/>
           </p:cNvSpPr>
@@ -168,116 +179,61 @@
         </p:nvSpPr>
         <p:spPr>
           <a:xfrm>
-            <a:off x="1371600" y="3886200"/>
-            <a:ext cx="6400800" cy="1752600"/>
+            <a:off x="1219200" y="5124450"/>
+            <a:ext cx="6858000" cy="533400"/>
           </a:xfrm>
         </p:spPr>
         <p:txBody>
           <a:bodyPr/>
           <a:lstStyle>
-            <a:lvl1pPr marL="0" indent="0" algn="ctr">
+            <a:lvl1pPr marL="0" indent="0" algn="r">
               <a:buNone/>
-              <a:defRPr>
+              <a:defRPr sz="2000">
                 <a:solidFill>
-                  <a:schemeClr val="tx1">
-                    <a:tint val="75000"/>
-                  </a:schemeClr>
+                  <a:schemeClr val="tx2"/>
                 </a:solidFill>
+                <a:latin typeface="+mj-lt"/>
+                <a:ea typeface="+mj-ea"/>
+                <a:cs typeface="+mj-cs"/>
               </a:defRPr>
             </a:lvl1pPr>
             <a:lvl2pPr marL="457200" indent="0" algn="ctr">
               <a:buNone/>
-              <a:defRPr>
-                <a:solidFill>
-                  <a:schemeClr val="tx1">
-                    <a:tint val="75000"/>
-                  </a:schemeClr>
-                </a:solidFill>
-              </a:defRPr>
             </a:lvl2pPr>
             <a:lvl3pPr marL="914400" indent="0" algn="ctr">
               <a:buNone/>
-              <a:defRPr>
-                <a:solidFill>
-                  <a:schemeClr val="tx1">
-                    <a:tint val="75000"/>
-                  </a:schemeClr>
-                </a:solidFill>
-              </a:defRPr>
             </a:lvl3pPr>
             <a:lvl4pPr marL="1371600" indent="0" algn="ctr">
               <a:buNone/>
-              <a:defRPr>
-                <a:solidFill>
-                  <a:schemeClr val="tx1">
-                    <a:tint val="75000"/>
-                  </a:schemeClr>
-                </a:solidFill>
-              </a:defRPr>
             </a:lvl4pPr>
             <a:lvl5pPr marL="1828800" indent="0" algn="ctr">
               <a:buNone/>
-              <a:defRPr>
-                <a:solidFill>
-                  <a:schemeClr val="tx1">
-                    <a:tint val="75000"/>
-                  </a:schemeClr>
-                </a:solidFill>
-              </a:defRPr>
             </a:lvl5pPr>
             <a:lvl6pPr marL="2286000" indent="0" algn="ctr">
               <a:buNone/>
-              <a:defRPr>
-                <a:solidFill>
-                  <a:schemeClr val="tx1">
-                    <a:tint val="75000"/>
-                  </a:schemeClr>
-                </a:solidFill>
-              </a:defRPr>
             </a:lvl6pPr>
             <a:lvl7pPr marL="2743200" indent="0" algn="ctr">
               <a:buNone/>
-              <a:defRPr>
-                <a:solidFill>
-                  <a:schemeClr val="tx1">
-                    <a:tint val="75000"/>
-                  </a:schemeClr>
-                </a:solidFill>
-              </a:defRPr>
             </a:lvl7pPr>
             <a:lvl8pPr marL="3200400" indent="0" algn="ctr">
               <a:buNone/>
-              <a:defRPr>
-                <a:solidFill>
-                  <a:schemeClr val="tx1">
-                    <a:tint val="75000"/>
-                  </a:schemeClr>
-                </a:solidFill>
-              </a:defRPr>
             </a:lvl8pPr>
             <a:lvl9pPr marL="3657600" indent="0" algn="ctr">
               <a:buNone/>
-              <a:defRPr>
-                <a:solidFill>
-                  <a:schemeClr val="tx1">
-                    <a:tint val="75000"/>
-                  </a:schemeClr>
-                </a:solidFill>
-              </a:defRPr>
             </a:lvl9pPr>
           </a:lstStyle>
           <a:p>
             <a:r>
-              <a:rPr lang="en-US" smtClean="0"/>
+              <a:rPr kumimoji="0" lang="en-US" altLang="zh-CN" smtClean="0"/>
               <a:t>Click to edit Master subtitle style</a:t>
             </a:r>
-            <a:endParaRPr lang="en-US"/>
-          </a:p>
-        </p:txBody>
-      </p:sp>
-      <p:sp>
-        <p:nvSpPr>
-          <p:cNvPr id="4" name="Date Placeholder 3"/>
+            <a:endParaRPr kumimoji="0" lang="en-US"/>
+          </a:p>
+        </p:txBody>
+      </p:sp>
+      <p:sp>
+        <p:nvSpPr>
+          <p:cNvPr id="28" name="Date Placeholder 27"/>
           <p:cNvSpPr>
             <a:spLocks noGrp="1"/>
           </p:cNvSpPr>
@@ -285,15 +241,24 @@
             <p:ph type="dt" sz="half" idx="10"/>
           </p:nvPr>
         </p:nvSpPr>
-        <p:spPr/>
+        <p:spPr>
+          <a:xfrm>
+            <a:off x="6400800" y="6355080"/>
+            <a:ext cx="2286000" cy="365760"/>
+          </a:xfrm>
+        </p:spPr>
         <p:txBody>
           <a:bodyPr/>
-          <a:lstStyle/>
+          <a:lstStyle>
+            <a:lvl1pPr>
+              <a:defRPr sz="1400"/>
+            </a:lvl1pPr>
+          </a:lstStyle>
           <a:p>
             <a:fld id="{1D8BD707-D9CF-40AE-B4C6-C98DA3205C09}" type="datetimeFigureOut">
               <a:rPr lang="en-US" smtClean="0"/>
               <a:pPr/>
-              <a:t>11/17/2013</a:t>
+              <a:t>11/26/2013</a:t>
             </a:fld>
             <a:endParaRPr lang="en-US"/>
           </a:p>
@@ -301,7 +266,7 @@
       </p:sp>
       <p:sp>
         <p:nvSpPr>
-          <p:cNvPr id="5" name="Footer Placeholder 4"/>
+          <p:cNvPr id="17" name="Footer Placeholder 16"/>
           <p:cNvSpPr>
             <a:spLocks noGrp="1"/>
           </p:cNvSpPr>
@@ -309,7 +274,12 @@
             <p:ph type="ftr" sz="quarter" idx="11"/>
           </p:nvPr>
         </p:nvSpPr>
-        <p:spPr/>
+        <p:spPr>
+          <a:xfrm>
+            <a:off x="2898648" y="6355080"/>
+            <a:ext cx="3474720" cy="365760"/>
+          </a:xfrm>
+        </p:spPr>
         <p:txBody>
           <a:bodyPr/>
           <a:lstStyle/>
@@ -320,7 +290,7 @@
       </p:sp>
       <p:sp>
         <p:nvSpPr>
-          <p:cNvPr id="6" name="Slide Number Placeholder 5"/>
+          <p:cNvPr id="29" name="Slide Number Placeholder 28"/>
           <p:cNvSpPr>
             <a:spLocks noGrp="1"/>
           </p:cNvSpPr>
@@ -328,7 +298,12 @@
             <p:ph type="sldNum" sz="quarter" idx="12"/>
           </p:nvPr>
         </p:nvSpPr>
-        <p:spPr/>
+        <p:spPr>
+          <a:xfrm>
+            <a:off x="1216152" y="6355080"/>
+            <a:ext cx="1219200" cy="365760"/>
+          </a:xfrm>
+        </p:spPr>
         <p:txBody>
           <a:bodyPr/>
           <a:lstStyle/>
@@ -339,6 +314,190 @@
               <a:t>‹#›</a:t>
             </a:fld>
             <a:endParaRPr lang="en-US"/>
+          </a:p>
+        </p:txBody>
+      </p:sp>
+      <p:sp>
+        <p:nvSpPr>
+          <p:cNvPr id="21" name="Rectangle 20"/>
+          <p:cNvSpPr/>
+          <p:nvPr/>
+        </p:nvSpPr>
+        <p:spPr>
+          <a:xfrm>
+            <a:off x="904875" y="3648075"/>
+            <a:ext cx="7315200" cy="1280160"/>
+          </a:xfrm>
+          <a:prstGeom prst="rect">
+            <a:avLst/>
+          </a:prstGeom>
+          <a:noFill/>
+          <a:ln w="6350" cap="rnd" cmpd="sng" algn="ctr">
+            <a:solidFill>
+              <a:schemeClr val="accent1"/>
+            </a:solidFill>
+            <a:prstDash val="solid"/>
+          </a:ln>
+          <a:effectLst/>
+        </p:spPr>
+        <p:style>
+          <a:lnRef idx="3">
+            <a:schemeClr val="lt1"/>
+          </a:lnRef>
+          <a:fillRef idx="1">
+            <a:schemeClr val="accent1"/>
+          </a:fillRef>
+          <a:effectRef idx="1">
+            <a:schemeClr val="accent1"/>
+          </a:effectRef>
+          <a:fontRef idx="minor">
+            <a:schemeClr val="lt1"/>
+          </a:fontRef>
+        </p:style>
+        <p:txBody>
+          <a:bodyPr anchor="ctr"/>
+          <a:lstStyle/>
+          <a:p>
+            <a:pPr algn="ctr" eaLnBrk="1" latinLnBrk="0" hangingPunct="1"/>
+            <a:endParaRPr kumimoji="0" lang="en-US"/>
+          </a:p>
+        </p:txBody>
+      </p:sp>
+      <p:sp>
+        <p:nvSpPr>
+          <p:cNvPr id="33" name="Rectangle 32"/>
+          <p:cNvSpPr/>
+          <p:nvPr/>
+        </p:nvSpPr>
+        <p:spPr>
+          <a:xfrm>
+            <a:off x="914400" y="5048250"/>
+            <a:ext cx="7315200" cy="685800"/>
+          </a:xfrm>
+          <a:prstGeom prst="rect">
+            <a:avLst/>
+          </a:prstGeom>
+          <a:noFill/>
+          <a:ln w="6350" cap="rnd" cmpd="sng" algn="ctr">
+            <a:solidFill>
+              <a:schemeClr val="accent2"/>
+            </a:solidFill>
+            <a:prstDash val="solid"/>
+          </a:ln>
+          <a:effectLst/>
+        </p:spPr>
+        <p:style>
+          <a:lnRef idx="3">
+            <a:schemeClr val="lt1"/>
+          </a:lnRef>
+          <a:fillRef idx="1">
+            <a:schemeClr val="accent1"/>
+          </a:fillRef>
+          <a:effectRef idx="1">
+            <a:schemeClr val="accent1"/>
+          </a:effectRef>
+          <a:fontRef idx="minor">
+            <a:schemeClr val="lt1"/>
+          </a:fontRef>
+        </p:style>
+        <p:txBody>
+          <a:bodyPr anchor="ctr"/>
+          <a:lstStyle/>
+          <a:p>
+            <a:pPr algn="ctr" eaLnBrk="1" latinLnBrk="0" hangingPunct="1"/>
+            <a:endParaRPr kumimoji="0" lang="en-US"/>
+          </a:p>
+        </p:txBody>
+      </p:sp>
+      <p:sp>
+        <p:nvSpPr>
+          <p:cNvPr id="22" name="Rectangle 21"/>
+          <p:cNvSpPr/>
+          <p:nvPr/>
+        </p:nvSpPr>
+        <p:spPr>
+          <a:xfrm>
+            <a:off x="904875" y="3648075"/>
+            <a:ext cx="228600" cy="1280160"/>
+          </a:xfrm>
+          <a:prstGeom prst="rect">
+            <a:avLst/>
+          </a:prstGeom>
+          <a:solidFill>
+            <a:schemeClr val="accent1"/>
+          </a:solidFill>
+          <a:ln w="6350" cap="rnd" cmpd="sng" algn="ctr">
+            <a:noFill/>
+            <a:prstDash val="solid"/>
+          </a:ln>
+          <a:effectLst/>
+        </p:spPr>
+        <p:style>
+          <a:lnRef idx="3">
+            <a:schemeClr val="lt1"/>
+          </a:lnRef>
+          <a:fillRef idx="1">
+            <a:schemeClr val="accent1"/>
+          </a:fillRef>
+          <a:effectRef idx="1">
+            <a:schemeClr val="accent1"/>
+          </a:effectRef>
+          <a:fontRef idx="minor">
+            <a:schemeClr val="lt1"/>
+          </a:fontRef>
+        </p:style>
+        <p:txBody>
+          <a:bodyPr anchor="ctr"/>
+          <a:lstStyle/>
+          <a:p>
+            <a:pPr algn="ctr" eaLnBrk="1" latinLnBrk="0" hangingPunct="1"/>
+            <a:endParaRPr kumimoji="0" lang="en-US"/>
+          </a:p>
+        </p:txBody>
+      </p:sp>
+      <p:sp>
+        <p:nvSpPr>
+          <p:cNvPr id="32" name="Rectangle 31"/>
+          <p:cNvSpPr/>
+          <p:nvPr/>
+        </p:nvSpPr>
+        <p:spPr>
+          <a:xfrm>
+            <a:off x="914400" y="5048250"/>
+            <a:ext cx="228600" cy="685800"/>
+          </a:xfrm>
+          <a:prstGeom prst="rect">
+            <a:avLst/>
+          </a:prstGeom>
+          <a:solidFill>
+            <a:schemeClr val="accent2"/>
+          </a:solidFill>
+          <a:ln w="6350" cap="rnd" cmpd="sng" algn="ctr">
+            <a:noFill/>
+            <a:prstDash val="solid"/>
+          </a:ln>
+          <a:effectLst/>
+        </p:spPr>
+        <p:style>
+          <a:lnRef idx="3">
+            <a:schemeClr val="lt1"/>
+          </a:lnRef>
+          <a:fillRef idx="1">
+            <a:schemeClr val="accent1"/>
+          </a:fillRef>
+          <a:effectRef idx="1">
+            <a:schemeClr val="accent1"/>
+          </a:effectRef>
+          <a:fontRef idx="minor">
+            <a:schemeClr val="lt1"/>
+          </a:fontRef>
+        </p:style>
+        <p:txBody>
+          <a:bodyPr anchor="ctr"/>
+          <a:lstStyle/>
+          <a:p>
+            <a:pPr algn="ctr" eaLnBrk="1" latinLnBrk="0" hangingPunct="1"/>
+            <a:endParaRPr kumimoji="0" lang="en-US"/>
           </a:p>
         </p:txBody>
       </p:sp>
@@ -383,10 +542,10 @@
           <a:lstStyle/>
           <a:p>
             <a:r>
-              <a:rPr lang="en-US" smtClean="0"/>
+              <a:rPr kumimoji="0" lang="en-US" altLang="zh-CN" smtClean="0"/>
               <a:t>Click to edit Master title style</a:t>
             </a:r>
-            <a:endParaRPr lang="en-US"/>
+            <a:endParaRPr kumimoji="0" lang="en-US"/>
           </a:p>
         </p:txBody>
       </p:sp>
@@ -405,40 +564,40 @@
           <a:bodyPr vert="eaVert"/>
           <a:lstStyle/>
           <a:p>
-            <a:pPr lvl="0"/>
-            <a:r>
-              <a:rPr lang="en-US" smtClean="0"/>
+            <a:pPr lvl="0" eaLnBrk="1" latinLnBrk="0" hangingPunct="1"/>
+            <a:r>
+              <a:rPr lang="en-US" altLang="zh-CN" smtClean="0"/>
               <a:t>Click to edit Master text styles</a:t>
             </a:r>
           </a:p>
           <a:p>
-            <a:pPr lvl="1"/>
-            <a:r>
-              <a:rPr lang="en-US" smtClean="0"/>
+            <a:pPr lvl="1" eaLnBrk="1" latinLnBrk="0" hangingPunct="1"/>
+            <a:r>
+              <a:rPr lang="en-US" altLang="zh-CN" smtClean="0"/>
               <a:t>Second level</a:t>
             </a:r>
           </a:p>
           <a:p>
-            <a:pPr lvl="2"/>
-            <a:r>
-              <a:rPr lang="en-US" smtClean="0"/>
+            <a:pPr lvl="2" eaLnBrk="1" latinLnBrk="0" hangingPunct="1"/>
+            <a:r>
+              <a:rPr lang="en-US" altLang="zh-CN" smtClean="0"/>
               <a:t>Third level</a:t>
             </a:r>
           </a:p>
           <a:p>
-            <a:pPr lvl="3"/>
-            <a:r>
-              <a:rPr lang="en-US" smtClean="0"/>
+            <a:pPr lvl="3" eaLnBrk="1" latinLnBrk="0" hangingPunct="1"/>
+            <a:r>
+              <a:rPr lang="en-US" altLang="zh-CN" smtClean="0"/>
               <a:t>Fourth level</a:t>
             </a:r>
           </a:p>
           <a:p>
-            <a:pPr lvl="4"/>
-            <a:r>
-              <a:rPr lang="en-US" smtClean="0"/>
+            <a:pPr lvl="4" eaLnBrk="1" latinLnBrk="0" hangingPunct="1"/>
+            <a:r>
+              <a:rPr lang="en-US" altLang="zh-CN" smtClean="0"/>
               <a:t>Fifth level</a:t>
             </a:r>
-            <a:endParaRPr lang="en-US"/>
+            <a:endParaRPr kumimoji="0" lang="en-US"/>
           </a:p>
         </p:txBody>
       </p:sp>
@@ -460,7 +619,7 @@
             <a:fld id="{1D8BD707-D9CF-40AE-B4C6-C98DA3205C09}" type="datetimeFigureOut">
               <a:rPr lang="en-US" smtClean="0"/>
               <a:pPr/>
-              <a:t>11/17/2013</a:t>
+              <a:t>11/26/2013</a:t>
             </a:fld>
             <a:endParaRPr lang="en-US"/>
           </a:p>
@@ -518,7 +677,7 @@
 </file>
 
 <file path=ppt/slideLayouts/slideLayout11.xml><?xml version="1.0" encoding="utf-8"?>
-<p:sldLayout xmlns:a="http://schemas.openxmlformats.org/drawingml/2006/main" xmlns:r="http://schemas.openxmlformats.org/officeDocument/2006/relationships" xmlns:p="http://schemas.openxmlformats.org/presentationml/2006/main" type="vertTitleAndTx" preserve="1">
+<p:sldLayout xmlns:a="http://schemas.openxmlformats.org/drawingml/2006/main" xmlns:r="http://schemas.openxmlformats.org/officeDocument/2006/relationships" xmlns:p="http://schemas.openxmlformats.org/presentationml/2006/main" showMasterSp="0" type="vertTitleAndTx" preserve="1">
   <p:cSld name="Vertical Title and Text">
     <p:spTree>
       <p:nvGrpSpPr>
@@ -555,10 +714,10 @@
           <a:lstStyle/>
           <a:p>
             <a:r>
-              <a:rPr lang="en-US" smtClean="0"/>
+              <a:rPr kumimoji="0" lang="en-US" altLang="zh-CN" smtClean="0"/>
               <a:t>Click to edit Master title style</a:t>
             </a:r>
-            <a:endParaRPr lang="en-US"/>
+            <a:endParaRPr kumimoji="0" lang="en-US"/>
           </a:p>
         </p:txBody>
       </p:sp>
@@ -582,40 +741,40 @@
           <a:bodyPr vert="eaVert"/>
           <a:lstStyle/>
           <a:p>
-            <a:pPr lvl="0"/>
-            <a:r>
-              <a:rPr lang="en-US" smtClean="0"/>
+            <a:pPr lvl="0" eaLnBrk="1" latinLnBrk="0" hangingPunct="1"/>
+            <a:r>
+              <a:rPr lang="en-US" altLang="zh-CN" smtClean="0"/>
               <a:t>Click to edit Master text styles</a:t>
             </a:r>
           </a:p>
           <a:p>
-            <a:pPr lvl="1"/>
-            <a:r>
-              <a:rPr lang="en-US" smtClean="0"/>
+            <a:pPr lvl="1" eaLnBrk="1" latinLnBrk="0" hangingPunct="1"/>
+            <a:r>
+              <a:rPr lang="en-US" altLang="zh-CN" smtClean="0"/>
               <a:t>Second level</a:t>
             </a:r>
           </a:p>
           <a:p>
-            <a:pPr lvl="2"/>
-            <a:r>
-              <a:rPr lang="en-US" smtClean="0"/>
+            <a:pPr lvl="2" eaLnBrk="1" latinLnBrk="0" hangingPunct="1"/>
+            <a:r>
+              <a:rPr lang="en-US" altLang="zh-CN" smtClean="0"/>
               <a:t>Third level</a:t>
             </a:r>
           </a:p>
           <a:p>
-            <a:pPr lvl="3"/>
-            <a:r>
-              <a:rPr lang="en-US" smtClean="0"/>
+            <a:pPr lvl="3" eaLnBrk="1" latinLnBrk="0" hangingPunct="1"/>
+            <a:r>
+              <a:rPr lang="en-US" altLang="zh-CN" smtClean="0"/>
               <a:t>Fourth level</a:t>
             </a:r>
           </a:p>
           <a:p>
-            <a:pPr lvl="4"/>
-            <a:r>
-              <a:rPr lang="en-US" smtClean="0"/>
+            <a:pPr lvl="4" eaLnBrk="1" latinLnBrk="0" hangingPunct="1"/>
+            <a:r>
+              <a:rPr lang="en-US" altLang="zh-CN" smtClean="0"/>
               <a:t>Fifth level</a:t>
             </a:r>
-            <a:endParaRPr lang="en-US"/>
+            <a:endParaRPr kumimoji="0" lang="en-US"/>
           </a:p>
         </p:txBody>
       </p:sp>
@@ -637,7 +796,7 @@
             <a:fld id="{1D8BD707-D9CF-40AE-B4C6-C98DA3205C09}" type="datetimeFigureOut">
               <a:rPr lang="en-US" smtClean="0"/>
               <a:pPr/>
-              <a:t>11/17/2013</a:t>
+              <a:t>11/26/2013</a:t>
             </a:fld>
             <a:endParaRPr lang="en-US"/>
           </a:p>
@@ -683,6 +842,128 @@
               <a:t>‹#›</a:t>
             </a:fld>
             <a:endParaRPr lang="en-US"/>
+          </a:p>
+        </p:txBody>
+      </p:sp>
+      <p:sp>
+        <p:nvSpPr>
+          <p:cNvPr id="7" name="Straight Connector 6"/>
+          <p:cNvSpPr>
+            <a:spLocks noChangeShapeType="1"/>
+          </p:cNvSpPr>
+          <p:nvPr/>
+        </p:nvSpPr>
+        <p:spPr bwMode="auto">
+          <a:xfrm>
+            <a:off x="457200" y="6353175"/>
+            <a:ext cx="8229600" cy="0"/>
+          </a:xfrm>
+          <a:prstGeom prst="line">
+            <a:avLst/>
+          </a:prstGeom>
+          <a:noFill/>
+          <a:ln w="9525" cap="flat" cmpd="sng" algn="ctr">
+            <a:solidFill>
+              <a:schemeClr val="accent2"/>
+            </a:solidFill>
+            <a:prstDash val="dash"/>
+            <a:round/>
+            <a:headEnd type="none" w="med" len="med"/>
+            <a:tailEnd type="none" w="med" len="med"/>
+          </a:ln>
+          <a:effectLst/>
+        </p:spPr>
+        <p:txBody>
+          <a:bodyPr vert="horz" wrap="square" lIns="91440" tIns="45720" rIns="91440" bIns="45720" anchor="t" compatLnSpc="1"/>
+          <a:lstStyle/>
+          <a:p>
+            <a:endParaRPr kumimoji="0" lang="en-US"/>
+          </a:p>
+        </p:txBody>
+      </p:sp>
+      <p:sp>
+        <p:nvSpPr>
+          <p:cNvPr id="8" name="Isosceles Triangle 7"/>
+          <p:cNvSpPr>
+            <a:spLocks noChangeAspect="1"/>
+          </p:cNvSpPr>
+          <p:nvPr/>
+        </p:nvSpPr>
+        <p:spPr>
+          <a:xfrm rot="5400000">
+            <a:off x="419100" y="6467475"/>
+            <a:ext cx="190849" cy="120314"/>
+          </a:xfrm>
+          <a:prstGeom prst="triangle">
+            <a:avLst>
+              <a:gd name="adj" fmla="val 50000"/>
+            </a:avLst>
+          </a:prstGeom>
+          <a:solidFill>
+            <a:schemeClr val="accent2"/>
+          </a:solidFill>
+          <a:ln w="25400" cap="rnd" cmpd="sng" algn="ctr">
+            <a:noFill/>
+            <a:prstDash val="solid"/>
+          </a:ln>
+          <a:effectLst/>
+        </p:spPr>
+        <p:style>
+          <a:lnRef idx="3">
+            <a:schemeClr val="lt1"/>
+          </a:lnRef>
+          <a:fillRef idx="1">
+            <a:schemeClr val="accent1"/>
+          </a:fillRef>
+          <a:effectRef idx="1">
+            <a:schemeClr val="accent1"/>
+          </a:effectRef>
+          <a:fontRef idx="minor">
+            <a:schemeClr val="lt1"/>
+          </a:fontRef>
+        </p:style>
+        <p:txBody>
+          <a:bodyPr anchor="ctr"/>
+          <a:lstStyle/>
+          <a:p>
+            <a:pPr algn="ctr" eaLnBrk="1" latinLnBrk="0" hangingPunct="1"/>
+            <a:endParaRPr kumimoji="0" lang="en-US"/>
+          </a:p>
+        </p:txBody>
+      </p:sp>
+      <p:sp>
+        <p:nvSpPr>
+          <p:cNvPr id="9" name="Straight Connector 8"/>
+          <p:cNvSpPr>
+            <a:spLocks noChangeShapeType="1"/>
+          </p:cNvSpPr>
+          <p:nvPr/>
+        </p:nvSpPr>
+        <p:spPr bwMode="auto">
+          <a:xfrm rot="5400000">
+            <a:off x="3629607" y="3201952"/>
+            <a:ext cx="5852160" cy="0"/>
+          </a:xfrm>
+          <a:prstGeom prst="line">
+            <a:avLst/>
+          </a:prstGeom>
+          <a:noFill/>
+          <a:ln w="9525" cap="flat" cmpd="sng" algn="ctr">
+            <a:solidFill>
+              <a:schemeClr val="accent2"/>
+            </a:solidFill>
+            <a:prstDash val="dash"/>
+            <a:round/>
+            <a:headEnd type="none" w="med" len="med"/>
+            <a:tailEnd type="none" w="med" len="med"/>
+          </a:ln>
+          <a:effectLst/>
+        </p:spPr>
+        <p:txBody>
+          <a:bodyPr vert="horz" wrap="square" lIns="91440" tIns="45720" rIns="91440" bIns="45720" anchor="t" compatLnSpc="1"/>
+          <a:lstStyle/>
+          <a:p>
+            <a:endParaRPr kumimoji="0" lang="en-US"/>
           </a:p>
         </p:txBody>
       </p:sp>
@@ -727,62 +1008,10 @@
           <a:lstStyle/>
           <a:p>
             <a:r>
-              <a:rPr lang="en-US" smtClean="0"/>
+              <a:rPr kumimoji="0" lang="en-US" altLang="zh-CN" smtClean="0"/>
               <a:t>Click to edit Master title style</a:t>
             </a:r>
-            <a:endParaRPr lang="en-US"/>
-          </a:p>
-        </p:txBody>
-      </p:sp>
-      <p:sp>
-        <p:nvSpPr>
-          <p:cNvPr id="3" name="Content Placeholder 2"/>
-          <p:cNvSpPr>
-            <a:spLocks noGrp="1"/>
-          </p:cNvSpPr>
-          <p:nvPr>
-            <p:ph idx="1"/>
-          </p:nvPr>
-        </p:nvSpPr>
-        <p:spPr/>
-        <p:txBody>
-          <a:bodyPr/>
-          <a:lstStyle/>
-          <a:p>
-            <a:pPr lvl="0"/>
-            <a:r>
-              <a:rPr lang="en-US" smtClean="0"/>
-              <a:t>Click to edit Master text styles</a:t>
-            </a:r>
-          </a:p>
-          <a:p>
-            <a:pPr lvl="1"/>
-            <a:r>
-              <a:rPr lang="en-US" smtClean="0"/>
-              <a:t>Second level</a:t>
-            </a:r>
-          </a:p>
-          <a:p>
-            <a:pPr lvl="2"/>
-            <a:r>
-              <a:rPr lang="en-US" smtClean="0"/>
-              <a:t>Third level</a:t>
-            </a:r>
-          </a:p>
-          <a:p>
-            <a:pPr lvl="3"/>
-            <a:r>
-              <a:rPr lang="en-US" smtClean="0"/>
-              <a:t>Fourth level</a:t>
-            </a:r>
-          </a:p>
-          <a:p>
-            <a:pPr lvl="4"/>
-            <a:r>
-              <a:rPr lang="en-US" smtClean="0"/>
-              <a:t>Fifth level</a:t>
-            </a:r>
-            <a:endParaRPr lang="en-US"/>
+            <a:endParaRPr kumimoji="0" lang="en-US"/>
           </a:p>
         </p:txBody>
       </p:sp>
@@ -804,7 +1033,7 @@
             <a:fld id="{1D8BD707-D9CF-40AE-B4C6-C98DA3205C09}" type="datetimeFigureOut">
               <a:rPr lang="en-US" smtClean="0"/>
               <a:pPr/>
-              <a:t>11/17/2013</a:t>
+              <a:t>11/26/2013</a:t>
             </a:fld>
             <a:endParaRPr lang="en-US"/>
           </a:p>
@@ -850,6 +1079,63 @@
               <a:t>‹#›</a:t>
             </a:fld>
             <a:endParaRPr lang="en-US"/>
+          </a:p>
+        </p:txBody>
+      </p:sp>
+      <p:sp>
+        <p:nvSpPr>
+          <p:cNvPr id="8" name="Content Placeholder 7"/>
+          <p:cNvSpPr>
+            <a:spLocks noGrp="1"/>
+          </p:cNvSpPr>
+          <p:nvPr>
+            <p:ph sz="quarter" idx="1"/>
+          </p:nvPr>
+        </p:nvSpPr>
+        <p:spPr>
+          <a:xfrm>
+            <a:off x="457200" y="1219200"/>
+            <a:ext cx="8229600" cy="4937760"/>
+          </a:xfrm>
+        </p:spPr>
+        <p:txBody>
+          <a:bodyPr/>
+          <a:lstStyle/>
+          <a:p>
+            <a:pPr lvl="0" eaLnBrk="1" latinLnBrk="0" hangingPunct="1"/>
+            <a:r>
+              <a:rPr lang="en-US" altLang="zh-CN" smtClean="0"/>
+              <a:t>Click to edit Master text styles</a:t>
+            </a:r>
+          </a:p>
+          <a:p>
+            <a:pPr lvl="1" eaLnBrk="1" latinLnBrk="0" hangingPunct="1"/>
+            <a:r>
+              <a:rPr lang="en-US" altLang="zh-CN" smtClean="0"/>
+              <a:t>Second level</a:t>
+            </a:r>
+          </a:p>
+          <a:p>
+            <a:pPr lvl="2" eaLnBrk="1" latinLnBrk="0" hangingPunct="1"/>
+            <a:r>
+              <a:rPr lang="en-US" altLang="zh-CN" smtClean="0"/>
+              <a:t>Third level</a:t>
+            </a:r>
+          </a:p>
+          <a:p>
+            <a:pPr lvl="3" eaLnBrk="1" latinLnBrk="0" hangingPunct="1"/>
+            <a:r>
+              <a:rPr lang="en-US" altLang="zh-CN" smtClean="0"/>
+              <a:t>Fourth level</a:t>
+            </a:r>
+          </a:p>
+          <a:p>
+            <a:pPr lvl="4" eaLnBrk="1" latinLnBrk="0" hangingPunct="1"/>
+            <a:r>
+              <a:rPr lang="en-US" altLang="zh-CN" smtClean="0"/>
+              <a:t>Fifth level</a:t>
+            </a:r>
+            <a:endParaRPr kumimoji="0" lang="en-US"/>
           </a:p>
         </p:txBody>
       </p:sp>
@@ -862,8 +1148,13 @@
 </file>
 
 <file path=ppt/slideLayouts/slideLayout3.xml><?xml version="1.0" encoding="utf-8"?>
-<p:sldLayout xmlns:a="http://schemas.openxmlformats.org/drawingml/2006/main" xmlns:r="http://schemas.openxmlformats.org/officeDocument/2006/relationships" xmlns:p="http://schemas.openxmlformats.org/presentationml/2006/main" type="secHead" preserve="1">
+<p:sldLayout xmlns:a="http://schemas.openxmlformats.org/drawingml/2006/main" xmlns:r="http://schemas.openxmlformats.org/officeDocument/2006/relationships" xmlns:p="http://schemas.openxmlformats.org/presentationml/2006/main" showMasterSp="0" type="secHead" preserve="1">
   <p:cSld name="Section Header">
+    <p:bg>
+      <p:bgRef idx="1001">
+        <a:schemeClr val="bg2"/>
+      </p:bgRef>
+    </p:bg>
     <p:spTree>
       <p:nvGrpSpPr>
         <p:cNvPr id="1" name=""/>
@@ -890,23 +1181,24 @@
         </p:nvSpPr>
         <p:spPr>
           <a:xfrm>
-            <a:off x="722313" y="4406900"/>
-            <a:ext cx="7772400" cy="1362075"/>
-          </a:xfrm>
-        </p:spPr>
-        <p:txBody>
-          <a:bodyPr anchor="t"/>
+            <a:off x="1219200" y="2971800"/>
+            <a:ext cx="6858000" cy="1066800"/>
+          </a:xfrm>
+        </p:spPr>
+        <p:txBody>
+          <a:bodyPr anchor="t" anchorCtr="0"/>
           <a:lstStyle>
-            <a:lvl1pPr algn="l">
-              <a:defRPr sz="4000" b="1" cap="all"/>
+            <a:lvl1pPr algn="r">
+              <a:buNone/>
+              <a:defRPr sz="3200" b="0" cap="none" baseline="0"/>
             </a:lvl1pPr>
           </a:lstStyle>
           <a:p>
             <a:r>
-              <a:rPr lang="en-US" smtClean="0"/>
+              <a:rPr kumimoji="0" lang="en-US" altLang="zh-CN" smtClean="0"/>
               <a:t>Click to edit Master title style</a:t>
             </a:r>
-            <a:endParaRPr lang="en-US"/>
+            <a:endParaRPr kumimoji="0" lang="en-US"/>
           </a:p>
         </p:txBody>
       </p:sp>
@@ -922,14 +1214,14 @@
         </p:nvSpPr>
         <p:spPr>
           <a:xfrm>
-            <a:off x="722313" y="2906713"/>
-            <a:ext cx="7772400" cy="1500187"/>
-          </a:xfrm>
-        </p:spPr>
-        <p:txBody>
-          <a:bodyPr anchor="b"/>
+            <a:off x="1295400" y="4267200"/>
+            <a:ext cx="6781800" cy="1143000"/>
+          </a:xfrm>
+        </p:spPr>
+        <p:txBody>
+          <a:bodyPr anchor="t" anchorCtr="0"/>
           <a:lstStyle>
-            <a:lvl1pPr marL="0" indent="0">
+            <a:lvl1pPr marL="0" indent="0" algn="r">
               <a:buNone/>
               <a:defRPr sz="2000">
                 <a:solidFill>
@@ -939,7 +1231,7 @@
                 </a:solidFill>
               </a:defRPr>
             </a:lvl1pPr>
-            <a:lvl2pPr marL="457200" indent="0">
+            <a:lvl2pPr>
               <a:buNone/>
               <a:defRPr sz="1800">
                 <a:solidFill>
@@ -949,7 +1241,7 @@
                 </a:solidFill>
               </a:defRPr>
             </a:lvl2pPr>
-            <a:lvl3pPr marL="914400" indent="0">
+            <a:lvl3pPr>
               <a:buNone/>
               <a:defRPr sz="1600">
                 <a:solidFill>
@@ -959,7 +1251,7 @@
                 </a:solidFill>
               </a:defRPr>
             </a:lvl3pPr>
-            <a:lvl4pPr marL="1371600" indent="0">
+            <a:lvl4pPr>
               <a:buNone/>
               <a:defRPr sz="1400">
                 <a:solidFill>
@@ -969,7 +1261,7 @@
                 </a:solidFill>
               </a:defRPr>
             </a:lvl4pPr>
-            <a:lvl5pPr marL="1828800" indent="0">
+            <a:lvl5pPr>
               <a:buNone/>
               <a:defRPr sz="1400">
                 <a:solidFill>
@@ -979,51 +1271,11 @@
                 </a:solidFill>
               </a:defRPr>
             </a:lvl5pPr>
-            <a:lvl6pPr marL="2286000" indent="0">
-              <a:buNone/>
-              <a:defRPr sz="1400">
-                <a:solidFill>
-                  <a:schemeClr val="tx1">
-                    <a:tint val="75000"/>
-                  </a:schemeClr>
-                </a:solidFill>
-              </a:defRPr>
-            </a:lvl6pPr>
-            <a:lvl7pPr marL="2743200" indent="0">
-              <a:buNone/>
-              <a:defRPr sz="1400">
-                <a:solidFill>
-                  <a:schemeClr val="tx1">
-                    <a:tint val="75000"/>
-                  </a:schemeClr>
-                </a:solidFill>
-              </a:defRPr>
-            </a:lvl7pPr>
-            <a:lvl8pPr marL="3200400" indent="0">
-              <a:buNone/>
-              <a:defRPr sz="1400">
-                <a:solidFill>
-                  <a:schemeClr val="tx1">
-                    <a:tint val="75000"/>
-                  </a:schemeClr>
-                </a:solidFill>
-              </a:defRPr>
-            </a:lvl8pPr>
-            <a:lvl9pPr marL="3657600" indent="0">
-              <a:buNone/>
-              <a:defRPr sz="1400">
-                <a:solidFill>
-                  <a:schemeClr val="tx1">
-                    <a:tint val="75000"/>
-                  </a:schemeClr>
-                </a:solidFill>
-              </a:defRPr>
-            </a:lvl9pPr>
           </a:lstStyle>
           <a:p>
-            <a:pPr lvl="0"/>
-            <a:r>
-              <a:rPr lang="en-US" smtClean="0"/>
+            <a:pPr lvl="0" eaLnBrk="1" latinLnBrk="0" hangingPunct="1"/>
+            <a:r>
+              <a:rPr kumimoji="0" lang="en-US" altLang="zh-CN" smtClean="0"/>
               <a:t>Click to edit Master text styles</a:t>
             </a:r>
           </a:p>
@@ -1039,7 +1291,12 @@
             <p:ph type="dt" sz="half" idx="10"/>
           </p:nvPr>
         </p:nvSpPr>
-        <p:spPr/>
+        <p:spPr>
+          <a:xfrm>
+            <a:off x="6400800" y="6355080"/>
+            <a:ext cx="2286000" cy="365760"/>
+          </a:xfrm>
+        </p:spPr>
         <p:txBody>
           <a:bodyPr/>
           <a:lstStyle/>
@@ -1047,7 +1304,7 @@
             <a:fld id="{1D8BD707-D9CF-40AE-B4C6-C98DA3205C09}" type="datetimeFigureOut">
               <a:rPr lang="en-US" smtClean="0"/>
               <a:pPr/>
-              <a:t>11/17/2013</a:t>
+              <a:t>11/26/2013</a:t>
             </a:fld>
             <a:endParaRPr lang="en-US"/>
           </a:p>
@@ -1063,7 +1320,12 @@
             <p:ph type="ftr" sz="quarter" idx="11"/>
           </p:nvPr>
         </p:nvSpPr>
-        <p:spPr/>
+        <p:spPr>
+          <a:xfrm>
+            <a:off x="2898648" y="6355080"/>
+            <a:ext cx="3474720" cy="365760"/>
+          </a:xfrm>
+        </p:spPr>
         <p:txBody>
           <a:bodyPr/>
           <a:lstStyle/>
@@ -1082,7 +1344,12 @@
             <p:ph type="sldNum" sz="quarter" idx="12"/>
           </p:nvPr>
         </p:nvSpPr>
-        <p:spPr/>
+        <p:spPr>
+          <a:xfrm>
+            <a:off x="1069848" y="6355080"/>
+            <a:ext cx="1520952" cy="365760"/>
+          </a:xfrm>
+        </p:spPr>
         <p:txBody>
           <a:bodyPr/>
           <a:lstStyle/>
@@ -1096,10 +1363,102 @@
           </a:p>
         </p:txBody>
       </p:sp>
+      <p:sp>
+        <p:nvSpPr>
+          <p:cNvPr id="7" name="Rectangle 6"/>
+          <p:cNvSpPr/>
+          <p:nvPr/>
+        </p:nvSpPr>
+        <p:spPr>
+          <a:xfrm>
+            <a:off x="914400" y="2819400"/>
+            <a:ext cx="7315200" cy="1280160"/>
+          </a:xfrm>
+          <a:prstGeom prst="rect">
+            <a:avLst/>
+          </a:prstGeom>
+          <a:noFill/>
+          <a:ln w="6350" cap="rnd" cmpd="sng" algn="ctr">
+            <a:solidFill>
+              <a:schemeClr val="accent1"/>
+            </a:solidFill>
+            <a:prstDash val="solid"/>
+          </a:ln>
+          <a:effectLst/>
+        </p:spPr>
+        <p:style>
+          <a:lnRef idx="3">
+            <a:schemeClr val="lt1"/>
+          </a:lnRef>
+          <a:fillRef idx="1">
+            <a:schemeClr val="accent1"/>
+          </a:fillRef>
+          <a:effectRef idx="1">
+            <a:schemeClr val="accent1"/>
+          </a:effectRef>
+          <a:fontRef idx="minor">
+            <a:schemeClr val="lt1"/>
+          </a:fontRef>
+        </p:style>
+        <p:txBody>
+          <a:bodyPr anchor="ctr"/>
+          <a:lstStyle/>
+          <a:p>
+            <a:pPr algn="ctr" eaLnBrk="1" latinLnBrk="0" hangingPunct="1"/>
+            <a:endParaRPr kumimoji="0" lang="en-US"/>
+          </a:p>
+        </p:txBody>
+      </p:sp>
+      <p:sp>
+        <p:nvSpPr>
+          <p:cNvPr id="8" name="Rectangle 7"/>
+          <p:cNvSpPr/>
+          <p:nvPr/>
+        </p:nvSpPr>
+        <p:spPr>
+          <a:xfrm>
+            <a:off x="914400" y="2819400"/>
+            <a:ext cx="228600" cy="1280160"/>
+          </a:xfrm>
+          <a:prstGeom prst="rect">
+            <a:avLst/>
+          </a:prstGeom>
+          <a:solidFill>
+            <a:schemeClr val="accent1"/>
+          </a:solidFill>
+          <a:ln w="6350" cap="rnd" cmpd="sng" algn="ctr">
+            <a:noFill/>
+            <a:prstDash val="solid"/>
+          </a:ln>
+          <a:effectLst/>
+        </p:spPr>
+        <p:style>
+          <a:lnRef idx="3">
+            <a:schemeClr val="lt1"/>
+          </a:lnRef>
+          <a:fillRef idx="1">
+            <a:schemeClr val="accent1"/>
+          </a:fillRef>
+          <a:effectRef idx="1">
+            <a:schemeClr val="accent1"/>
+          </a:effectRef>
+          <a:fontRef idx="minor">
+            <a:schemeClr val="lt1"/>
+          </a:fontRef>
+        </p:style>
+        <p:txBody>
+          <a:bodyPr anchor="ctr"/>
+          <a:lstStyle/>
+          <a:p>
+            <a:pPr algn="ctr" eaLnBrk="1" latinLnBrk="0" hangingPunct="1"/>
+            <a:endParaRPr kumimoji="0" lang="en-US"/>
+          </a:p>
+        </p:txBody>
+      </p:sp>
     </p:spTree>
   </p:cSld>
   <p:clrMapOvr>
-    <a:masterClrMapping/>
+    <a:overrideClrMapping bg1="dk1" tx1="lt1" bg2="dk2" tx2="lt2" accent1="accent1" accent2="accent2" accent3="accent3" accent4="accent4" accent5="accent5" accent6="accent6" hlink="hlink" folHlink="folHlink"/>
   </p:clrMapOvr>
 </p:sldLayout>
 </file>
@@ -1131,186 +1490,21 @@
             <p:ph type="title"/>
           </p:nvPr>
         </p:nvSpPr>
-        <p:spPr/>
+        <p:spPr>
+          <a:xfrm>
+            <a:off x="457200" y="228600"/>
+            <a:ext cx="8229600" cy="914400"/>
+          </a:xfrm>
+        </p:spPr>
         <p:txBody>
           <a:bodyPr/>
           <a:lstStyle/>
           <a:p>
             <a:r>
-              <a:rPr lang="en-US" smtClean="0"/>
+              <a:rPr kumimoji="0" lang="en-US" altLang="zh-CN" smtClean="0"/>
               <a:t>Click to edit Master title style</a:t>
             </a:r>
-            <a:endParaRPr lang="en-US"/>
-          </a:p>
-        </p:txBody>
-      </p:sp>
-      <p:sp>
-        <p:nvSpPr>
-          <p:cNvPr id="3" name="Content Placeholder 2"/>
-          <p:cNvSpPr>
-            <a:spLocks noGrp="1"/>
-          </p:cNvSpPr>
-          <p:nvPr>
-            <p:ph sz="half" idx="1"/>
-          </p:nvPr>
-        </p:nvSpPr>
-        <p:spPr>
-          <a:xfrm>
-            <a:off x="457200" y="1600200"/>
-            <a:ext cx="4038600" cy="4525963"/>
-          </a:xfrm>
-        </p:spPr>
-        <p:txBody>
-          <a:bodyPr/>
-          <a:lstStyle>
-            <a:lvl1pPr>
-              <a:defRPr sz="2800"/>
-            </a:lvl1pPr>
-            <a:lvl2pPr>
-              <a:defRPr sz="2400"/>
-            </a:lvl2pPr>
-            <a:lvl3pPr>
-              <a:defRPr sz="2000"/>
-            </a:lvl3pPr>
-            <a:lvl4pPr>
-              <a:defRPr sz="1800"/>
-            </a:lvl4pPr>
-            <a:lvl5pPr>
-              <a:defRPr sz="1800"/>
-            </a:lvl5pPr>
-            <a:lvl6pPr>
-              <a:defRPr sz="1800"/>
-            </a:lvl6pPr>
-            <a:lvl7pPr>
-              <a:defRPr sz="1800"/>
-            </a:lvl7pPr>
-            <a:lvl8pPr>
-              <a:defRPr sz="1800"/>
-            </a:lvl8pPr>
-            <a:lvl9pPr>
-              <a:defRPr sz="1800"/>
-            </a:lvl9pPr>
-          </a:lstStyle>
-          <a:p>
-            <a:pPr lvl="0"/>
-            <a:r>
-              <a:rPr lang="en-US" smtClean="0"/>
-              <a:t>Click to edit Master text styles</a:t>
-            </a:r>
-          </a:p>
-          <a:p>
-            <a:pPr lvl="1"/>
-            <a:r>
-              <a:rPr lang="en-US" smtClean="0"/>
-              <a:t>Second level</a:t>
-            </a:r>
-          </a:p>
-          <a:p>
-            <a:pPr lvl="2"/>
-            <a:r>
-              <a:rPr lang="en-US" smtClean="0"/>
-              <a:t>Third level</a:t>
-            </a:r>
-          </a:p>
-          <a:p>
-            <a:pPr lvl="3"/>
-            <a:r>
-              <a:rPr lang="en-US" smtClean="0"/>
-              <a:t>Fourth level</a:t>
-            </a:r>
-          </a:p>
-          <a:p>
-            <a:pPr lvl="4"/>
-            <a:r>
-              <a:rPr lang="en-US" smtClean="0"/>
-              <a:t>Fifth level</a:t>
-            </a:r>
-            <a:endParaRPr lang="en-US"/>
-          </a:p>
-        </p:txBody>
-      </p:sp>
-      <p:sp>
-        <p:nvSpPr>
-          <p:cNvPr id="4" name="Content Placeholder 3"/>
-          <p:cNvSpPr>
-            <a:spLocks noGrp="1"/>
-          </p:cNvSpPr>
-          <p:nvPr>
-            <p:ph sz="half" idx="2"/>
-          </p:nvPr>
-        </p:nvSpPr>
-        <p:spPr>
-          <a:xfrm>
-            <a:off x="4648200" y="1600200"/>
-            <a:ext cx="4038600" cy="4525963"/>
-          </a:xfrm>
-        </p:spPr>
-        <p:txBody>
-          <a:bodyPr/>
-          <a:lstStyle>
-            <a:lvl1pPr>
-              <a:defRPr sz="2800"/>
-            </a:lvl1pPr>
-            <a:lvl2pPr>
-              <a:defRPr sz="2400"/>
-            </a:lvl2pPr>
-            <a:lvl3pPr>
-              <a:defRPr sz="2000"/>
-            </a:lvl3pPr>
-            <a:lvl4pPr>
-              <a:defRPr sz="1800"/>
-            </a:lvl4pPr>
-            <a:lvl5pPr>
-              <a:defRPr sz="1800"/>
-            </a:lvl5pPr>
-            <a:lvl6pPr>
-              <a:defRPr sz="1800"/>
-            </a:lvl6pPr>
-            <a:lvl7pPr>
-              <a:defRPr sz="1800"/>
-            </a:lvl7pPr>
-            <a:lvl8pPr>
-              <a:defRPr sz="1800"/>
-            </a:lvl8pPr>
-            <a:lvl9pPr>
-              <a:defRPr sz="1800"/>
-            </a:lvl9pPr>
-          </a:lstStyle>
-          <a:p>
-            <a:pPr lvl="0"/>
-            <a:r>
-              <a:rPr lang="en-US" smtClean="0"/>
-              <a:t>Click to edit Master text styles</a:t>
-            </a:r>
-          </a:p>
-          <a:p>
-            <a:pPr lvl="1"/>
-            <a:r>
-              <a:rPr lang="en-US" smtClean="0"/>
-              <a:t>Second level</a:t>
-            </a:r>
-          </a:p>
-          <a:p>
-            <a:pPr lvl="2"/>
-            <a:r>
-              <a:rPr lang="en-US" smtClean="0"/>
-              <a:t>Third level</a:t>
-            </a:r>
-          </a:p>
-          <a:p>
-            <a:pPr lvl="3"/>
-            <a:r>
-              <a:rPr lang="en-US" smtClean="0"/>
-              <a:t>Fourth level</a:t>
-            </a:r>
-          </a:p>
-          <a:p>
-            <a:pPr lvl="4"/>
-            <a:r>
-              <a:rPr lang="en-US" smtClean="0"/>
-              <a:t>Fifth level</a:t>
-            </a:r>
-            <a:endParaRPr lang="en-US"/>
+            <a:endParaRPr kumimoji="0" lang="en-US"/>
           </a:p>
         </p:txBody>
       </p:sp>
@@ -1332,7 +1526,7 @@
             <a:fld id="{1D8BD707-D9CF-40AE-B4C6-C98DA3205C09}" type="datetimeFigureOut">
               <a:rPr lang="en-US" smtClean="0"/>
               <a:pPr/>
-              <a:t>11/17/2013</a:t>
+              <a:t>11/26/2013</a:t>
             </a:fld>
             <a:endParaRPr lang="en-US"/>
           </a:p>
@@ -1378,6 +1572,120 @@
               <a:t>‹#›</a:t>
             </a:fld>
             <a:endParaRPr lang="en-US"/>
+          </a:p>
+        </p:txBody>
+      </p:sp>
+      <p:sp>
+        <p:nvSpPr>
+          <p:cNvPr id="9" name="Content Placeholder 8"/>
+          <p:cNvSpPr>
+            <a:spLocks noGrp="1"/>
+          </p:cNvSpPr>
+          <p:nvPr>
+            <p:ph sz="quarter" idx="1"/>
+          </p:nvPr>
+        </p:nvSpPr>
+        <p:spPr>
+          <a:xfrm>
+            <a:off x="457200" y="1219200"/>
+            <a:ext cx="4041648" cy="4937760"/>
+          </a:xfrm>
+        </p:spPr>
+        <p:txBody>
+          <a:bodyPr/>
+          <a:lstStyle/>
+          <a:p>
+            <a:pPr lvl="0" eaLnBrk="1" latinLnBrk="0" hangingPunct="1"/>
+            <a:r>
+              <a:rPr lang="en-US" altLang="zh-CN" smtClean="0"/>
+              <a:t>Click to edit Master text styles</a:t>
+            </a:r>
+          </a:p>
+          <a:p>
+            <a:pPr lvl="1" eaLnBrk="1" latinLnBrk="0" hangingPunct="1"/>
+            <a:r>
+              <a:rPr lang="en-US" altLang="zh-CN" smtClean="0"/>
+              <a:t>Second level</a:t>
+            </a:r>
+          </a:p>
+          <a:p>
+            <a:pPr lvl="2" eaLnBrk="1" latinLnBrk="0" hangingPunct="1"/>
+            <a:r>
+              <a:rPr lang="en-US" altLang="zh-CN" smtClean="0"/>
+              <a:t>Third level</a:t>
+            </a:r>
+          </a:p>
+          <a:p>
+            <a:pPr lvl="3" eaLnBrk="1" latinLnBrk="0" hangingPunct="1"/>
+            <a:r>
+              <a:rPr lang="en-US" altLang="zh-CN" smtClean="0"/>
+              <a:t>Fourth level</a:t>
+            </a:r>
+          </a:p>
+          <a:p>
+            <a:pPr lvl="4" eaLnBrk="1" latinLnBrk="0" hangingPunct="1"/>
+            <a:r>
+              <a:rPr lang="en-US" altLang="zh-CN" smtClean="0"/>
+              <a:t>Fifth level</a:t>
+            </a:r>
+            <a:endParaRPr kumimoji="0" lang="en-US"/>
+          </a:p>
+        </p:txBody>
+      </p:sp>
+      <p:sp>
+        <p:nvSpPr>
+          <p:cNvPr id="11" name="Content Placeholder 10"/>
+          <p:cNvSpPr>
+            <a:spLocks noGrp="1"/>
+          </p:cNvSpPr>
+          <p:nvPr>
+            <p:ph sz="quarter" idx="2"/>
+          </p:nvPr>
+        </p:nvSpPr>
+        <p:spPr>
+          <a:xfrm>
+            <a:off x="4632198" y="1216152"/>
+            <a:ext cx="4041648" cy="4937760"/>
+          </a:xfrm>
+        </p:spPr>
+        <p:txBody>
+          <a:bodyPr/>
+          <a:lstStyle/>
+          <a:p>
+            <a:pPr lvl="0" eaLnBrk="1" latinLnBrk="0" hangingPunct="1"/>
+            <a:r>
+              <a:rPr lang="en-US" altLang="zh-CN" smtClean="0"/>
+              <a:t>Click to edit Master text styles</a:t>
+            </a:r>
+          </a:p>
+          <a:p>
+            <a:pPr lvl="1" eaLnBrk="1" latinLnBrk="0" hangingPunct="1"/>
+            <a:r>
+              <a:rPr lang="en-US" altLang="zh-CN" smtClean="0"/>
+              <a:t>Second level</a:t>
+            </a:r>
+          </a:p>
+          <a:p>
+            <a:pPr lvl="2" eaLnBrk="1" latinLnBrk="0" hangingPunct="1"/>
+            <a:r>
+              <a:rPr lang="en-US" altLang="zh-CN" smtClean="0"/>
+              <a:t>Third level</a:t>
+            </a:r>
+          </a:p>
+          <a:p>
+            <a:pPr lvl="3" eaLnBrk="1" latinLnBrk="0" hangingPunct="1"/>
+            <a:r>
+              <a:rPr lang="en-US" altLang="zh-CN" smtClean="0"/>
+              <a:t>Fourth level</a:t>
+            </a:r>
+          </a:p>
+          <a:p>
+            <a:pPr lvl="4" eaLnBrk="1" latinLnBrk="0" hangingPunct="1"/>
+            <a:r>
+              <a:rPr lang="en-US" altLang="zh-CN" smtClean="0"/>
+              <a:t>Fifth level</a:t>
+            </a:r>
+            <a:endParaRPr kumimoji="0" lang="en-US"/>
           </a:p>
         </p:txBody>
       </p:sp>
@@ -1416,9 +1724,14 @@
             <p:ph type="title"/>
           </p:nvPr>
         </p:nvSpPr>
-        <p:spPr/>
-        <p:txBody>
-          <a:bodyPr/>
+        <p:spPr>
+          <a:xfrm>
+            <a:off x="457200" y="228600"/>
+            <a:ext cx="8229600" cy="914400"/>
+          </a:xfrm>
+        </p:spPr>
+        <p:txBody>
+          <a:bodyPr anchor="ctr"/>
           <a:lstStyle>
             <a:lvl1pPr>
               <a:defRPr/>
@@ -1426,10 +1739,10 @@
           </a:lstStyle>
           <a:p>
             <a:r>
-              <a:rPr lang="en-US" smtClean="0"/>
+              <a:rPr kumimoji="0" lang="en-US" altLang="zh-CN" smtClean="0"/>
               <a:t>Click to edit Master title style</a:t>
             </a:r>
-            <a:endParaRPr lang="en-US"/>
+            <a:endParaRPr kumimoji="0" lang="en-US"/>
           </a:p>
         </p:txBody>
       </p:sp>
@@ -1445,54 +1758,48 @@
         </p:nvSpPr>
         <p:spPr>
           <a:xfrm>
-            <a:off x="457200" y="1535113"/>
-            <a:ext cx="4040188" cy="639762"/>
-          </a:xfrm>
-        </p:spPr>
-        <p:txBody>
-          <a:bodyPr anchor="b"/>
+            <a:off x="457200" y="1285875"/>
+            <a:ext cx="4040188" cy="685800"/>
+          </a:xfrm>
+          <a:noFill/>
+          <a:ln>
+            <a:noFill/>
+          </a:ln>
+        </p:spPr>
+        <p:txBody>
+          <a:bodyPr lIns="91440" anchor="b" anchorCtr="0">
+            <a:noAutofit/>
+          </a:bodyPr>
           <a:lstStyle>
             <a:lvl1pPr marL="0" indent="0">
               <a:buNone/>
-              <a:defRPr sz="2400" b="1"/>
+              <a:defRPr sz="2400" b="1">
+                <a:solidFill>
+                  <a:schemeClr val="accent2"/>
+                </a:solidFill>
+              </a:defRPr>
             </a:lvl1pPr>
-            <a:lvl2pPr marL="457200" indent="0">
+            <a:lvl2pPr>
               <a:buNone/>
               <a:defRPr sz="2000" b="1"/>
             </a:lvl2pPr>
-            <a:lvl3pPr marL="914400" indent="0">
+            <a:lvl3pPr>
               <a:buNone/>
               <a:defRPr sz="1800" b="1"/>
             </a:lvl3pPr>
-            <a:lvl4pPr marL="1371600" indent="0">
+            <a:lvl4pPr>
               <a:buNone/>
               <a:defRPr sz="1600" b="1"/>
             </a:lvl4pPr>
-            <a:lvl5pPr marL="1828800" indent="0">
+            <a:lvl5pPr>
               <a:buNone/>
               <a:defRPr sz="1600" b="1"/>
             </a:lvl5pPr>
-            <a:lvl6pPr marL="2286000" indent="0">
-              <a:buNone/>
-              <a:defRPr sz="1600" b="1"/>
-            </a:lvl6pPr>
-            <a:lvl7pPr marL="2743200" indent="0">
-              <a:buNone/>
-              <a:defRPr sz="1600" b="1"/>
-            </a:lvl7pPr>
-            <a:lvl8pPr marL="3200400" indent="0">
-              <a:buNone/>
-              <a:defRPr sz="1600" b="1"/>
-            </a:lvl8pPr>
-            <a:lvl9pPr marL="3657600" indent="0">
-              <a:buNone/>
-              <a:defRPr sz="1600" b="1"/>
-            </a:lvl9pPr>
           </a:lstStyle>
           <a:p>
-            <a:pPr lvl="0"/>
-            <a:r>
-              <a:rPr lang="en-US" smtClean="0"/>
+            <a:pPr lvl="0" eaLnBrk="1" latinLnBrk="0" hangingPunct="1"/>
+            <a:r>
+              <a:rPr kumimoji="0" lang="en-US" altLang="zh-CN" smtClean="0"/>
               <a:t>Click to edit Master text styles</a:t>
             </a:r>
           </a:p>
@@ -1500,236 +1807,58 @@
       </p:sp>
       <p:sp>
         <p:nvSpPr>
-          <p:cNvPr id="4" name="Content Placeholder 3"/>
+          <p:cNvPr id="4" name="Text Placeholder 3"/>
           <p:cNvSpPr>
             <a:spLocks noGrp="1"/>
           </p:cNvSpPr>
           <p:nvPr>
-            <p:ph sz="half" idx="2"/>
+            <p:ph type="body" sz="half" idx="3"/>
           </p:nvPr>
         </p:nvSpPr>
         <p:spPr>
           <a:xfrm>
-            <a:off x="457200" y="2174875"/>
-            <a:ext cx="4040188" cy="3951288"/>
-          </a:xfrm>
-        </p:spPr>
-        <p:txBody>
-          <a:bodyPr/>
-          <a:lstStyle>
-            <a:lvl1pPr>
-              <a:defRPr sz="2400"/>
-            </a:lvl1pPr>
-            <a:lvl2pPr>
-              <a:defRPr sz="2000"/>
-            </a:lvl2pPr>
-            <a:lvl3pPr>
-              <a:defRPr sz="1800"/>
-            </a:lvl3pPr>
-            <a:lvl4pPr>
-              <a:defRPr sz="1600"/>
-            </a:lvl4pPr>
-            <a:lvl5pPr>
-              <a:defRPr sz="1600"/>
-            </a:lvl5pPr>
-            <a:lvl6pPr>
-              <a:defRPr sz="1600"/>
-            </a:lvl6pPr>
-            <a:lvl7pPr>
-              <a:defRPr sz="1600"/>
-            </a:lvl7pPr>
-            <a:lvl8pPr>
-              <a:defRPr sz="1600"/>
-            </a:lvl8pPr>
-            <a:lvl9pPr>
-              <a:defRPr sz="1600"/>
-            </a:lvl9pPr>
-          </a:lstStyle>
-          <a:p>
-            <a:pPr lvl="0"/>
-            <a:r>
-              <a:rPr lang="en-US" smtClean="0"/>
-              <a:t>Click to edit Master text styles</a:t>
-            </a:r>
-          </a:p>
-          <a:p>
-            <a:pPr lvl="1"/>
-            <a:r>
-              <a:rPr lang="en-US" smtClean="0"/>
-              <a:t>Second level</a:t>
-            </a:r>
-          </a:p>
-          <a:p>
-            <a:pPr lvl="2"/>
-            <a:r>
-              <a:rPr lang="en-US" smtClean="0"/>
-              <a:t>Third level</a:t>
-            </a:r>
-          </a:p>
-          <a:p>
-            <a:pPr lvl="3"/>
-            <a:r>
-              <a:rPr lang="en-US" smtClean="0"/>
-              <a:t>Fourth level</a:t>
-            </a:r>
-          </a:p>
-          <a:p>
-            <a:pPr lvl="4"/>
-            <a:r>
-              <a:rPr lang="en-US" smtClean="0"/>
-              <a:t>Fifth level</a:t>
-            </a:r>
-            <a:endParaRPr lang="en-US"/>
-          </a:p>
-        </p:txBody>
-      </p:sp>
-      <p:sp>
-        <p:nvSpPr>
-          <p:cNvPr id="5" name="Text Placeholder 4"/>
-          <p:cNvSpPr>
-            <a:spLocks noGrp="1"/>
-          </p:cNvSpPr>
-          <p:nvPr>
-            <p:ph type="body" sz="quarter" idx="3"/>
-          </p:nvPr>
-        </p:nvSpPr>
-        <p:spPr>
-          <a:xfrm>
-            <a:off x="4645025" y="1535113"/>
-            <a:ext cx="4041775" cy="639762"/>
-          </a:xfrm>
-        </p:spPr>
-        <p:txBody>
-          <a:bodyPr anchor="b"/>
+            <a:off x="4648200" y="1295400"/>
+            <a:ext cx="4041775" cy="685800"/>
+          </a:xfrm>
+          <a:noFill/>
+          <a:ln>
+            <a:noFill/>
+          </a:ln>
+        </p:spPr>
+        <p:txBody>
+          <a:bodyPr lIns="91440" anchor="b" anchorCtr="0"/>
           <a:lstStyle>
             <a:lvl1pPr marL="0" indent="0">
               <a:buNone/>
-              <a:defRPr sz="2400" b="1"/>
+              <a:defRPr sz="2400" b="1">
+                <a:solidFill>
+                  <a:schemeClr val="accent2"/>
+                </a:solidFill>
+              </a:defRPr>
             </a:lvl1pPr>
-            <a:lvl2pPr marL="457200" indent="0">
+            <a:lvl2pPr>
               <a:buNone/>
               <a:defRPr sz="2000" b="1"/>
             </a:lvl2pPr>
-            <a:lvl3pPr marL="914400" indent="0">
+            <a:lvl3pPr>
               <a:buNone/>
               <a:defRPr sz="1800" b="1"/>
             </a:lvl3pPr>
-            <a:lvl4pPr marL="1371600" indent="0">
+            <a:lvl4pPr>
               <a:buNone/>
               <a:defRPr sz="1600" b="1"/>
             </a:lvl4pPr>
-            <a:lvl5pPr marL="1828800" indent="0">
+            <a:lvl5pPr>
               <a:buNone/>
               <a:defRPr sz="1600" b="1"/>
             </a:lvl5pPr>
-            <a:lvl6pPr marL="2286000" indent="0">
-              <a:buNone/>
-              <a:defRPr sz="1600" b="1"/>
-            </a:lvl6pPr>
-            <a:lvl7pPr marL="2743200" indent="0">
-              <a:buNone/>
-              <a:defRPr sz="1600" b="1"/>
-            </a:lvl7pPr>
-            <a:lvl8pPr marL="3200400" indent="0">
-              <a:buNone/>
-              <a:defRPr sz="1600" b="1"/>
-            </a:lvl8pPr>
-            <a:lvl9pPr marL="3657600" indent="0">
-              <a:buNone/>
-              <a:defRPr sz="1600" b="1"/>
-            </a:lvl9pPr>
           </a:lstStyle>
           <a:p>
-            <a:pPr lvl="0"/>
-            <a:r>
-              <a:rPr lang="en-US" smtClean="0"/>
+            <a:pPr lvl="0" eaLnBrk="1" latinLnBrk="0" hangingPunct="1"/>
+            <a:r>
+              <a:rPr kumimoji="0" lang="en-US" altLang="zh-CN" smtClean="0"/>
               <a:t>Click to edit Master text styles</a:t>
             </a:r>
-          </a:p>
-        </p:txBody>
-      </p:sp>
-      <p:sp>
-        <p:nvSpPr>
-          <p:cNvPr id="6" name="Content Placeholder 5"/>
-          <p:cNvSpPr>
-            <a:spLocks noGrp="1"/>
-          </p:cNvSpPr>
-          <p:nvPr>
-            <p:ph sz="quarter" idx="4"/>
-          </p:nvPr>
-        </p:nvSpPr>
-        <p:spPr>
-          <a:xfrm>
-            <a:off x="4645025" y="2174875"/>
-            <a:ext cx="4041775" cy="3951288"/>
-          </a:xfrm>
-        </p:spPr>
-        <p:txBody>
-          <a:bodyPr/>
-          <a:lstStyle>
-            <a:lvl1pPr>
-              <a:defRPr sz="2400"/>
-            </a:lvl1pPr>
-            <a:lvl2pPr>
-              <a:defRPr sz="2000"/>
-            </a:lvl2pPr>
-            <a:lvl3pPr>
-              <a:defRPr sz="1800"/>
-            </a:lvl3pPr>
-            <a:lvl4pPr>
-              <a:defRPr sz="1600"/>
-            </a:lvl4pPr>
-            <a:lvl5pPr>
-              <a:defRPr sz="1600"/>
-            </a:lvl5pPr>
-            <a:lvl6pPr>
-              <a:defRPr sz="1600"/>
-            </a:lvl6pPr>
-            <a:lvl7pPr>
-              <a:defRPr sz="1600"/>
-            </a:lvl7pPr>
-            <a:lvl8pPr>
-              <a:defRPr sz="1600"/>
-            </a:lvl8pPr>
-            <a:lvl9pPr>
-              <a:defRPr sz="1600"/>
-            </a:lvl9pPr>
-          </a:lstStyle>
-          <a:p>
-            <a:pPr lvl="0"/>
-            <a:r>
-              <a:rPr lang="en-US" smtClean="0"/>
-              <a:t>Click to edit Master text styles</a:t>
-            </a:r>
-          </a:p>
-          <a:p>
-            <a:pPr lvl="1"/>
-            <a:r>
-              <a:rPr lang="en-US" smtClean="0"/>
-              <a:t>Second level</a:t>
-            </a:r>
-          </a:p>
-          <a:p>
-            <a:pPr lvl="2"/>
-            <a:r>
-              <a:rPr lang="en-US" smtClean="0"/>
-              <a:t>Third level</a:t>
-            </a:r>
-          </a:p>
-          <a:p>
-            <a:pPr lvl="3"/>
-            <a:r>
-              <a:rPr lang="en-US" smtClean="0"/>
-              <a:t>Fourth level</a:t>
-            </a:r>
-          </a:p>
-          <a:p>
-            <a:pPr lvl="4"/>
-            <a:r>
-              <a:rPr lang="en-US" smtClean="0"/>
-              <a:t>Fifth level</a:t>
-            </a:r>
-            <a:endParaRPr lang="en-US"/>
           </a:p>
         </p:txBody>
       </p:sp>
@@ -1751,7 +1880,7 @@
             <a:fld id="{1D8BD707-D9CF-40AE-B4C6-C98DA3205C09}" type="datetimeFigureOut">
               <a:rPr lang="en-US" smtClean="0"/>
               <a:pPr/>
-              <a:t>11/17/2013</a:t>
+              <a:t>11/26/2013</a:t>
             </a:fld>
             <a:endParaRPr lang="en-US"/>
           </a:p>
@@ -1797,6 +1926,120 @@
               <a:t>‹#›</a:t>
             </a:fld>
             <a:endParaRPr lang="en-US"/>
+          </a:p>
+        </p:txBody>
+      </p:sp>
+      <p:sp>
+        <p:nvSpPr>
+          <p:cNvPr id="11" name="Content Placeholder 10"/>
+          <p:cNvSpPr>
+            <a:spLocks noGrp="1"/>
+          </p:cNvSpPr>
+          <p:nvPr>
+            <p:ph sz="quarter" idx="2"/>
+          </p:nvPr>
+        </p:nvSpPr>
+        <p:spPr>
+          <a:xfrm>
+            <a:off x="457200" y="2133600"/>
+            <a:ext cx="4038600" cy="4038600"/>
+          </a:xfrm>
+        </p:spPr>
+        <p:txBody>
+          <a:bodyPr/>
+          <a:lstStyle/>
+          <a:p>
+            <a:pPr lvl="0" eaLnBrk="1" latinLnBrk="0" hangingPunct="1"/>
+            <a:r>
+              <a:rPr lang="en-US" altLang="zh-CN" smtClean="0"/>
+              <a:t>Click to edit Master text styles</a:t>
+            </a:r>
+          </a:p>
+          <a:p>
+            <a:pPr lvl="1" eaLnBrk="1" latinLnBrk="0" hangingPunct="1"/>
+            <a:r>
+              <a:rPr lang="en-US" altLang="zh-CN" smtClean="0"/>
+              <a:t>Second level</a:t>
+            </a:r>
+          </a:p>
+          <a:p>
+            <a:pPr lvl="2" eaLnBrk="1" latinLnBrk="0" hangingPunct="1"/>
+            <a:r>
+              <a:rPr lang="en-US" altLang="zh-CN" smtClean="0"/>
+              <a:t>Third level</a:t>
+            </a:r>
+          </a:p>
+          <a:p>
+            <a:pPr lvl="3" eaLnBrk="1" latinLnBrk="0" hangingPunct="1"/>
+            <a:r>
+              <a:rPr lang="en-US" altLang="zh-CN" smtClean="0"/>
+              <a:t>Fourth level</a:t>
+            </a:r>
+          </a:p>
+          <a:p>
+            <a:pPr lvl="4" eaLnBrk="1" latinLnBrk="0" hangingPunct="1"/>
+            <a:r>
+              <a:rPr lang="en-US" altLang="zh-CN" smtClean="0"/>
+              <a:t>Fifth level</a:t>
+            </a:r>
+            <a:endParaRPr kumimoji="0" lang="en-US"/>
+          </a:p>
+        </p:txBody>
+      </p:sp>
+      <p:sp>
+        <p:nvSpPr>
+          <p:cNvPr id="13" name="Content Placeholder 12"/>
+          <p:cNvSpPr>
+            <a:spLocks noGrp="1"/>
+          </p:cNvSpPr>
+          <p:nvPr>
+            <p:ph sz="quarter" idx="4"/>
+          </p:nvPr>
+        </p:nvSpPr>
+        <p:spPr>
+          <a:xfrm>
+            <a:off x="4648200" y="2133600"/>
+            <a:ext cx="4038600" cy="4038600"/>
+          </a:xfrm>
+        </p:spPr>
+        <p:txBody>
+          <a:bodyPr/>
+          <a:lstStyle/>
+          <a:p>
+            <a:pPr lvl="0" eaLnBrk="1" latinLnBrk="0" hangingPunct="1"/>
+            <a:r>
+              <a:rPr lang="en-US" altLang="zh-CN" smtClean="0"/>
+              <a:t>Click to edit Master text styles</a:t>
+            </a:r>
+          </a:p>
+          <a:p>
+            <a:pPr lvl="1" eaLnBrk="1" latinLnBrk="0" hangingPunct="1"/>
+            <a:r>
+              <a:rPr lang="en-US" altLang="zh-CN" smtClean="0"/>
+              <a:t>Second level</a:t>
+            </a:r>
+          </a:p>
+          <a:p>
+            <a:pPr lvl="2" eaLnBrk="1" latinLnBrk="0" hangingPunct="1"/>
+            <a:r>
+              <a:rPr lang="en-US" altLang="zh-CN" smtClean="0"/>
+              <a:t>Third level</a:t>
+            </a:r>
+          </a:p>
+          <a:p>
+            <a:pPr lvl="3" eaLnBrk="1" latinLnBrk="0" hangingPunct="1"/>
+            <a:r>
+              <a:rPr lang="en-US" altLang="zh-CN" smtClean="0"/>
+              <a:t>Fourth level</a:t>
+            </a:r>
+          </a:p>
+          <a:p>
+            <a:pPr lvl="4" eaLnBrk="1" latinLnBrk="0" hangingPunct="1"/>
+            <a:r>
+              <a:rPr lang="en-US" altLang="zh-CN" smtClean="0"/>
+              <a:t>Fifth level</a:t>
+            </a:r>
+            <a:endParaRPr kumimoji="0" lang="en-US"/>
           </a:p>
         </p:txBody>
       </p:sp>
@@ -1835,16 +2078,21 @@
             <p:ph type="title"/>
           </p:nvPr>
         </p:nvSpPr>
-        <p:spPr/>
+        <p:spPr>
+          <a:xfrm>
+            <a:off x="457200" y="228600"/>
+            <a:ext cx="8229600" cy="914400"/>
+          </a:xfrm>
+        </p:spPr>
         <p:txBody>
           <a:bodyPr/>
           <a:lstStyle/>
           <a:p>
             <a:r>
-              <a:rPr lang="en-US" smtClean="0"/>
+              <a:rPr kumimoji="0" lang="en-US" altLang="zh-CN" smtClean="0"/>
               <a:t>Click to edit Master title style</a:t>
             </a:r>
-            <a:endParaRPr lang="en-US"/>
+            <a:endParaRPr kumimoji="0" lang="en-US"/>
           </a:p>
         </p:txBody>
       </p:sp>
@@ -1866,7 +2114,7 @@
             <a:fld id="{1D8BD707-D9CF-40AE-B4C6-C98DA3205C09}" type="datetimeFigureOut">
               <a:rPr lang="en-US" smtClean="0"/>
               <a:pPr/>
-              <a:t>11/17/2013</a:t>
+              <a:t>11/26/2013</a:t>
             </a:fld>
             <a:endParaRPr lang="en-US"/>
           </a:p>
@@ -1912,6 +2160,56 @@
               <a:t>‹#›</a:t>
             </a:fld>
             <a:endParaRPr lang="en-US"/>
+          </a:p>
+        </p:txBody>
+      </p:sp>
+      <p:sp>
+        <p:nvSpPr>
+          <p:cNvPr id="6" name="Isosceles Triangle 5"/>
+          <p:cNvSpPr>
+            <a:spLocks noChangeAspect="1"/>
+          </p:cNvSpPr>
+          <p:nvPr/>
+        </p:nvSpPr>
+        <p:spPr>
+          <a:xfrm rot="5400000">
+            <a:off x="419100" y="6467475"/>
+            <a:ext cx="190849" cy="120314"/>
+          </a:xfrm>
+          <a:prstGeom prst="triangle">
+            <a:avLst>
+              <a:gd name="adj" fmla="val 50000"/>
+            </a:avLst>
+          </a:prstGeom>
+          <a:solidFill>
+            <a:schemeClr val="accent2"/>
+          </a:solidFill>
+          <a:ln w="25400" cap="rnd" cmpd="sng" algn="ctr">
+            <a:noFill/>
+            <a:prstDash val="solid"/>
+          </a:ln>
+          <a:effectLst/>
+        </p:spPr>
+        <p:style>
+          <a:lnRef idx="3">
+            <a:schemeClr val="lt1"/>
+          </a:lnRef>
+          <a:fillRef idx="1">
+            <a:schemeClr val="accent1"/>
+          </a:fillRef>
+          <a:effectRef idx="1">
+            <a:schemeClr val="accent1"/>
+          </a:effectRef>
+          <a:fontRef idx="minor">
+            <a:schemeClr val="lt1"/>
+          </a:fontRef>
+        </p:style>
+        <p:txBody>
+          <a:bodyPr anchor="ctr"/>
+          <a:lstStyle/>
+          <a:p>
+            <a:pPr algn="ctr" eaLnBrk="1" latinLnBrk="0" hangingPunct="1"/>
+            <a:endParaRPr kumimoji="0" lang="en-US"/>
           </a:p>
         </p:txBody>
       </p:sp>
@@ -1924,7 +2222,7 @@
 </file>
 
 <file path=ppt/slideLayouts/slideLayout7.xml><?xml version="1.0" encoding="utf-8"?>
-<p:sldLayout xmlns:a="http://schemas.openxmlformats.org/drawingml/2006/main" xmlns:r="http://schemas.openxmlformats.org/officeDocument/2006/relationships" xmlns:p="http://schemas.openxmlformats.org/presentationml/2006/main" type="blank" preserve="1">
+<p:sldLayout xmlns:a="http://schemas.openxmlformats.org/drawingml/2006/main" xmlns:r="http://schemas.openxmlformats.org/officeDocument/2006/relationships" xmlns:p="http://schemas.openxmlformats.org/presentationml/2006/main" showMasterSp="0" type="blank" preserve="1">
   <p:cSld name="Blank">
     <p:spTree>
       <p:nvGrpSpPr>
@@ -1958,7 +2256,7 @@
             <a:fld id="{1D8BD707-D9CF-40AE-B4C6-C98DA3205C09}" type="datetimeFigureOut">
               <a:rPr lang="en-US" smtClean="0"/>
               <a:pPr/>
-              <a:t>11/17/2013</a:t>
+              <a:t>11/26/2013</a:t>
             </a:fld>
             <a:endParaRPr lang="en-US"/>
           </a:p>
@@ -2004,6 +2302,92 @@
               <a:t>‹#›</a:t>
             </a:fld>
             <a:endParaRPr lang="en-US"/>
+          </a:p>
+        </p:txBody>
+      </p:sp>
+      <p:sp>
+        <p:nvSpPr>
+          <p:cNvPr id="5" name="Straight Connector 4"/>
+          <p:cNvSpPr>
+            <a:spLocks noChangeShapeType="1"/>
+          </p:cNvSpPr>
+          <p:nvPr/>
+        </p:nvSpPr>
+        <p:spPr bwMode="auto">
+          <a:xfrm>
+            <a:off x="457200" y="6353175"/>
+            <a:ext cx="8229600" cy="0"/>
+          </a:xfrm>
+          <a:prstGeom prst="line">
+            <a:avLst/>
+          </a:prstGeom>
+          <a:noFill/>
+          <a:ln w="9525" cap="flat" cmpd="sng" algn="ctr">
+            <a:solidFill>
+              <a:schemeClr val="accent2"/>
+            </a:solidFill>
+            <a:prstDash val="dash"/>
+            <a:round/>
+            <a:headEnd type="none" w="med" len="med"/>
+            <a:tailEnd type="none" w="med" len="med"/>
+          </a:ln>
+          <a:effectLst/>
+        </p:spPr>
+        <p:txBody>
+          <a:bodyPr vert="horz" wrap="square" lIns="91440" tIns="45720" rIns="91440" bIns="45720" anchor="t" compatLnSpc="1"/>
+          <a:lstStyle/>
+          <a:p>
+            <a:endParaRPr kumimoji="0" lang="en-US"/>
+          </a:p>
+        </p:txBody>
+      </p:sp>
+      <p:sp>
+        <p:nvSpPr>
+          <p:cNvPr id="6" name="Isosceles Triangle 5"/>
+          <p:cNvSpPr>
+            <a:spLocks noChangeAspect="1"/>
+          </p:cNvSpPr>
+          <p:nvPr/>
+        </p:nvSpPr>
+        <p:spPr>
+          <a:xfrm rot="5400000">
+            <a:off x="419100" y="6467475"/>
+            <a:ext cx="190849" cy="120314"/>
+          </a:xfrm>
+          <a:prstGeom prst="triangle">
+            <a:avLst>
+              <a:gd name="adj" fmla="val 50000"/>
+            </a:avLst>
+          </a:prstGeom>
+          <a:solidFill>
+            <a:schemeClr val="accent2"/>
+          </a:solidFill>
+          <a:ln w="25400" cap="rnd" cmpd="sng" algn="ctr">
+            <a:noFill/>
+            <a:prstDash val="solid"/>
+          </a:ln>
+          <a:effectLst/>
+        </p:spPr>
+        <p:style>
+          <a:lnRef idx="3">
+            <a:schemeClr val="lt1"/>
+          </a:lnRef>
+          <a:fillRef idx="1">
+            <a:schemeClr val="accent1"/>
+          </a:fillRef>
+          <a:effectRef idx="1">
+            <a:schemeClr val="accent1"/>
+          </a:effectRef>
+          <a:fontRef idx="minor">
+            <a:schemeClr val="lt1"/>
+          </a:fontRef>
+        </p:style>
+        <p:txBody>
+          <a:bodyPr anchor="ctr"/>
+          <a:lstStyle/>
+          <a:p>
+            <a:pPr algn="ctr" eaLnBrk="1" latinLnBrk="0" hangingPunct="1"/>
+            <a:endParaRPr kumimoji="0" lang="en-US"/>
           </a:p>
         </p:txBody>
       </p:sp>
@@ -2016,7 +2400,7 @@
 </file>
 
 <file path=ppt/slideLayouts/slideLayout8.xml><?xml version="1.0" encoding="utf-8"?>
-<p:sldLayout xmlns:a="http://schemas.openxmlformats.org/drawingml/2006/main" xmlns:r="http://schemas.openxmlformats.org/officeDocument/2006/relationships" xmlns:p="http://schemas.openxmlformats.org/presentationml/2006/main" type="objTx" preserve="1">
+<p:sldLayout xmlns:a="http://schemas.openxmlformats.org/drawingml/2006/main" xmlns:r="http://schemas.openxmlformats.org/officeDocument/2006/relationships" xmlns:p="http://schemas.openxmlformats.org/presentationml/2006/main" showMasterSp="0" type="objTx" preserve="1">
   <p:cSld name="Content with Caption">
     <p:spTree>
       <p:nvGrpSpPr>
@@ -2044,171 +2428,90 @@
         </p:nvSpPr>
         <p:spPr>
           <a:xfrm>
-            <a:off x="457200" y="273050"/>
-            <a:ext cx="3008313" cy="1162050"/>
-          </a:xfrm>
-        </p:spPr>
-        <p:txBody>
-          <a:bodyPr anchor="b"/>
+            <a:off x="6324600" y="304800"/>
+            <a:ext cx="2514600" cy="838200"/>
+          </a:xfrm>
+        </p:spPr>
+        <p:txBody>
+          <a:bodyPr anchor="b" anchorCtr="0">
+            <a:noAutofit/>
+          </a:bodyPr>
           <a:lstStyle>
             <a:lvl1pPr algn="l">
-              <a:defRPr sz="2000" b="1"/>
+              <a:buNone/>
+              <a:defRPr sz="2000" b="1">
+                <a:solidFill>
+                  <a:schemeClr val="tx2"/>
+                </a:solidFill>
+                <a:latin typeface="+mn-lt"/>
+                <a:ea typeface="+mn-ea"/>
+                <a:cs typeface="+mn-cs"/>
+              </a:defRPr>
             </a:lvl1pPr>
           </a:lstStyle>
           <a:p>
             <a:r>
-              <a:rPr lang="en-US" smtClean="0"/>
+              <a:rPr kumimoji="0" lang="en-US" altLang="zh-CN" smtClean="0"/>
               <a:t>Click to edit Master title style</a:t>
             </a:r>
-            <a:endParaRPr lang="en-US"/>
-          </a:p>
-        </p:txBody>
-      </p:sp>
-      <p:sp>
-        <p:nvSpPr>
-          <p:cNvPr id="3" name="Content Placeholder 2"/>
+            <a:endParaRPr kumimoji="0" lang="en-US"/>
+          </a:p>
+        </p:txBody>
+      </p:sp>
+      <p:sp>
+        <p:nvSpPr>
+          <p:cNvPr id="3" name="Text Placeholder 2"/>
           <p:cNvSpPr>
             <a:spLocks noGrp="1"/>
           </p:cNvSpPr>
           <p:nvPr>
-            <p:ph idx="1"/>
+            <p:ph type="body" idx="2"/>
           </p:nvPr>
         </p:nvSpPr>
         <p:spPr>
           <a:xfrm>
-            <a:off x="3575050" y="273050"/>
-            <a:ext cx="5111750" cy="5853113"/>
-          </a:xfrm>
-        </p:spPr>
-        <p:txBody>
-          <a:bodyPr/>
-          <a:lstStyle>
-            <a:lvl1pPr>
-              <a:defRPr sz="3200"/>
-            </a:lvl1pPr>
-            <a:lvl2pPr>
-              <a:defRPr sz="2800"/>
-            </a:lvl2pPr>
-            <a:lvl3pPr>
-              <a:defRPr sz="2400"/>
-            </a:lvl3pPr>
-            <a:lvl4pPr>
-              <a:defRPr sz="2000"/>
-            </a:lvl4pPr>
-            <a:lvl5pPr>
-              <a:defRPr sz="2000"/>
-            </a:lvl5pPr>
-            <a:lvl6pPr>
-              <a:defRPr sz="2000"/>
-            </a:lvl6pPr>
-            <a:lvl7pPr>
-              <a:defRPr sz="2000"/>
-            </a:lvl7pPr>
-            <a:lvl8pPr>
-              <a:defRPr sz="2000"/>
-            </a:lvl8pPr>
-            <a:lvl9pPr>
-              <a:defRPr sz="2000"/>
-            </a:lvl9pPr>
-          </a:lstStyle>
-          <a:p>
-            <a:pPr lvl="0"/>
-            <a:r>
-              <a:rPr lang="en-US" smtClean="0"/>
-              <a:t>Click to edit Master text styles</a:t>
-            </a:r>
-          </a:p>
-          <a:p>
-            <a:pPr lvl="1"/>
-            <a:r>
-              <a:rPr lang="en-US" smtClean="0"/>
-              <a:t>Second level</a:t>
-            </a:r>
-          </a:p>
-          <a:p>
-            <a:pPr lvl="2"/>
-            <a:r>
-              <a:rPr lang="en-US" smtClean="0"/>
-              <a:t>Third level</a:t>
-            </a:r>
-          </a:p>
-          <a:p>
-            <a:pPr lvl="3"/>
-            <a:r>
-              <a:rPr lang="en-US" smtClean="0"/>
-              <a:t>Fourth level</a:t>
-            </a:r>
-          </a:p>
-          <a:p>
-            <a:pPr lvl="4"/>
-            <a:r>
-              <a:rPr lang="en-US" smtClean="0"/>
-              <a:t>Fifth level</a:t>
-            </a:r>
-            <a:endParaRPr lang="en-US"/>
-          </a:p>
-        </p:txBody>
-      </p:sp>
-      <p:sp>
-        <p:nvSpPr>
-          <p:cNvPr id="4" name="Text Placeholder 3"/>
-          <p:cNvSpPr>
-            <a:spLocks noGrp="1"/>
-          </p:cNvSpPr>
-          <p:nvPr>
-            <p:ph type="body" sz="half" idx="2"/>
-          </p:nvPr>
-        </p:nvSpPr>
-        <p:spPr>
-          <a:xfrm>
-            <a:off x="457200" y="1435100"/>
-            <a:ext cx="3008313" cy="4691063"/>
+            <a:off x="6324600" y="1219200"/>
+            <a:ext cx="2514600" cy="4843463"/>
           </a:xfrm>
         </p:spPr>
         <p:txBody>
           <a:bodyPr/>
           <a:lstStyle>
             <a:lvl1pPr marL="0" indent="0">
+              <a:lnSpc>
+                <a:spcPts val="2200"/>
+              </a:lnSpc>
+              <a:spcAft>
+                <a:spcPts val="1000"/>
+              </a:spcAft>
               <a:buNone/>
-              <a:defRPr sz="1400"/>
+              <a:defRPr sz="1600">
+                <a:solidFill>
+                  <a:schemeClr val="tx2"/>
+                </a:solidFill>
+              </a:defRPr>
             </a:lvl1pPr>
-            <a:lvl2pPr marL="457200" indent="0">
+            <a:lvl2pPr>
               <a:buNone/>
               <a:defRPr sz="1200"/>
             </a:lvl2pPr>
-            <a:lvl3pPr marL="914400" indent="0">
+            <a:lvl3pPr>
               <a:buNone/>
               <a:defRPr sz="1000"/>
             </a:lvl3pPr>
-            <a:lvl4pPr marL="1371600" indent="0">
+            <a:lvl4pPr>
               <a:buNone/>
               <a:defRPr sz="900"/>
             </a:lvl4pPr>
-            <a:lvl5pPr marL="1828800" indent="0">
+            <a:lvl5pPr>
               <a:buNone/>
               <a:defRPr sz="900"/>
             </a:lvl5pPr>
-            <a:lvl6pPr marL="2286000" indent="0">
-              <a:buNone/>
-              <a:defRPr sz="900"/>
-            </a:lvl6pPr>
-            <a:lvl7pPr marL="2743200" indent="0">
-              <a:buNone/>
-              <a:defRPr sz="900"/>
-            </a:lvl7pPr>
-            <a:lvl8pPr marL="3200400" indent="0">
-              <a:buNone/>
-              <a:defRPr sz="900"/>
-            </a:lvl8pPr>
-            <a:lvl9pPr marL="3657600" indent="0">
-              <a:buNone/>
-              <a:defRPr sz="900"/>
-            </a:lvl9pPr>
           </a:lstStyle>
           <a:p>
-            <a:pPr lvl="0"/>
-            <a:r>
-              <a:rPr lang="en-US" smtClean="0"/>
+            <a:pPr lvl="0" eaLnBrk="1" latinLnBrk="0" hangingPunct="1"/>
+            <a:r>
+              <a:rPr kumimoji="0" lang="en-US" altLang="zh-CN" smtClean="0"/>
               <a:t>Click to edit Master text styles</a:t>
             </a:r>
           </a:p>
@@ -2232,7 +2535,7 @@
             <a:fld id="{1D8BD707-D9CF-40AE-B4C6-C98DA3205C09}" type="datetimeFigureOut">
               <a:rPr lang="en-US" smtClean="0"/>
               <a:pPr/>
-              <a:t>11/17/2013</a:t>
+              <a:t>11/26/2013</a:t>
             </a:fld>
             <a:endParaRPr lang="en-US"/>
           </a:p>
@@ -2278,6 +2581,185 @@
               <a:t>‹#›</a:t>
             </a:fld>
             <a:endParaRPr lang="en-US"/>
+          </a:p>
+        </p:txBody>
+      </p:sp>
+      <p:sp>
+        <p:nvSpPr>
+          <p:cNvPr id="8" name="Straight Connector 7"/>
+          <p:cNvSpPr>
+            <a:spLocks noChangeShapeType="1"/>
+          </p:cNvSpPr>
+          <p:nvPr/>
+        </p:nvSpPr>
+        <p:spPr bwMode="auto">
+          <a:xfrm>
+            <a:off x="457200" y="6353175"/>
+            <a:ext cx="8229600" cy="0"/>
+          </a:xfrm>
+          <a:prstGeom prst="line">
+            <a:avLst/>
+          </a:prstGeom>
+          <a:noFill/>
+          <a:ln w="9525" cap="flat" cmpd="sng" algn="ctr">
+            <a:solidFill>
+              <a:schemeClr val="accent2"/>
+            </a:solidFill>
+            <a:prstDash val="dash"/>
+            <a:round/>
+            <a:headEnd type="none" w="med" len="med"/>
+            <a:tailEnd type="none" w="med" len="med"/>
+          </a:ln>
+          <a:effectLst/>
+        </p:spPr>
+        <p:txBody>
+          <a:bodyPr vert="horz" wrap="square" lIns="91440" tIns="45720" rIns="91440" bIns="45720" anchor="t" compatLnSpc="1"/>
+          <a:lstStyle/>
+          <a:p>
+            <a:endParaRPr kumimoji="0" lang="en-US"/>
+          </a:p>
+        </p:txBody>
+      </p:sp>
+      <p:sp>
+        <p:nvSpPr>
+          <p:cNvPr id="10" name="Straight Connector 9"/>
+          <p:cNvSpPr>
+            <a:spLocks noChangeShapeType="1"/>
+          </p:cNvSpPr>
+          <p:nvPr/>
+        </p:nvSpPr>
+        <p:spPr bwMode="auto">
+          <a:xfrm rot="5400000">
+            <a:off x="3160645" y="3324225"/>
+            <a:ext cx="6035040" cy="0"/>
+          </a:xfrm>
+          <a:prstGeom prst="line">
+            <a:avLst/>
+          </a:prstGeom>
+          <a:noFill/>
+          <a:ln w="9525" cap="flat" cmpd="sng" algn="ctr">
+            <a:solidFill>
+              <a:schemeClr val="accent2"/>
+            </a:solidFill>
+            <a:prstDash val="dash"/>
+            <a:round/>
+            <a:headEnd type="none" w="med" len="med"/>
+            <a:tailEnd type="none" w="med" len="med"/>
+          </a:ln>
+          <a:effectLst/>
+        </p:spPr>
+        <p:txBody>
+          <a:bodyPr vert="horz" wrap="square" lIns="91440" tIns="45720" rIns="91440" bIns="45720" anchor="t" compatLnSpc="1"/>
+          <a:lstStyle/>
+          <a:p>
+            <a:endParaRPr kumimoji="0" lang="en-US" dirty="0"/>
+          </a:p>
+        </p:txBody>
+      </p:sp>
+      <p:sp>
+        <p:nvSpPr>
+          <p:cNvPr id="9" name="Isosceles Triangle 8"/>
+          <p:cNvSpPr>
+            <a:spLocks noChangeAspect="1"/>
+          </p:cNvSpPr>
+          <p:nvPr/>
+        </p:nvSpPr>
+        <p:spPr>
+          <a:xfrm rot="5400000">
+            <a:off x="419100" y="6467475"/>
+            <a:ext cx="190849" cy="120314"/>
+          </a:xfrm>
+          <a:prstGeom prst="triangle">
+            <a:avLst>
+              <a:gd name="adj" fmla="val 50000"/>
+            </a:avLst>
+          </a:prstGeom>
+          <a:solidFill>
+            <a:schemeClr val="accent2"/>
+          </a:solidFill>
+          <a:ln w="25400" cap="rnd" cmpd="sng" algn="ctr">
+            <a:noFill/>
+            <a:prstDash val="solid"/>
+          </a:ln>
+          <a:effectLst/>
+        </p:spPr>
+        <p:style>
+          <a:lnRef idx="3">
+            <a:schemeClr val="lt1"/>
+          </a:lnRef>
+          <a:fillRef idx="1">
+            <a:schemeClr val="accent1"/>
+          </a:fillRef>
+          <a:effectRef idx="1">
+            <a:schemeClr val="accent1"/>
+          </a:effectRef>
+          <a:fontRef idx="minor">
+            <a:schemeClr val="lt1"/>
+          </a:fontRef>
+        </p:style>
+        <p:txBody>
+          <a:bodyPr anchor="ctr"/>
+          <a:lstStyle/>
+          <a:p>
+            <a:pPr algn="ctr" eaLnBrk="1" latinLnBrk="0" hangingPunct="1"/>
+            <a:endParaRPr kumimoji="0" lang="en-US"/>
+          </a:p>
+        </p:txBody>
+      </p:sp>
+      <p:sp>
+        <p:nvSpPr>
+          <p:cNvPr id="12" name="Content Placeholder 11"/>
+          <p:cNvSpPr>
+            <a:spLocks noGrp="1"/>
+          </p:cNvSpPr>
+          <p:nvPr>
+            <p:ph sz="quarter" idx="1"/>
+          </p:nvPr>
+        </p:nvSpPr>
+        <p:spPr>
+          <a:xfrm>
+            <a:off x="304800" y="304800"/>
+            <a:ext cx="5715000" cy="5715000"/>
+          </a:xfrm>
+        </p:spPr>
+        <p:txBody>
+          <a:bodyPr/>
+          <a:lstStyle/>
+          <a:p>
+            <a:pPr lvl="0" eaLnBrk="1" latinLnBrk="0" hangingPunct="1"/>
+            <a:r>
+              <a:rPr lang="en-US" altLang="zh-CN" smtClean="0"/>
+              <a:t>Click to edit Master text styles</a:t>
+            </a:r>
+          </a:p>
+          <a:p>
+            <a:pPr lvl="1" eaLnBrk="1" latinLnBrk="0" hangingPunct="1"/>
+            <a:r>
+              <a:rPr lang="en-US" altLang="zh-CN" smtClean="0"/>
+              <a:t>Second level</a:t>
+            </a:r>
+          </a:p>
+          <a:p>
+            <a:pPr lvl="2" eaLnBrk="1" latinLnBrk="0" hangingPunct="1"/>
+            <a:r>
+              <a:rPr lang="en-US" altLang="zh-CN" smtClean="0"/>
+              <a:t>Third level</a:t>
+            </a:r>
+          </a:p>
+          <a:p>
+            <a:pPr lvl="3" eaLnBrk="1" latinLnBrk="0" hangingPunct="1"/>
+            <a:r>
+              <a:rPr lang="en-US" altLang="zh-CN" smtClean="0"/>
+              <a:t>Fourth level</a:t>
+            </a:r>
+          </a:p>
+          <a:p>
+            <a:pPr lvl="4" eaLnBrk="1" latinLnBrk="0" hangingPunct="1"/>
+            <a:r>
+              <a:rPr lang="en-US" altLang="zh-CN" smtClean="0"/>
+              <a:t>Fifth level</a:t>
+            </a:r>
+            <a:endParaRPr kumimoji="0" lang="en-US"/>
           </a:p>
         </p:txBody>
       </p:sp>
@@ -2290,8 +2772,13 @@
 </file>
 
 <file path=ppt/slideLayouts/slideLayout9.xml><?xml version="1.0" encoding="utf-8"?>
-<p:sldLayout xmlns:a="http://schemas.openxmlformats.org/drawingml/2006/main" xmlns:r="http://schemas.openxmlformats.org/officeDocument/2006/relationships" xmlns:p="http://schemas.openxmlformats.org/presentationml/2006/main" type="picTx" preserve="1">
+<p:sldLayout xmlns:a="http://schemas.openxmlformats.org/drawingml/2006/main" xmlns:r="http://schemas.openxmlformats.org/officeDocument/2006/relationships" xmlns:p="http://schemas.openxmlformats.org/presentationml/2006/main" showMasterSp="0" type="picTx" preserve="1">
   <p:cSld name="Picture with Caption">
+    <p:bg>
+      <p:bgRef idx="1001">
+        <a:schemeClr val="bg2"/>
+      </p:bgRef>
+    </p:bg>
     <p:spTree>
       <p:nvGrpSpPr>
         <p:cNvPr id="1" name=""/>
@@ -2318,23 +2805,33 @@
         </p:nvSpPr>
         <p:spPr>
           <a:xfrm>
-            <a:off x="1792288" y="4800600"/>
-            <a:ext cx="5486400" cy="566738"/>
-          </a:xfrm>
-        </p:spPr>
-        <p:txBody>
-          <a:bodyPr anchor="b"/>
+            <a:off x="457200" y="500856"/>
+            <a:ext cx="8229600" cy="674688"/>
+          </a:xfrm>
+          <a:ln>
+            <a:solidFill>
+              <a:schemeClr val="accent1"/>
+            </a:solidFill>
+          </a:ln>
+        </p:spPr>
+        <p:txBody>
+          <a:bodyPr lIns="274320" anchor="ctr"/>
           <a:lstStyle>
-            <a:lvl1pPr algn="l">
-              <a:defRPr sz="2000" b="1"/>
+            <a:lvl1pPr algn="r">
+              <a:buNone/>
+              <a:defRPr sz="2000" b="0">
+                <a:solidFill>
+                  <a:schemeClr val="tx1"/>
+                </a:solidFill>
+              </a:defRPr>
             </a:lvl1pPr>
           </a:lstStyle>
           <a:p>
             <a:r>
-              <a:rPr lang="en-US" smtClean="0"/>
+              <a:rPr kumimoji="0" lang="en-US" altLang="zh-CN" smtClean="0"/>
               <a:t>Click to edit Master title style</a:t>
             </a:r>
-            <a:endParaRPr lang="en-US"/>
+            <a:endParaRPr kumimoji="0" lang="en-US"/>
           </a:p>
         </p:txBody>
       </p:sp>
@@ -2350,52 +2847,36 @@
         </p:nvSpPr>
         <p:spPr>
           <a:xfrm>
-            <a:off x="1792288" y="612775"/>
-            <a:ext cx="5486400" cy="4114800"/>
-          </a:xfrm>
+            <a:off x="457200" y="1905000"/>
+            <a:ext cx="8229600" cy="4270248"/>
+          </a:xfrm>
+          <a:solidFill>
+            <a:schemeClr val="tx1">
+              <a:shade val="50000"/>
+            </a:schemeClr>
+          </a:solidFill>
+          <a:ln>
+            <a:noFill/>
+          </a:ln>
+          <a:effectLst/>
         </p:spPr>
         <p:txBody>
           <a:bodyPr/>
           <a:lstStyle>
             <a:lvl1pPr marL="0" indent="0">
+              <a:spcBef>
+                <a:spcPts val="600"/>
+              </a:spcBef>
               <a:buNone/>
               <a:defRPr sz="3200"/>
             </a:lvl1pPr>
-            <a:lvl2pPr marL="457200" indent="0">
-              <a:buNone/>
-              <a:defRPr sz="2800"/>
-            </a:lvl2pPr>
-            <a:lvl3pPr marL="914400" indent="0">
-              <a:buNone/>
-              <a:defRPr sz="2400"/>
-            </a:lvl3pPr>
-            <a:lvl4pPr marL="1371600" indent="0">
-              <a:buNone/>
-              <a:defRPr sz="2000"/>
-            </a:lvl4pPr>
-            <a:lvl5pPr marL="1828800" indent="0">
-              <a:buNone/>
-              <a:defRPr sz="2000"/>
-            </a:lvl5pPr>
-            <a:lvl6pPr marL="2286000" indent="0">
-              <a:buNone/>
-              <a:defRPr sz="2000"/>
-            </a:lvl6pPr>
-            <a:lvl7pPr marL="2743200" indent="0">
-              <a:buNone/>
-              <a:defRPr sz="2000"/>
-            </a:lvl7pPr>
-            <a:lvl8pPr marL="3200400" indent="0">
-              <a:buNone/>
-              <a:defRPr sz="2000"/>
-            </a:lvl8pPr>
-            <a:lvl9pPr marL="3657600" indent="0">
-              <a:buNone/>
-              <a:defRPr sz="2000"/>
-            </a:lvl9pPr>
           </a:lstStyle>
           <a:p>
-            <a:endParaRPr lang="en-US"/>
+            <a:r>
+              <a:rPr kumimoji="0" lang="en-US" altLang="zh-CN" smtClean="0"/>
+              <a:t>Click icon to add picture</a:t>
+            </a:r>
+            <a:endParaRPr kumimoji="0" lang="en-US" dirty="0"/>
           </a:p>
         </p:txBody>
       </p:sp>
@@ -2411,54 +2892,35 @@
         </p:nvSpPr>
         <p:spPr>
           <a:xfrm>
-            <a:off x="1792288" y="5367338"/>
-            <a:ext cx="5486400" cy="804862"/>
-          </a:xfrm>
-        </p:spPr>
-        <p:txBody>
-          <a:bodyPr/>
+            <a:off x="457200" y="1219200"/>
+            <a:ext cx="8229600" cy="533400"/>
+          </a:xfrm>
+        </p:spPr>
+        <p:txBody>
+          <a:bodyPr anchor="ctr" anchorCtr="0"/>
           <a:lstStyle>
-            <a:lvl1pPr marL="0" indent="0">
+            <a:lvl1pPr marL="0" indent="0" algn="l">
+              <a:buFontTx/>
               <a:buNone/>
               <a:defRPr sz="1400"/>
             </a:lvl1pPr>
-            <a:lvl2pPr marL="457200" indent="0">
-              <a:buNone/>
+            <a:lvl2pPr>
               <a:defRPr sz="1200"/>
             </a:lvl2pPr>
-            <a:lvl3pPr marL="914400" indent="0">
-              <a:buNone/>
+            <a:lvl3pPr>
               <a:defRPr sz="1000"/>
             </a:lvl3pPr>
-            <a:lvl4pPr marL="1371600" indent="0">
-              <a:buNone/>
+            <a:lvl4pPr>
               <a:defRPr sz="900"/>
             </a:lvl4pPr>
-            <a:lvl5pPr marL="1828800" indent="0">
-              <a:buNone/>
+            <a:lvl5pPr>
               <a:defRPr sz="900"/>
             </a:lvl5pPr>
-            <a:lvl6pPr marL="2286000" indent="0">
-              <a:buNone/>
-              <a:defRPr sz="900"/>
-            </a:lvl6pPr>
-            <a:lvl7pPr marL="2743200" indent="0">
-              <a:buNone/>
-              <a:defRPr sz="900"/>
-            </a:lvl7pPr>
-            <a:lvl8pPr marL="3200400" indent="0">
-              <a:buNone/>
-              <a:defRPr sz="900"/>
-            </a:lvl8pPr>
-            <a:lvl9pPr marL="3657600" indent="0">
-              <a:buNone/>
-              <a:defRPr sz="900"/>
-            </a:lvl9pPr>
           </a:lstStyle>
           <a:p>
-            <a:pPr lvl="0"/>
-            <a:r>
-              <a:rPr lang="en-US" smtClean="0"/>
+            <a:pPr lvl="0" eaLnBrk="1" latinLnBrk="0" hangingPunct="1"/>
+            <a:r>
+              <a:rPr kumimoji="0" lang="en-US" altLang="zh-CN" smtClean="0"/>
               <a:t>Click to edit Master text styles</a:t>
             </a:r>
           </a:p>
@@ -2482,7 +2944,7 @@
             <a:fld id="{1D8BD707-D9CF-40AE-B4C6-C98DA3205C09}" type="datetimeFigureOut">
               <a:rPr lang="en-US" smtClean="0"/>
               <a:pPr/>
-              <a:t>11/17/2013</a:t>
+              <a:t>11/26/2013</a:t>
             </a:fld>
             <a:endParaRPr lang="en-US"/>
           </a:p>
@@ -2531,10 +2993,142 @@
           </a:p>
         </p:txBody>
       </p:sp>
+      <p:sp>
+        <p:nvSpPr>
+          <p:cNvPr id="8" name="Straight Connector 7"/>
+          <p:cNvSpPr>
+            <a:spLocks noChangeShapeType="1"/>
+          </p:cNvSpPr>
+          <p:nvPr/>
+        </p:nvSpPr>
+        <p:spPr bwMode="auto">
+          <a:xfrm>
+            <a:off x="457200" y="6353175"/>
+            <a:ext cx="8229600" cy="0"/>
+          </a:xfrm>
+          <a:prstGeom prst="line">
+            <a:avLst/>
+          </a:prstGeom>
+          <a:noFill/>
+          <a:ln w="9525" cap="flat" cmpd="sng" algn="ctr">
+            <a:solidFill>
+              <a:schemeClr val="accent2"/>
+            </a:solidFill>
+            <a:prstDash val="dash"/>
+            <a:round/>
+            <a:headEnd type="none" w="med" len="med"/>
+            <a:tailEnd type="none" w="med" len="med"/>
+          </a:ln>
+          <a:effectLst/>
+        </p:spPr>
+        <p:txBody>
+          <a:bodyPr vert="horz" wrap="square" lIns="91440" tIns="45720" rIns="91440" bIns="45720" anchor="t" compatLnSpc="1"/>
+          <a:lstStyle/>
+          <a:p>
+            <a:endParaRPr kumimoji="0" lang="en-US"/>
+          </a:p>
+        </p:txBody>
+      </p:sp>
+      <p:sp>
+        <p:nvSpPr>
+          <p:cNvPr id="9" name="Isosceles Triangle 8"/>
+          <p:cNvSpPr>
+            <a:spLocks noChangeAspect="1"/>
+          </p:cNvSpPr>
+          <p:nvPr/>
+        </p:nvSpPr>
+        <p:spPr>
+          <a:xfrm rot="5400000">
+            <a:off x="419100" y="6467475"/>
+            <a:ext cx="190849" cy="120314"/>
+          </a:xfrm>
+          <a:prstGeom prst="triangle">
+            <a:avLst>
+              <a:gd name="adj" fmla="val 50000"/>
+            </a:avLst>
+          </a:prstGeom>
+          <a:solidFill>
+            <a:schemeClr val="accent2"/>
+          </a:solidFill>
+          <a:ln w="25400" cap="rnd" cmpd="sng" algn="ctr">
+            <a:noFill/>
+            <a:prstDash val="solid"/>
+          </a:ln>
+          <a:effectLst/>
+        </p:spPr>
+        <p:style>
+          <a:lnRef idx="3">
+            <a:schemeClr val="lt1"/>
+          </a:lnRef>
+          <a:fillRef idx="1">
+            <a:schemeClr val="accent1"/>
+          </a:fillRef>
+          <a:effectRef idx="1">
+            <a:schemeClr val="accent1"/>
+          </a:effectRef>
+          <a:fontRef idx="minor">
+            <a:schemeClr val="lt1"/>
+          </a:fontRef>
+        </p:style>
+        <p:txBody>
+          <a:bodyPr anchor="ctr"/>
+          <a:lstStyle/>
+          <a:p>
+            <a:pPr algn="ctr" eaLnBrk="1" latinLnBrk="0" hangingPunct="1"/>
+            <a:endParaRPr kumimoji="0" lang="en-US"/>
+          </a:p>
+        </p:txBody>
+      </p:sp>
+      <p:sp>
+        <p:nvSpPr>
+          <p:cNvPr id="10" name="Rectangle 9"/>
+          <p:cNvSpPr/>
+          <p:nvPr/>
+        </p:nvSpPr>
+        <p:spPr>
+          <a:xfrm>
+            <a:off x="457200" y="500856"/>
+            <a:ext cx="182880" cy="685800"/>
+          </a:xfrm>
+          <a:prstGeom prst="rect">
+            <a:avLst/>
+          </a:prstGeom>
+          <a:solidFill>
+            <a:schemeClr val="accent1"/>
+          </a:solidFill>
+          <a:ln w="6350" cap="rnd" cmpd="sng" algn="ctr">
+            <a:noFill/>
+            <a:prstDash val="solid"/>
+          </a:ln>
+          <a:effectLst/>
+        </p:spPr>
+        <p:style>
+          <a:lnRef idx="3">
+            <a:schemeClr val="lt1"/>
+          </a:lnRef>
+          <a:fillRef idx="1">
+            <a:schemeClr val="accent1"/>
+          </a:fillRef>
+          <a:effectRef idx="1">
+            <a:schemeClr val="accent1"/>
+          </a:effectRef>
+          <a:fontRef idx="minor">
+            <a:schemeClr val="lt1"/>
+          </a:fontRef>
+        </p:style>
+        <p:txBody>
+          <a:bodyPr anchor="ctr"/>
+          <a:lstStyle/>
+          <a:p>
+            <a:pPr algn="ctr" eaLnBrk="1" latinLnBrk="0" hangingPunct="1"/>
+            <a:endParaRPr kumimoji="0" lang="en-US"/>
+          </a:p>
+        </p:txBody>
+      </p:sp>
     </p:spTree>
   </p:cSld>
   <p:clrMapOvr>
-    <a:masterClrMapping/>
+    <a:overrideClrMapping bg1="dk1" tx1="lt1" bg2="dk2" tx2="lt2" accent1="accent1" accent2="accent2" accent3="accent3" accent4="accent4" accent5="accent5" accent6="accent6" hlink="hlink" folHlink="folHlink"/>
   </p:clrMapOvr>
 </p:sldLayout>
 </file>
@@ -2563,7 +3157,7 @@
       </p:grpSpPr>
       <p:sp>
         <p:nvSpPr>
-          <p:cNvPr id="2" name="Title Placeholder 1"/>
+          <p:cNvPr id="22" name="Title Placeholder 21"/>
           <p:cNvSpPr>
             <a:spLocks noGrp="1"/>
           </p:cNvSpPr>
@@ -2573,30 +3167,30 @@
         </p:nvSpPr>
         <p:spPr>
           <a:xfrm>
-            <a:off x="457200" y="274638"/>
-            <a:ext cx="8229600" cy="1143000"/>
+            <a:off x="457200" y="152400"/>
+            <a:ext cx="8229600" cy="990600"/>
           </a:xfrm>
           <a:prstGeom prst="rect">
             <a:avLst/>
           </a:prstGeom>
         </p:spPr>
         <p:txBody>
-          <a:bodyPr vert="horz" lIns="91440" tIns="45720" rIns="91440" bIns="45720" rtlCol="0" anchor="ctr">
+          <a:bodyPr vert="horz" anchor="b" anchorCtr="0">
             <a:normAutofit/>
           </a:bodyPr>
           <a:lstStyle/>
           <a:p>
             <a:r>
-              <a:rPr lang="en-US" smtClean="0"/>
+              <a:rPr kumimoji="0" lang="en-US" altLang="zh-CN" smtClean="0"/>
               <a:t>Click to edit Master title style</a:t>
             </a:r>
-            <a:endParaRPr lang="en-US"/>
-          </a:p>
-        </p:txBody>
-      </p:sp>
-      <p:sp>
-        <p:nvSpPr>
-          <p:cNvPr id="3" name="Text Placeholder 2"/>
+            <a:endParaRPr kumimoji="0" lang="en-US"/>
+          </a:p>
+        </p:txBody>
+      </p:sp>
+      <p:sp>
+        <p:nvSpPr>
+          <p:cNvPr id="13" name="Text Placeholder 12"/>
           <p:cNvSpPr>
             <a:spLocks noGrp="1"/>
           </p:cNvSpPr>
@@ -2606,59 +3200,59 @@
         </p:nvSpPr>
         <p:spPr>
           <a:xfrm>
-            <a:off x="457200" y="1600200"/>
-            <a:ext cx="8229600" cy="4525963"/>
+            <a:off x="457200" y="1219200"/>
+            <a:ext cx="8229600" cy="4910328"/>
           </a:xfrm>
           <a:prstGeom prst="rect">
             <a:avLst/>
           </a:prstGeom>
         </p:spPr>
         <p:txBody>
-          <a:bodyPr vert="horz" lIns="91440" tIns="45720" rIns="91440" bIns="45720" rtlCol="0">
+          <a:bodyPr vert="horz">
             <a:normAutofit/>
           </a:bodyPr>
           <a:lstStyle/>
           <a:p>
-            <a:pPr lvl="0"/>
-            <a:r>
-              <a:rPr lang="en-US" smtClean="0"/>
+            <a:pPr lvl="0" eaLnBrk="1" latinLnBrk="0" hangingPunct="1"/>
+            <a:r>
+              <a:rPr kumimoji="0" lang="en-US" altLang="zh-CN" smtClean="0"/>
               <a:t>Click to edit Master text styles</a:t>
             </a:r>
           </a:p>
           <a:p>
-            <a:pPr lvl="1"/>
-            <a:r>
-              <a:rPr lang="en-US" smtClean="0"/>
+            <a:pPr lvl="1" eaLnBrk="1" latinLnBrk="0" hangingPunct="1"/>
+            <a:r>
+              <a:rPr kumimoji="0" lang="en-US" altLang="zh-CN" smtClean="0"/>
               <a:t>Second level</a:t>
             </a:r>
           </a:p>
           <a:p>
-            <a:pPr lvl="2"/>
-            <a:r>
-              <a:rPr lang="en-US" smtClean="0"/>
+            <a:pPr lvl="2" eaLnBrk="1" latinLnBrk="0" hangingPunct="1"/>
+            <a:r>
+              <a:rPr kumimoji="0" lang="en-US" altLang="zh-CN" smtClean="0"/>
               <a:t>Third level</a:t>
             </a:r>
           </a:p>
           <a:p>
-            <a:pPr lvl="3"/>
-            <a:r>
-              <a:rPr lang="en-US" smtClean="0"/>
+            <a:pPr lvl="3" eaLnBrk="1" latinLnBrk="0" hangingPunct="1"/>
+            <a:r>
+              <a:rPr kumimoji="0" lang="en-US" altLang="zh-CN" smtClean="0"/>
               <a:t>Fourth level</a:t>
             </a:r>
           </a:p>
           <a:p>
-            <a:pPr lvl="4"/>
-            <a:r>
-              <a:rPr lang="en-US" smtClean="0"/>
+            <a:pPr lvl="4" eaLnBrk="1" latinLnBrk="0" hangingPunct="1"/>
+            <a:r>
+              <a:rPr kumimoji="0" lang="en-US" altLang="zh-CN" smtClean="0"/>
               <a:t>Fifth level</a:t>
             </a:r>
-            <a:endParaRPr lang="en-US"/>
-          </a:p>
-        </p:txBody>
-      </p:sp>
-      <p:sp>
-        <p:nvSpPr>
-          <p:cNvPr id="4" name="Date Placeholder 3"/>
+            <a:endParaRPr kumimoji="0" lang="en-US"/>
+          </a:p>
+        </p:txBody>
+      </p:sp>
+      <p:sp>
+        <p:nvSpPr>
+          <p:cNvPr id="14" name="Date Placeholder 13"/>
           <p:cNvSpPr>
             <a:spLocks noGrp="1"/>
           </p:cNvSpPr>
@@ -2668,22 +3262,20 @@
         </p:nvSpPr>
         <p:spPr>
           <a:xfrm>
-            <a:off x="457200" y="6356350"/>
-            <a:ext cx="2133600" cy="365125"/>
+            <a:off x="6400800" y="6356350"/>
+            <a:ext cx="2289048" cy="365760"/>
           </a:xfrm>
           <a:prstGeom prst="rect">
             <a:avLst/>
           </a:prstGeom>
         </p:spPr>
         <p:txBody>
-          <a:bodyPr vert="horz" lIns="91440" tIns="45720" rIns="91440" bIns="45720" rtlCol="0" anchor="ctr"/>
+          <a:bodyPr vert="horz"/>
           <a:lstStyle>
-            <a:lvl1pPr algn="l">
-              <a:defRPr sz="1200">
+            <a:lvl1pPr algn="l" eaLnBrk="1" latinLnBrk="0" hangingPunct="1">
+              <a:defRPr kumimoji="0" sz="1400">
                 <a:solidFill>
-                  <a:schemeClr val="tx1">
-                    <a:tint val="75000"/>
-                  </a:schemeClr>
+                  <a:schemeClr val="tx2"/>
                 </a:solidFill>
               </a:defRPr>
             </a:lvl1pPr>
@@ -2692,7 +3284,7 @@
             <a:fld id="{1D8BD707-D9CF-40AE-B4C6-C98DA3205C09}" type="datetimeFigureOut">
               <a:rPr lang="en-US" smtClean="0"/>
               <a:pPr/>
-              <a:t>11/17/2013</a:t>
+              <a:t>11/26/2013</a:t>
             </a:fld>
             <a:endParaRPr lang="en-US"/>
           </a:p>
@@ -2700,7 +3292,7 @@
       </p:sp>
       <p:sp>
         <p:nvSpPr>
-          <p:cNvPr id="5" name="Footer Placeholder 4"/>
+          <p:cNvPr id="3" name="Footer Placeholder 2"/>
           <p:cNvSpPr>
             <a:spLocks noGrp="1"/>
           </p:cNvSpPr>
@@ -2710,22 +3302,20 @@
         </p:nvSpPr>
         <p:spPr>
           <a:xfrm>
-            <a:off x="3124200" y="6356350"/>
-            <a:ext cx="2895600" cy="365125"/>
+            <a:off x="2898648" y="6356350"/>
+            <a:ext cx="3505200" cy="365760"/>
           </a:xfrm>
           <a:prstGeom prst="rect">
             <a:avLst/>
           </a:prstGeom>
         </p:spPr>
         <p:txBody>
-          <a:bodyPr vert="horz" lIns="91440" tIns="45720" rIns="91440" bIns="45720" rtlCol="0" anchor="ctr"/>
+          <a:bodyPr vert="horz"/>
           <a:lstStyle>
-            <a:lvl1pPr algn="ctr">
-              <a:defRPr sz="1200">
+            <a:lvl1pPr algn="r" eaLnBrk="1" latinLnBrk="0" hangingPunct="1">
+              <a:defRPr kumimoji="0" sz="1400">
                 <a:solidFill>
-                  <a:schemeClr val="tx1">
-                    <a:tint val="75000"/>
-                  </a:schemeClr>
+                  <a:schemeClr val="tx2"/>
                 </a:solidFill>
               </a:defRPr>
             </a:lvl1pPr>
@@ -2737,7 +3327,7 @@
       </p:sp>
       <p:sp>
         <p:nvSpPr>
-          <p:cNvPr id="6" name="Slide Number Placeholder 5"/>
+          <p:cNvPr id="23" name="Slide Number Placeholder 22"/>
           <p:cNvSpPr>
             <a:spLocks noGrp="1"/>
           </p:cNvSpPr>
@@ -2747,22 +3337,20 @@
         </p:nvSpPr>
         <p:spPr>
           <a:xfrm>
-            <a:off x="6553200" y="6356350"/>
-            <a:ext cx="2133600" cy="365125"/>
+            <a:off x="612648" y="6356350"/>
+            <a:ext cx="1981200" cy="365760"/>
           </a:xfrm>
           <a:prstGeom prst="rect">
             <a:avLst/>
           </a:prstGeom>
         </p:spPr>
         <p:txBody>
-          <a:bodyPr vert="horz" lIns="91440" tIns="45720" rIns="91440" bIns="45720" rtlCol="0" anchor="ctr"/>
+          <a:bodyPr vert="horz"/>
           <a:lstStyle>
-            <a:lvl1pPr algn="r">
-              <a:defRPr sz="1200">
+            <a:lvl1pPr algn="l" eaLnBrk="1" latinLnBrk="0" hangingPunct="1">
+              <a:defRPr kumimoji="0" sz="1400">
                 <a:solidFill>
-                  <a:schemeClr val="tx1">
-                    <a:tint val="75000"/>
-                  </a:schemeClr>
+                  <a:schemeClr val="tx2"/>
                 </a:solidFill>
               </a:defRPr>
             </a:lvl1pPr>
@@ -2777,32 +3365,154 @@
           </a:p>
         </p:txBody>
       </p:sp>
+      <p:sp>
+        <p:nvSpPr>
+          <p:cNvPr id="28" name="Straight Connector 27"/>
+          <p:cNvSpPr>
+            <a:spLocks noChangeShapeType="1"/>
+          </p:cNvSpPr>
+          <p:nvPr/>
+        </p:nvSpPr>
+        <p:spPr bwMode="auto">
+          <a:xfrm>
+            <a:off x="457200" y="6353175"/>
+            <a:ext cx="8229600" cy="0"/>
+          </a:xfrm>
+          <a:prstGeom prst="line">
+            <a:avLst/>
+          </a:prstGeom>
+          <a:noFill/>
+          <a:ln w="9525" cap="flat" cmpd="sng" algn="ctr">
+            <a:solidFill>
+              <a:schemeClr val="accent2"/>
+            </a:solidFill>
+            <a:prstDash val="dash"/>
+            <a:round/>
+            <a:headEnd type="none" w="med" len="med"/>
+            <a:tailEnd type="none" w="med" len="med"/>
+          </a:ln>
+          <a:effectLst/>
+        </p:spPr>
+        <p:txBody>
+          <a:bodyPr vert="horz" wrap="square" lIns="91440" tIns="45720" rIns="91440" bIns="45720" anchor="t" compatLnSpc="1"/>
+          <a:lstStyle/>
+          <a:p>
+            <a:endParaRPr kumimoji="0" lang="en-US"/>
+          </a:p>
+        </p:txBody>
+      </p:sp>
+      <p:sp>
+        <p:nvSpPr>
+          <p:cNvPr id="29" name="Straight Connector 28"/>
+          <p:cNvSpPr>
+            <a:spLocks noChangeShapeType="1"/>
+          </p:cNvSpPr>
+          <p:nvPr/>
+        </p:nvSpPr>
+        <p:spPr bwMode="auto">
+          <a:xfrm>
+            <a:off x="457200" y="1143000"/>
+            <a:ext cx="8229600" cy="0"/>
+          </a:xfrm>
+          <a:prstGeom prst="line">
+            <a:avLst/>
+          </a:prstGeom>
+          <a:noFill/>
+          <a:ln w="9525" cap="flat" cmpd="sng" algn="ctr">
+            <a:solidFill>
+              <a:schemeClr val="accent2"/>
+            </a:solidFill>
+            <a:prstDash val="dash"/>
+            <a:round/>
+            <a:headEnd type="none" w="med" len="med"/>
+            <a:tailEnd type="none" w="med" len="med"/>
+          </a:ln>
+          <a:effectLst/>
+        </p:spPr>
+        <p:txBody>
+          <a:bodyPr vert="horz" wrap="square" lIns="91440" tIns="45720" rIns="91440" bIns="45720" anchor="t" compatLnSpc="1"/>
+          <a:lstStyle/>
+          <a:p>
+            <a:endParaRPr kumimoji="0" lang="en-US"/>
+          </a:p>
+        </p:txBody>
+      </p:sp>
+      <p:sp>
+        <p:nvSpPr>
+          <p:cNvPr id="10" name="Isosceles Triangle 9"/>
+          <p:cNvSpPr>
+            <a:spLocks noChangeAspect="1"/>
+          </p:cNvSpPr>
+          <p:nvPr/>
+        </p:nvSpPr>
+        <p:spPr>
+          <a:xfrm rot="5400000">
+            <a:off x="419100" y="6467475"/>
+            <a:ext cx="190849" cy="120314"/>
+          </a:xfrm>
+          <a:prstGeom prst="triangle">
+            <a:avLst>
+              <a:gd name="adj" fmla="val 50000"/>
+            </a:avLst>
+          </a:prstGeom>
+          <a:solidFill>
+            <a:schemeClr val="accent2"/>
+          </a:solidFill>
+          <a:ln w="25400" cap="rnd" cmpd="sng" algn="ctr">
+            <a:noFill/>
+            <a:prstDash val="solid"/>
+          </a:ln>
+          <a:effectLst/>
+        </p:spPr>
+        <p:style>
+          <a:lnRef idx="3">
+            <a:schemeClr val="lt1"/>
+          </a:lnRef>
+          <a:fillRef idx="1">
+            <a:schemeClr val="accent1"/>
+          </a:fillRef>
+          <a:effectRef idx="1">
+            <a:schemeClr val="accent1"/>
+          </a:effectRef>
+          <a:fontRef idx="minor">
+            <a:schemeClr val="lt1"/>
+          </a:fontRef>
+        </p:style>
+        <p:txBody>
+          <a:bodyPr anchor="ctr"/>
+          <a:lstStyle/>
+          <a:p>
+            <a:pPr algn="ctr" eaLnBrk="1" latinLnBrk="0" hangingPunct="1"/>
+            <a:endParaRPr kumimoji="0" lang="en-US"/>
+          </a:p>
+        </p:txBody>
+      </p:sp>
     </p:spTree>
   </p:cSld>
   <p:clrMap bg1="lt1" tx1="dk1" bg2="lt2" tx2="dk2" accent1="accent1" accent2="accent2" accent3="accent3" accent4="accent4" accent5="accent5" accent6="accent6" hlink="hlink" folHlink="folHlink"/>
   <p:sldLayoutIdLst>
-    <p:sldLayoutId id="2147483649" r:id="rId1"/>
-    <p:sldLayoutId id="2147483650" r:id="rId2"/>
-    <p:sldLayoutId id="2147483651" r:id="rId3"/>
-    <p:sldLayoutId id="2147483652" r:id="rId4"/>
-    <p:sldLayoutId id="2147483653" r:id="rId5"/>
-    <p:sldLayoutId id="2147483654" r:id="rId6"/>
-    <p:sldLayoutId id="2147483655" r:id="rId7"/>
-    <p:sldLayoutId id="2147483656" r:id="rId8"/>
-    <p:sldLayoutId id="2147483657" r:id="rId9"/>
-    <p:sldLayoutId id="2147483658" r:id="rId10"/>
-    <p:sldLayoutId id="2147483659" r:id="rId11"/>
+    <p:sldLayoutId id="2147483661" r:id="rId1"/>
+    <p:sldLayoutId id="2147483662" r:id="rId2"/>
+    <p:sldLayoutId id="2147483663" r:id="rId3"/>
+    <p:sldLayoutId id="2147483664" r:id="rId4"/>
+    <p:sldLayoutId id="2147483665" r:id="rId5"/>
+    <p:sldLayoutId id="2147483666" r:id="rId6"/>
+    <p:sldLayoutId id="2147483667" r:id="rId7"/>
+    <p:sldLayoutId id="2147483668" r:id="rId8"/>
+    <p:sldLayoutId id="2147483669" r:id="rId9"/>
+    <p:sldLayoutId id="2147483670" r:id="rId10"/>
+    <p:sldLayoutId id="2147483671" r:id="rId11"/>
   </p:sldLayoutIdLst>
   <p:txStyles>
     <p:titleStyle>
-      <a:lvl1pPr algn="ctr" defTabSz="914400" rtl="0" eaLnBrk="1" latinLnBrk="0" hangingPunct="1">
+      <a:lvl1pPr algn="l" rtl="0" eaLnBrk="1" latinLnBrk="0" hangingPunct="1">
         <a:spcBef>
           <a:spcPct val="0"/>
         </a:spcBef>
         <a:buNone/>
-        <a:defRPr sz="4400" kern="1200">
+        <a:defRPr kumimoji="0" sz="3200" kern="1200">
           <a:solidFill>
-            <a:schemeClr val="tx1"/>
+            <a:schemeClr val="tx2"/>
           </a:solidFill>
           <a:latin typeface="+mj-lt"/>
           <a:ea typeface="+mj-ea"/>
@@ -2811,13 +3521,17 @@
       </a:lvl1pPr>
     </p:titleStyle>
     <p:bodyStyle>
-      <a:lvl1pPr marL="342900" indent="-342900" algn="l" defTabSz="914400" rtl="0" eaLnBrk="1" latinLnBrk="0" hangingPunct="1">
+      <a:lvl1pPr marL="274320" indent="-274320" algn="l" rtl="0" eaLnBrk="1" latinLnBrk="0" hangingPunct="1">
         <a:spcBef>
-          <a:spcPct val="20000"/>
+          <a:spcPts val="600"/>
         </a:spcBef>
-        <a:buFont typeface="Arial" pitchFamily="34" charset="0"/>
-        <a:buChar char="•"/>
-        <a:defRPr sz="3200" kern="1200">
+        <a:buClr>
+          <a:schemeClr val="accent1"/>
+        </a:buClr>
+        <a:buSzPct val="76000"/>
+        <a:buFont typeface="Wingdings 3"/>
+        <a:buChar char=""/>
+        <a:defRPr kumimoji="0" sz="2600" kern="1200">
           <a:solidFill>
             <a:schemeClr val="tx1"/>
           </a:solidFill>
@@ -2826,28 +3540,38 @@
           <a:cs typeface="+mn-cs"/>
         </a:defRPr>
       </a:lvl1pPr>
-      <a:lvl2pPr marL="742950" indent="-285750" algn="l" defTabSz="914400" rtl="0" eaLnBrk="1" latinLnBrk="0" hangingPunct="1">
+      <a:lvl2pPr marL="548640" indent="-274320" algn="l" rtl="0" eaLnBrk="1" latinLnBrk="0" hangingPunct="1">
         <a:spcBef>
-          <a:spcPct val="20000"/>
+          <a:spcPts val="500"/>
         </a:spcBef>
-        <a:buFont typeface="Arial" pitchFamily="34" charset="0"/>
-        <a:buChar char="–"/>
-        <a:defRPr sz="2800" kern="1200">
+        <a:buClr>
+          <a:schemeClr val="accent2"/>
+        </a:buClr>
+        <a:buSzPct val="76000"/>
+        <a:buFont typeface="Wingdings 3"/>
+        <a:buChar char=""/>
+        <a:defRPr kumimoji="0" sz="2300" kern="1200">
           <a:solidFill>
-            <a:schemeClr val="tx1"/>
+            <a:schemeClr val="tx2"/>
           </a:solidFill>
           <a:latin typeface="+mn-lt"/>
           <a:ea typeface="+mn-ea"/>
           <a:cs typeface="+mn-cs"/>
         </a:defRPr>
       </a:lvl2pPr>
-      <a:lvl3pPr marL="1143000" indent="-228600" algn="l" defTabSz="914400" rtl="0" eaLnBrk="1" latinLnBrk="0" hangingPunct="1">
+      <a:lvl3pPr marL="822960" indent="-228600" algn="l" rtl="0" eaLnBrk="1" latinLnBrk="0" hangingPunct="1">
         <a:spcBef>
-          <a:spcPct val="20000"/>
+          <a:spcPts val="500"/>
         </a:spcBef>
-        <a:buFont typeface="Arial" pitchFamily="34" charset="0"/>
-        <a:buChar char="•"/>
-        <a:defRPr sz="2400" kern="1200">
+        <a:buClr>
+          <a:schemeClr val="bg1">
+            <a:shade val="50000"/>
+          </a:schemeClr>
+        </a:buClr>
+        <a:buSzPct val="76000"/>
+        <a:buFont typeface="Wingdings 3"/>
+        <a:buChar char=""/>
+        <a:defRPr kumimoji="0" sz="2000" kern="1200">
           <a:solidFill>
             <a:schemeClr val="tx1"/>
           </a:solidFill>
@@ -2856,13 +3580,19 @@
           <a:cs typeface="+mn-cs"/>
         </a:defRPr>
       </a:lvl3pPr>
-      <a:lvl4pPr marL="1600200" indent="-228600" algn="l" defTabSz="914400" rtl="0" eaLnBrk="1" latinLnBrk="0" hangingPunct="1">
+      <a:lvl4pPr marL="1097280" indent="-228600" algn="l" rtl="0" eaLnBrk="1" latinLnBrk="0" hangingPunct="1">
         <a:spcBef>
-          <a:spcPct val="20000"/>
+          <a:spcPts val="400"/>
         </a:spcBef>
-        <a:buFont typeface="Arial" pitchFamily="34" charset="0"/>
-        <a:buChar char="–"/>
-        <a:defRPr sz="2000" kern="1200">
+        <a:buClr>
+          <a:schemeClr val="accent2">
+            <a:shade val="75000"/>
+          </a:schemeClr>
+        </a:buClr>
+        <a:buSzPct val="70000"/>
+        <a:buFont typeface="Wingdings"/>
+        <a:buChar char=""/>
+        <a:defRPr kumimoji="0" sz="1800" kern="1200">
           <a:solidFill>
             <a:schemeClr val="tx1"/>
           </a:solidFill>
@@ -2871,13 +3601,17 @@
           <a:cs typeface="+mn-cs"/>
         </a:defRPr>
       </a:lvl4pPr>
-      <a:lvl5pPr marL="2057400" indent="-228600" algn="l" defTabSz="914400" rtl="0" eaLnBrk="1" latinLnBrk="0" hangingPunct="1">
+      <a:lvl5pPr marL="1371600" indent="-228600" algn="l" rtl="0" eaLnBrk="1" latinLnBrk="0" hangingPunct="1">
         <a:spcBef>
-          <a:spcPct val="20000"/>
+          <a:spcPts val="300"/>
         </a:spcBef>
-        <a:buFont typeface="Arial" pitchFamily="34" charset="0"/>
-        <a:buChar char="»"/>
-        <a:defRPr sz="2000" kern="1200">
+        <a:buClr>
+          <a:schemeClr val="accent2"/>
+        </a:buClr>
+        <a:buSzPct val="70000"/>
+        <a:buFont typeface="Wingdings"/>
+        <a:buChar char=""/>
+        <a:defRPr kumimoji="0" sz="1600" kern="1200">
           <a:solidFill>
             <a:schemeClr val="tx1"/>
           </a:solidFill>
@@ -2886,13 +3620,19 @@
           <a:cs typeface="+mn-cs"/>
         </a:defRPr>
       </a:lvl5pPr>
-      <a:lvl6pPr marL="2514600" indent="-228600" algn="l" defTabSz="914400" rtl="0" eaLnBrk="1" latinLnBrk="0" hangingPunct="1">
+      <a:lvl6pPr marL="1645920" indent="-182880" algn="l" rtl="0" eaLnBrk="1" latinLnBrk="0" hangingPunct="1">
         <a:spcBef>
-          <a:spcPct val="20000"/>
+          <a:spcPts val="300"/>
         </a:spcBef>
-        <a:buFont typeface="Arial" pitchFamily="34" charset="0"/>
-        <a:buChar char="•"/>
-        <a:defRPr sz="2000" kern="1200">
+        <a:buClr>
+          <a:srgbClr val="9FB8CD">
+            <a:shade val="75000"/>
+          </a:srgbClr>
+        </a:buClr>
+        <a:buSzPct val="75000"/>
+        <a:buFont typeface="Wingdings 3"/>
+        <a:buChar char=""/>
+        <a:defRPr kumimoji="0" lang="en-US" sz="1600" kern="1200" smtClean="0">
           <a:solidFill>
             <a:schemeClr val="tx1"/>
           </a:solidFill>
@@ -2901,13 +3641,19 @@
           <a:cs typeface="+mn-cs"/>
         </a:defRPr>
       </a:lvl6pPr>
-      <a:lvl7pPr marL="2971800" indent="-228600" algn="l" defTabSz="914400" rtl="0" eaLnBrk="1" latinLnBrk="0" hangingPunct="1">
+      <a:lvl7pPr marL="1828800" indent="-182880" algn="l" rtl="0" eaLnBrk="1" latinLnBrk="0" hangingPunct="1">
         <a:spcBef>
-          <a:spcPct val="20000"/>
+          <a:spcPts val="300"/>
         </a:spcBef>
-        <a:buFont typeface="Arial" pitchFamily="34" charset="0"/>
-        <a:buChar char="•"/>
-        <a:defRPr sz="2000" kern="1200">
+        <a:buClr>
+          <a:srgbClr val="727CA3">
+            <a:shade val="75000"/>
+          </a:srgbClr>
+        </a:buClr>
+        <a:buSzPct val="75000"/>
+        <a:buFont typeface="Wingdings 3"/>
+        <a:buChar char=""/>
+        <a:defRPr kumimoji="0" lang="en-US" sz="1400" kern="1200" smtClean="0">
           <a:solidFill>
             <a:schemeClr val="tx1"/>
           </a:solidFill>
@@ -2916,13 +3662,19 @@
           <a:cs typeface="+mn-cs"/>
         </a:defRPr>
       </a:lvl7pPr>
-      <a:lvl8pPr marL="3429000" indent="-228600" algn="l" defTabSz="914400" rtl="0" eaLnBrk="1" latinLnBrk="0" hangingPunct="1">
+      <a:lvl8pPr marL="2011680" indent="-182880" algn="l" rtl="0" eaLnBrk="1" latinLnBrk="0" hangingPunct="1">
         <a:spcBef>
-          <a:spcPct val="20000"/>
+          <a:spcPts val="300"/>
         </a:spcBef>
-        <a:buFont typeface="Arial" pitchFamily="34" charset="0"/>
-        <a:buChar char="•"/>
-        <a:defRPr sz="2000" kern="1200">
+        <a:buClr>
+          <a:prstClr val="white">
+            <a:shade val="50000"/>
+          </a:prstClr>
+        </a:buClr>
+        <a:buSzPct val="75000"/>
+        <a:buFont typeface="Wingdings 3"/>
+        <a:buChar char=""/>
+        <a:defRPr kumimoji="0" lang="en-US" sz="1400" kern="1200" smtClean="0">
           <a:solidFill>
             <a:schemeClr val="tx1"/>
           </a:solidFill>
@@ -2931,13 +3683,17 @@
           <a:cs typeface="+mn-cs"/>
         </a:defRPr>
       </a:lvl8pPr>
-      <a:lvl9pPr marL="3886200" indent="-228600" algn="l" defTabSz="914400" rtl="0" eaLnBrk="1" latinLnBrk="0" hangingPunct="1">
+      <a:lvl9pPr marL="2194560" indent="-182880" algn="l" rtl="0" eaLnBrk="1" latinLnBrk="0" hangingPunct="1">
         <a:spcBef>
-          <a:spcPct val="20000"/>
+          <a:spcPts val="300"/>
         </a:spcBef>
-        <a:buFont typeface="Arial" pitchFamily="34" charset="0"/>
-        <a:buChar char="•"/>
-        <a:defRPr sz="2000" kern="1200">
+        <a:buClr>
+          <a:srgbClr val="9FB8CD"/>
+        </a:buClr>
+        <a:buSzPct val="75000"/>
+        <a:buFont typeface="Wingdings 3"/>
+        <a:buChar char=""/>
+        <a:defRPr kumimoji="0" lang="en-US" sz="1200" kern="1200" smtClean="0">
           <a:solidFill>
             <a:schemeClr val="tx1"/>
           </a:solidFill>
@@ -2948,11 +3704,8 @@
       </a:lvl9pPr>
     </p:bodyStyle>
     <p:otherStyle>
-      <a:defPPr>
-        <a:defRPr lang="en-US"/>
-      </a:defPPr>
-      <a:lvl1pPr marL="0" algn="l" defTabSz="914400" rtl="0" eaLnBrk="1" latinLnBrk="0" hangingPunct="1">
-        <a:defRPr sz="1800" kern="1200">
+      <a:lvl1pPr marL="0" algn="l" rtl="0" eaLnBrk="1" latinLnBrk="0" hangingPunct="1">
+        <a:defRPr kumimoji="0" kern="1200">
           <a:solidFill>
             <a:schemeClr val="tx1"/>
           </a:solidFill>
@@ -2961,8 +3714,8 @@
           <a:cs typeface="+mn-cs"/>
         </a:defRPr>
       </a:lvl1pPr>
-      <a:lvl2pPr marL="457200" algn="l" defTabSz="914400" rtl="0" eaLnBrk="1" latinLnBrk="0" hangingPunct="1">
-        <a:defRPr sz="1800" kern="1200">
+      <a:lvl2pPr marL="457200" algn="l" rtl="0" eaLnBrk="1" latinLnBrk="0" hangingPunct="1">
+        <a:defRPr kumimoji="0" kern="1200">
           <a:solidFill>
             <a:schemeClr val="tx1"/>
           </a:solidFill>
@@ -2971,8 +3724,8 @@
           <a:cs typeface="+mn-cs"/>
         </a:defRPr>
       </a:lvl2pPr>
-      <a:lvl3pPr marL="914400" algn="l" defTabSz="914400" rtl="0" eaLnBrk="1" latinLnBrk="0" hangingPunct="1">
-        <a:defRPr sz="1800" kern="1200">
+      <a:lvl3pPr marL="914400" algn="l" rtl="0" eaLnBrk="1" latinLnBrk="0" hangingPunct="1">
+        <a:defRPr kumimoji="0" kern="1200">
           <a:solidFill>
             <a:schemeClr val="tx1"/>
           </a:solidFill>
@@ -2981,8 +3734,8 @@
           <a:cs typeface="+mn-cs"/>
         </a:defRPr>
       </a:lvl3pPr>
-      <a:lvl4pPr marL="1371600" algn="l" defTabSz="914400" rtl="0" eaLnBrk="1" latinLnBrk="0" hangingPunct="1">
-        <a:defRPr sz="1800" kern="1200">
+      <a:lvl4pPr marL="1371600" algn="l" rtl="0" eaLnBrk="1" latinLnBrk="0" hangingPunct="1">
+        <a:defRPr kumimoji="0" kern="1200">
           <a:solidFill>
             <a:schemeClr val="tx1"/>
           </a:solidFill>
@@ -2991,8 +3744,8 @@
           <a:cs typeface="+mn-cs"/>
         </a:defRPr>
       </a:lvl4pPr>
-      <a:lvl5pPr marL="1828800" algn="l" defTabSz="914400" rtl="0" eaLnBrk="1" latinLnBrk="0" hangingPunct="1">
-        <a:defRPr sz="1800" kern="1200">
+      <a:lvl5pPr marL="1828800" algn="l" rtl="0" eaLnBrk="1" latinLnBrk="0" hangingPunct="1">
+        <a:defRPr kumimoji="0" kern="1200">
           <a:solidFill>
             <a:schemeClr val="tx1"/>
           </a:solidFill>
@@ -3001,8 +3754,8 @@
           <a:cs typeface="+mn-cs"/>
         </a:defRPr>
       </a:lvl5pPr>
-      <a:lvl6pPr marL="2286000" algn="l" defTabSz="914400" rtl="0" eaLnBrk="1" latinLnBrk="0" hangingPunct="1">
-        <a:defRPr sz="1800" kern="1200">
+      <a:lvl6pPr marL="2286000" algn="l" rtl="0" eaLnBrk="1" latinLnBrk="0" hangingPunct="1">
+        <a:defRPr kumimoji="0" kern="1200">
           <a:solidFill>
             <a:schemeClr val="tx1"/>
           </a:solidFill>
@@ -3011,8 +3764,8 @@
           <a:cs typeface="+mn-cs"/>
         </a:defRPr>
       </a:lvl6pPr>
-      <a:lvl7pPr marL="2743200" algn="l" defTabSz="914400" rtl="0" eaLnBrk="1" latinLnBrk="0" hangingPunct="1">
-        <a:defRPr sz="1800" kern="1200">
+      <a:lvl7pPr marL="2743200" algn="l" rtl="0" eaLnBrk="1" latinLnBrk="0" hangingPunct="1">
+        <a:defRPr kumimoji="0" kern="1200">
           <a:solidFill>
             <a:schemeClr val="tx1"/>
           </a:solidFill>
@@ -3021,8 +3774,8 @@
           <a:cs typeface="+mn-cs"/>
         </a:defRPr>
       </a:lvl7pPr>
-      <a:lvl8pPr marL="3200400" algn="l" defTabSz="914400" rtl="0" eaLnBrk="1" latinLnBrk="0" hangingPunct="1">
-        <a:defRPr sz="1800" kern="1200">
+      <a:lvl8pPr marL="3200400" algn="l" rtl="0" eaLnBrk="1" latinLnBrk="0" hangingPunct="1">
+        <a:defRPr kumimoji="0" kern="1200">
           <a:solidFill>
             <a:schemeClr val="tx1"/>
           </a:solidFill>
@@ -3031,8 +3784,8 @@
           <a:cs typeface="+mn-cs"/>
         </a:defRPr>
       </a:lvl8pPr>
-      <a:lvl9pPr marL="3657600" algn="l" defTabSz="914400" rtl="0" eaLnBrk="1" latinLnBrk="0" hangingPunct="1">
-        <a:defRPr sz="1800" kern="1200">
+      <a:lvl9pPr marL="3657600" algn="l" rtl="0" eaLnBrk="1" latinLnBrk="0" hangingPunct="1">
+        <a:defRPr kumimoji="0" kern="1200">
           <a:solidFill>
             <a:schemeClr val="tx1"/>
           </a:solidFill>
@@ -7033,6 +7786,1180 @@
           <a:chExt cx="0" cy="0"/>
         </a:xfrm>
       </p:grpSpPr>
+      <p:sp>
+        <p:nvSpPr>
+          <p:cNvPr id="2" name="TextBox 1"/>
+          <p:cNvSpPr txBox="1"/>
+          <p:nvPr/>
+        </p:nvSpPr>
+        <p:spPr>
+          <a:xfrm>
+            <a:off x="533400" y="457200"/>
+            <a:ext cx="2807179" cy="523220"/>
+          </a:xfrm>
+          <a:prstGeom prst="rect">
+            <a:avLst/>
+          </a:prstGeom>
+          <a:noFill/>
+        </p:spPr>
+        <p:txBody>
+          <a:bodyPr wrap="none" rtlCol="0">
+            <a:spAutoFit/>
+          </a:bodyPr>
+          <a:lstStyle/>
+          <a:p>
+            <a:r>
+              <a:rPr lang="zh-CN" altLang="en-US" sz="2800" dirty="0" smtClean="0"/>
+              <a:t>版本</a:t>
+            </a:r>
+            <a:r>
+              <a:rPr lang="en-US" altLang="zh-CN" sz="2800" dirty="0" smtClean="0"/>
+              <a:t>I</a:t>
+            </a:r>
+            <a:r>
+              <a:rPr lang="zh-CN" altLang="en-US" sz="2800" dirty="0" smtClean="0"/>
+              <a:t> </a:t>
+            </a:r>
+            <a:r>
+              <a:rPr lang="en-US" altLang="zh-CN" sz="2800" dirty="0" smtClean="0"/>
+              <a:t>–</a:t>
+            </a:r>
+            <a:r>
+              <a:rPr lang="zh-CN" altLang="en-US" sz="2800" dirty="0" smtClean="0"/>
+              <a:t> 演示版本</a:t>
+            </a:r>
+            <a:endParaRPr lang="zh-CN" altLang="en-US" sz="2800" dirty="0"/>
+          </a:p>
+        </p:txBody>
+      </p:sp>
+      <p:sp>
+        <p:nvSpPr>
+          <p:cNvPr id="3" name="TextBox 2"/>
+          <p:cNvSpPr txBox="1"/>
+          <p:nvPr/>
+        </p:nvSpPr>
+        <p:spPr>
+          <a:xfrm>
+            <a:off x="533400" y="1295400"/>
+            <a:ext cx="8153400" cy="4876800"/>
+          </a:xfrm>
+          <a:prstGeom prst="rect">
+            <a:avLst/>
+          </a:prstGeom>
+          <a:noFill/>
+        </p:spPr>
+        <p:txBody>
+          <a:bodyPr wrap="none" rtlCol="0">
+            <a:noAutofit/>
+          </a:bodyPr>
+          <a:lstStyle/>
+          <a:p>
+            <a:r>
+              <a:rPr lang="zh-CN" altLang="en-US" sz="1400" b="1" dirty="0" smtClean="0"/>
+              <a:t>后台管理</a:t>
+            </a:r>
+            <a:endParaRPr lang="en-US" altLang="zh-CN" sz="1400" b="1" dirty="0" smtClean="0"/>
+          </a:p>
+          <a:p>
+            <a:pPr marL="269875" indent="-269875">
+              <a:buFont typeface="Arial" pitchFamily="34" charset="0"/>
+              <a:buChar char="•"/>
+            </a:pPr>
+            <a:r>
+              <a:rPr lang="zh-CN" altLang="en-US" sz="1400" dirty="0" smtClean="0"/>
+              <a:t>创建公司（</a:t>
+            </a:r>
+            <a:r>
+              <a:rPr lang="en-US" altLang="zh-CN" sz="1400" dirty="0" smtClean="0"/>
+              <a:t>tenant</a:t>
+            </a:r>
+            <a:r>
+              <a:rPr lang="zh-CN" altLang="en-US" sz="1400" dirty="0" smtClean="0"/>
+              <a:t>）和门店（</a:t>
+            </a:r>
+            <a:r>
+              <a:rPr lang="en-US" altLang="zh-CN" sz="1400" dirty="0" smtClean="0"/>
+              <a:t> store</a:t>
+            </a:r>
+            <a:r>
+              <a:rPr lang="zh-CN" altLang="en-US" sz="1400" dirty="0" smtClean="0"/>
+              <a:t>）</a:t>
+            </a:r>
+            <a:endParaRPr lang="en-US" altLang="zh-CN" sz="1400" dirty="0" smtClean="0"/>
+          </a:p>
+          <a:p>
+            <a:pPr marL="269875" indent="-269875">
+              <a:buFont typeface="Arial" pitchFamily="34" charset="0"/>
+              <a:buChar char="•"/>
+            </a:pPr>
+            <a:r>
+              <a:rPr lang="zh-CN" altLang="en-US" sz="1400" dirty="0" smtClean="0"/>
+              <a:t>创建菜品（</a:t>
+            </a:r>
+            <a:r>
+              <a:rPr lang="en-US" altLang="zh-CN" sz="1400" dirty="0" smtClean="0"/>
+              <a:t>item</a:t>
+            </a:r>
+            <a:r>
+              <a:rPr lang="zh-CN" altLang="en-US" sz="1400" dirty="0" smtClean="0"/>
+              <a:t>）</a:t>
+            </a:r>
+            <a:endParaRPr lang="en-US" altLang="zh-CN" sz="1400" dirty="0" smtClean="0"/>
+          </a:p>
+          <a:p>
+            <a:pPr marL="269875" indent="-269875">
+              <a:buFont typeface="Arial" pitchFamily="34" charset="0"/>
+              <a:buChar char="•"/>
+            </a:pPr>
+            <a:endParaRPr lang="en-US" altLang="zh-CN" sz="1400" dirty="0" smtClean="0"/>
+          </a:p>
+          <a:p>
+            <a:r>
+              <a:rPr lang="zh-CN" altLang="en-US" sz="1400" b="1" dirty="0" smtClean="0"/>
+              <a:t>电子点餐</a:t>
+            </a:r>
+            <a:endParaRPr lang="en-US" altLang="zh-CN" sz="1400" b="1" dirty="0" smtClean="0"/>
+          </a:p>
+          <a:p>
+            <a:pPr marL="269875" indent="-269875">
+              <a:buFont typeface="Arial" pitchFamily="34" charset="0"/>
+              <a:buChar char="•"/>
+            </a:pPr>
+            <a:r>
+              <a:rPr lang="zh-CN" altLang="en-US" sz="1400" dirty="0" smtClean="0"/>
+              <a:t>显示菜单</a:t>
+            </a:r>
+            <a:endParaRPr lang="en-US" altLang="zh-CN" sz="1400" dirty="0" smtClean="0"/>
+          </a:p>
+          <a:p>
+            <a:pPr marL="269875" indent="-269875">
+              <a:buFont typeface="Arial" pitchFamily="34" charset="0"/>
+              <a:buChar char="•"/>
+            </a:pPr>
+            <a:r>
+              <a:rPr lang="zh-CN" altLang="en-US" sz="1400" dirty="0" smtClean="0"/>
+              <a:t>创建订单</a:t>
+            </a:r>
+            <a:endParaRPr lang="en-US" altLang="zh-CN" sz="1400" dirty="0" smtClean="0"/>
+          </a:p>
+          <a:p>
+            <a:endParaRPr lang="en-US" altLang="zh-CN" sz="1400" dirty="0" smtClean="0">
+              <a:solidFill>
+                <a:schemeClr val="bg1">
+                  <a:lumMod val="65000"/>
+                </a:schemeClr>
+              </a:solidFill>
+            </a:endParaRPr>
+          </a:p>
+          <a:p>
+            <a:r>
+              <a:rPr lang="zh-CN" altLang="en-US" sz="1400" b="1" dirty="0" smtClean="0"/>
+              <a:t>收</a:t>
+            </a:r>
+            <a:r>
+              <a:rPr lang="zh-CN" altLang="en-US" sz="1400" b="1" dirty="0" smtClean="0"/>
+              <a:t>银系统</a:t>
+            </a:r>
+            <a:endParaRPr lang="en-US" altLang="zh-CN" sz="1400" b="1" dirty="0" smtClean="0"/>
+          </a:p>
+          <a:p>
+            <a:pPr marL="269875" indent="-269875">
+              <a:buFont typeface="Arial" pitchFamily="34" charset="0"/>
+              <a:buChar char="•"/>
+            </a:pPr>
+            <a:r>
+              <a:rPr lang="zh-CN" altLang="en-US" sz="1400" dirty="0" smtClean="0"/>
+              <a:t>列出准备结帐的餐桌</a:t>
+            </a:r>
+            <a:endParaRPr lang="en-US" altLang="zh-CN" sz="1400" dirty="0" smtClean="0"/>
+          </a:p>
+          <a:p>
+            <a:pPr marL="269875" indent="-269875">
+              <a:buFont typeface="Arial" pitchFamily="34" charset="0"/>
+              <a:buChar char="•"/>
+            </a:pPr>
+            <a:r>
+              <a:rPr lang="zh-CN" altLang="en-US" sz="1400" dirty="0" smtClean="0"/>
+              <a:t>显示对应的订单</a:t>
+            </a:r>
+            <a:endParaRPr lang="en-US" altLang="zh-CN" sz="1400" dirty="0" smtClean="0"/>
+          </a:p>
+          <a:p>
+            <a:pPr marL="269875" indent="-269875">
+              <a:buFont typeface="Arial" pitchFamily="34" charset="0"/>
+              <a:buChar char="•"/>
+            </a:pPr>
+            <a:r>
+              <a:rPr lang="zh-CN" altLang="en-US" sz="1400" dirty="0" smtClean="0"/>
+              <a:t>支</a:t>
+            </a:r>
+            <a:r>
+              <a:rPr lang="zh-CN" altLang="en-US" sz="1400" dirty="0" smtClean="0"/>
+              <a:t>付，关闭订单</a:t>
+            </a:r>
+            <a:endParaRPr lang="en-US" altLang="zh-CN" sz="1400" dirty="0" smtClean="0"/>
+          </a:p>
+          <a:p>
+            <a:endParaRPr lang="en-US" altLang="zh-CN" sz="1400" dirty="0" smtClean="0"/>
+          </a:p>
+          <a:p>
+            <a:r>
+              <a:rPr lang="zh-CN" altLang="en-US" sz="1400" b="1" dirty="0" smtClean="0">
+                <a:solidFill>
+                  <a:schemeClr val="bg1">
+                    <a:lumMod val="65000"/>
+                  </a:schemeClr>
+                </a:solidFill>
+              </a:rPr>
+              <a:t>不需要</a:t>
+            </a:r>
+            <a:endParaRPr lang="en-US" altLang="zh-CN" sz="1400" b="1" dirty="0" smtClean="0">
+              <a:solidFill>
+                <a:schemeClr val="bg1">
+                  <a:lumMod val="65000"/>
+                </a:schemeClr>
+              </a:solidFill>
+            </a:endParaRPr>
+          </a:p>
+          <a:p>
+            <a:r>
+              <a:rPr lang="zh-CN" altLang="en-US" sz="1400" dirty="0" smtClean="0">
+                <a:solidFill>
+                  <a:schemeClr val="bg1">
+                    <a:lumMod val="65000"/>
+                  </a:schemeClr>
+                </a:solidFill>
+              </a:rPr>
+              <a:t>用</a:t>
+            </a:r>
+            <a:r>
+              <a:rPr lang="zh-CN" altLang="en-US" sz="1400" dirty="0" smtClean="0">
+                <a:solidFill>
+                  <a:schemeClr val="bg1">
+                    <a:lumMod val="65000"/>
+                  </a:schemeClr>
+                </a:solidFill>
+              </a:rPr>
+              <a:t>户管理</a:t>
+            </a:r>
+            <a:endParaRPr lang="en-US" altLang="zh-CN" sz="1400" dirty="0" smtClean="0">
+              <a:solidFill>
+                <a:schemeClr val="bg1">
+                  <a:lumMod val="65000"/>
+                </a:schemeClr>
+              </a:solidFill>
+            </a:endParaRPr>
+          </a:p>
+          <a:p>
+            <a:r>
+              <a:rPr lang="zh-CN" altLang="en-US" sz="1400" dirty="0" smtClean="0">
+                <a:solidFill>
+                  <a:schemeClr val="bg1">
+                    <a:lumMod val="65000"/>
+                  </a:schemeClr>
+                </a:solidFill>
+              </a:rPr>
+              <a:t>菜单设计</a:t>
+            </a:r>
+            <a:endParaRPr lang="en-US" altLang="zh-CN" sz="1400" dirty="0" smtClean="0">
+              <a:solidFill>
+                <a:schemeClr val="bg1">
+                  <a:lumMod val="65000"/>
+                </a:schemeClr>
+              </a:solidFill>
+            </a:endParaRPr>
+          </a:p>
+          <a:p>
+            <a:r>
+              <a:rPr lang="zh-CN" altLang="en-US" sz="1400" dirty="0" smtClean="0">
+                <a:solidFill>
+                  <a:schemeClr val="bg1">
+                    <a:lumMod val="65000"/>
+                  </a:schemeClr>
+                </a:solidFill>
+              </a:rPr>
+              <a:t>餐</a:t>
+            </a:r>
+            <a:r>
+              <a:rPr lang="zh-CN" altLang="en-US" sz="1400" dirty="0" smtClean="0">
+                <a:solidFill>
+                  <a:schemeClr val="bg1">
+                    <a:lumMod val="65000"/>
+                  </a:schemeClr>
+                </a:solidFill>
+              </a:rPr>
+              <a:t>桌管理</a:t>
+            </a:r>
+            <a:endParaRPr lang="en-US" altLang="zh-CN" sz="1400" dirty="0" smtClean="0">
+              <a:solidFill>
+                <a:schemeClr val="bg1">
+                  <a:lumMod val="65000"/>
+                </a:schemeClr>
+              </a:solidFill>
+            </a:endParaRPr>
+          </a:p>
+          <a:p>
+            <a:endParaRPr lang="en-US" altLang="zh-CN" sz="1400" dirty="0" smtClean="0">
+              <a:solidFill>
+                <a:schemeClr val="bg1">
+                  <a:lumMod val="65000"/>
+                </a:schemeClr>
+              </a:solidFill>
+            </a:endParaRPr>
+          </a:p>
+          <a:p>
+            <a:endParaRPr lang="zh-CN" altLang="en-US" sz="1400" dirty="0"/>
+          </a:p>
+        </p:txBody>
+      </p:sp>
+    </p:spTree>
+  </p:cSld>
+  <p:clrMapOvr>
+    <a:masterClrMapping/>
+  </p:clrMapOvr>
+  <p:timing>
+    <p:tnLst>
+      <p:par>
+        <p:cTn id="1" dur="indefinite" restart="never" nodeType="tmRoot"/>
+      </p:par>
+    </p:tnLst>
+  </p:timing>
+</p:sld>
+</file>
+
+<file path=ppt/slides/slide5.xml><?xml version="1.0" encoding="utf-8"?>
+<p:sld xmlns:a="http://schemas.openxmlformats.org/drawingml/2006/main" xmlns:r="http://schemas.openxmlformats.org/officeDocument/2006/relationships" xmlns:p="http://schemas.openxmlformats.org/presentationml/2006/main">
+  <p:cSld>
+    <p:spTree>
+      <p:nvGrpSpPr>
+        <p:cNvPr id="1" name=""/>
+        <p:cNvGrpSpPr/>
+        <p:nvPr/>
+      </p:nvGrpSpPr>
+      <p:grpSpPr>
+        <a:xfrm>
+          <a:off x="0" y="0"/>
+          <a:ext cx="0" cy="0"/>
+          <a:chOff x="0" y="0"/>
+          <a:chExt cx="0" cy="0"/>
+        </a:xfrm>
+      </p:grpSpPr>
+      <p:sp>
+        <p:nvSpPr>
+          <p:cNvPr id="2" name="TextBox 1"/>
+          <p:cNvSpPr txBox="1"/>
+          <p:nvPr/>
+        </p:nvSpPr>
+        <p:spPr>
+          <a:xfrm>
+            <a:off x="533400" y="457200"/>
+            <a:ext cx="2896947" cy="523220"/>
+          </a:xfrm>
+          <a:prstGeom prst="rect">
+            <a:avLst/>
+          </a:prstGeom>
+          <a:noFill/>
+        </p:spPr>
+        <p:txBody>
+          <a:bodyPr wrap="none" rtlCol="0">
+            <a:spAutoFit/>
+          </a:bodyPr>
+          <a:lstStyle/>
+          <a:p>
+            <a:r>
+              <a:rPr lang="zh-CN" altLang="en-US" sz="2800" dirty="0" smtClean="0"/>
+              <a:t>版本</a:t>
+            </a:r>
+            <a:r>
+              <a:rPr lang="en-US" altLang="zh-CN" sz="2800" dirty="0" smtClean="0"/>
+              <a:t>II</a:t>
+            </a:r>
+            <a:r>
+              <a:rPr lang="zh-CN" altLang="en-US" sz="2800" dirty="0" smtClean="0"/>
+              <a:t> </a:t>
+            </a:r>
+            <a:r>
+              <a:rPr lang="en-US" altLang="zh-CN" sz="2800" dirty="0" smtClean="0"/>
+              <a:t>–</a:t>
+            </a:r>
+            <a:r>
+              <a:rPr lang="zh-CN" altLang="en-US" sz="2800" dirty="0" smtClean="0"/>
+              <a:t> 试用版本</a:t>
+            </a:r>
+            <a:endParaRPr lang="zh-CN" altLang="en-US" sz="2800" dirty="0"/>
+          </a:p>
+        </p:txBody>
+      </p:sp>
+      <p:sp>
+        <p:nvSpPr>
+          <p:cNvPr id="3" name="TextBox 2"/>
+          <p:cNvSpPr txBox="1"/>
+          <p:nvPr/>
+        </p:nvSpPr>
+        <p:spPr>
+          <a:xfrm>
+            <a:off x="533400" y="1295400"/>
+            <a:ext cx="8153400" cy="4876800"/>
+          </a:xfrm>
+          <a:prstGeom prst="rect">
+            <a:avLst/>
+          </a:prstGeom>
+          <a:noFill/>
+        </p:spPr>
+        <p:txBody>
+          <a:bodyPr wrap="none" rtlCol="0">
+            <a:noAutofit/>
+          </a:bodyPr>
+          <a:lstStyle/>
+          <a:p>
+            <a:r>
+              <a:rPr lang="zh-CN" altLang="en-US" sz="1400" b="1" dirty="0" smtClean="0"/>
+              <a:t>后台管理</a:t>
+            </a:r>
+            <a:endParaRPr lang="en-US" altLang="zh-CN" sz="1400" b="1" dirty="0" smtClean="0"/>
+          </a:p>
+          <a:p>
+            <a:pPr marL="269875" indent="-269875">
+              <a:buFont typeface="Arial" pitchFamily="34" charset="0"/>
+              <a:buChar char="•"/>
+            </a:pPr>
+            <a:r>
+              <a:rPr lang="zh-CN" altLang="en-US" sz="1400" dirty="0" smtClean="0"/>
+              <a:t>试用用户管理</a:t>
+            </a:r>
+            <a:endParaRPr lang="en-US" altLang="zh-CN" sz="1400" dirty="0" smtClean="0"/>
+          </a:p>
+          <a:p>
+            <a:pPr marL="269875" indent="-269875">
+              <a:buFont typeface="Arial" pitchFamily="34" charset="0"/>
+              <a:buChar char="•"/>
+            </a:pPr>
+            <a:r>
+              <a:rPr lang="zh-CN" altLang="en-US" sz="1400" dirty="0" smtClean="0"/>
+              <a:t>客户可以创建试用公</a:t>
+            </a:r>
+            <a:r>
+              <a:rPr lang="zh-CN" altLang="en-US" sz="1400" dirty="0" smtClean="0"/>
+              <a:t>司（</a:t>
+            </a:r>
+            <a:r>
+              <a:rPr lang="en-US" altLang="zh-CN" sz="1400" dirty="0" smtClean="0"/>
+              <a:t>tenant</a:t>
+            </a:r>
+            <a:r>
+              <a:rPr lang="zh-CN" altLang="en-US" sz="1400" dirty="0" smtClean="0"/>
+              <a:t>）和门店（</a:t>
+            </a:r>
+            <a:r>
+              <a:rPr lang="en-US" altLang="zh-CN" sz="1400" dirty="0" smtClean="0"/>
+              <a:t> store</a:t>
+            </a:r>
+            <a:r>
+              <a:rPr lang="zh-CN" altLang="en-US" sz="1400" dirty="0" smtClean="0"/>
+              <a:t>）</a:t>
+            </a:r>
+            <a:endParaRPr lang="en-US" altLang="zh-CN" sz="1400" dirty="0" smtClean="0"/>
+          </a:p>
+          <a:p>
+            <a:pPr marL="269875" indent="-269875">
+              <a:buFont typeface="Arial" pitchFamily="34" charset="0"/>
+              <a:buChar char="•"/>
+            </a:pPr>
+            <a:r>
+              <a:rPr lang="zh-CN" altLang="en-US" sz="1400" dirty="0" smtClean="0"/>
+              <a:t>创建菜品（</a:t>
+            </a:r>
+            <a:r>
+              <a:rPr lang="en-US" altLang="zh-CN" sz="1400" dirty="0" smtClean="0"/>
+              <a:t>item</a:t>
+            </a:r>
+            <a:r>
+              <a:rPr lang="zh-CN" altLang="en-US" sz="1400" dirty="0" smtClean="0"/>
+              <a:t>）</a:t>
+            </a:r>
+            <a:endParaRPr lang="en-US" altLang="zh-CN" sz="1400" dirty="0" smtClean="0"/>
+          </a:p>
+          <a:p>
+            <a:pPr marL="269875" indent="-269875">
+              <a:buFont typeface="Arial" pitchFamily="34" charset="0"/>
+              <a:buChar char="•"/>
+            </a:pPr>
+            <a:r>
+              <a:rPr lang="zh-CN" altLang="en-US" sz="1400" dirty="0" smtClean="0"/>
+              <a:t>菜</a:t>
+            </a:r>
+            <a:r>
+              <a:rPr lang="zh-CN" altLang="en-US" sz="1400" dirty="0" smtClean="0"/>
+              <a:t>单设计</a:t>
+            </a:r>
+            <a:endParaRPr lang="en-US" altLang="zh-CN" sz="1400" dirty="0" smtClean="0"/>
+          </a:p>
+          <a:p>
+            <a:pPr marL="269875" indent="-269875">
+              <a:buFont typeface="Arial" pitchFamily="34" charset="0"/>
+              <a:buChar char="•"/>
+            </a:pPr>
+            <a:r>
+              <a:rPr lang="zh-CN" altLang="en-US" sz="1400" dirty="0" smtClean="0"/>
+              <a:t>餐</a:t>
+            </a:r>
+            <a:r>
+              <a:rPr lang="zh-CN" altLang="en-US" sz="1400" dirty="0" smtClean="0"/>
+              <a:t>桌管理</a:t>
+            </a:r>
+            <a:endParaRPr lang="en-US" altLang="zh-CN" sz="1400" dirty="0" smtClean="0"/>
+          </a:p>
+          <a:p>
+            <a:pPr marL="269875" indent="-269875">
+              <a:buFont typeface="Arial" pitchFamily="34" charset="0"/>
+              <a:buChar char="•"/>
+            </a:pPr>
+            <a:r>
+              <a:rPr lang="zh-CN" altLang="en-US" sz="1400" dirty="0" smtClean="0"/>
+              <a:t>折</a:t>
+            </a:r>
+            <a:r>
+              <a:rPr lang="zh-CN" altLang="en-US" sz="1400" dirty="0" smtClean="0"/>
+              <a:t>扣管理</a:t>
+            </a:r>
+            <a:endParaRPr lang="en-US" altLang="zh-CN" sz="1400" dirty="0" smtClean="0"/>
+          </a:p>
+          <a:p>
+            <a:pPr marL="269875" indent="-269875">
+              <a:buFont typeface="Arial" pitchFamily="34" charset="0"/>
+              <a:buChar char="•"/>
+            </a:pPr>
+            <a:endParaRPr lang="en-US" altLang="zh-CN" sz="1400" dirty="0" smtClean="0"/>
+          </a:p>
+          <a:p>
+            <a:r>
+              <a:rPr lang="zh-CN" altLang="en-US" sz="1400" b="1" dirty="0" smtClean="0"/>
+              <a:t>电子点餐（</a:t>
+            </a:r>
+            <a:r>
+              <a:rPr lang="en-US" altLang="zh-CN" sz="1400" b="1" dirty="0" smtClean="0"/>
+              <a:t>Web</a:t>
+            </a:r>
+            <a:r>
+              <a:rPr lang="zh-CN" altLang="en-US" sz="1400" b="1" dirty="0" smtClean="0"/>
+              <a:t> </a:t>
+            </a:r>
+            <a:r>
+              <a:rPr lang="en-US" altLang="zh-CN" sz="1400" b="1" dirty="0" smtClean="0"/>
+              <a:t>based</a:t>
+            </a:r>
+            <a:r>
+              <a:rPr lang="zh-CN" altLang="en-US" sz="1400" b="1" dirty="0" smtClean="0"/>
+              <a:t> </a:t>
+            </a:r>
+            <a:r>
+              <a:rPr lang="en-US" altLang="zh-CN" sz="1400" b="1" dirty="0" smtClean="0"/>
+              <a:t>mobile</a:t>
+            </a:r>
+            <a:r>
+              <a:rPr lang="zh-CN" altLang="en-US" sz="1400" b="1" dirty="0" smtClean="0"/>
+              <a:t>版）</a:t>
+            </a:r>
+            <a:endParaRPr lang="en-US" altLang="zh-CN" sz="1400" b="1" dirty="0" smtClean="0"/>
+          </a:p>
+          <a:p>
+            <a:pPr marL="269875" indent="-269875">
+              <a:buFont typeface="Arial" pitchFamily="34" charset="0"/>
+              <a:buChar char="•"/>
+            </a:pPr>
+            <a:r>
+              <a:rPr lang="zh-CN" altLang="en-US" sz="1400" dirty="0" smtClean="0"/>
+              <a:t>用户登录</a:t>
+            </a:r>
+            <a:endParaRPr lang="en-US" altLang="zh-CN" sz="1400" dirty="0" smtClean="0"/>
+          </a:p>
+          <a:p>
+            <a:pPr marL="269875" indent="-269875">
+              <a:buFont typeface="Arial" pitchFamily="34" charset="0"/>
+              <a:buChar char="•"/>
+            </a:pPr>
+            <a:r>
+              <a:rPr lang="zh-CN" altLang="en-US" sz="1400" dirty="0" smtClean="0"/>
+              <a:t>显</a:t>
+            </a:r>
+            <a:r>
+              <a:rPr lang="zh-CN" altLang="en-US" sz="1400" dirty="0" smtClean="0"/>
+              <a:t>示菜</a:t>
+            </a:r>
+            <a:r>
+              <a:rPr lang="zh-CN" altLang="en-US" sz="1400" dirty="0" smtClean="0"/>
+              <a:t>单</a:t>
+            </a:r>
+            <a:endParaRPr lang="en-US" altLang="zh-CN" sz="1400" dirty="0" smtClean="0"/>
+          </a:p>
+          <a:p>
+            <a:pPr marL="269875" indent="-269875">
+              <a:buFont typeface="Arial" pitchFamily="34" charset="0"/>
+              <a:buChar char="•"/>
+            </a:pPr>
+            <a:r>
+              <a:rPr lang="zh-CN" altLang="en-US" sz="1400" dirty="0" smtClean="0"/>
+              <a:t>显</a:t>
+            </a:r>
+            <a:r>
+              <a:rPr lang="zh-CN" altLang="en-US" sz="1400" dirty="0" smtClean="0"/>
+              <a:t>示餐桌</a:t>
+            </a:r>
+            <a:endParaRPr lang="en-US" altLang="zh-CN" sz="1400" dirty="0" smtClean="0"/>
+          </a:p>
+          <a:p>
+            <a:pPr marL="269875" indent="-269875">
+              <a:buFont typeface="Arial" pitchFamily="34" charset="0"/>
+              <a:buChar char="•"/>
+            </a:pPr>
+            <a:r>
+              <a:rPr lang="zh-CN" altLang="en-US" sz="1400" dirty="0" smtClean="0"/>
+              <a:t>计</a:t>
+            </a:r>
+            <a:r>
+              <a:rPr lang="zh-CN" altLang="en-US" sz="1400" dirty="0" smtClean="0"/>
+              <a:t>算折扣</a:t>
+            </a:r>
+            <a:endParaRPr lang="en-US" altLang="zh-CN" sz="1400" dirty="0" smtClean="0"/>
+          </a:p>
+          <a:p>
+            <a:pPr marL="269875" indent="-269875">
+              <a:buFont typeface="Arial" pitchFamily="34" charset="0"/>
+              <a:buChar char="•"/>
+            </a:pPr>
+            <a:r>
+              <a:rPr lang="zh-CN" altLang="en-US" sz="1400" dirty="0" smtClean="0"/>
+              <a:t>创建订单</a:t>
+            </a:r>
+            <a:endParaRPr lang="en-US" altLang="zh-CN" sz="1400" dirty="0" smtClean="0"/>
+          </a:p>
+          <a:p>
+            <a:endParaRPr lang="en-US" altLang="zh-CN" sz="1400" dirty="0" smtClean="0">
+              <a:solidFill>
+                <a:schemeClr val="bg1">
+                  <a:lumMod val="65000"/>
+                </a:schemeClr>
+              </a:solidFill>
+            </a:endParaRPr>
+          </a:p>
+          <a:p>
+            <a:r>
+              <a:rPr lang="zh-CN" altLang="en-US" sz="1400" b="1" dirty="0" smtClean="0"/>
+              <a:t>收</a:t>
+            </a:r>
+            <a:r>
+              <a:rPr lang="zh-CN" altLang="en-US" sz="1400" b="1" dirty="0" smtClean="0"/>
+              <a:t>银系统</a:t>
+            </a:r>
+            <a:endParaRPr lang="en-US" altLang="zh-CN" sz="1400" b="1" dirty="0" smtClean="0"/>
+          </a:p>
+          <a:p>
+            <a:pPr marL="269875" indent="-269875">
+              <a:buFont typeface="Arial" pitchFamily="34" charset="0"/>
+              <a:buChar char="•"/>
+            </a:pPr>
+            <a:r>
+              <a:rPr lang="zh-CN" altLang="en-US" sz="1400" dirty="0" smtClean="0"/>
+              <a:t>列出准备结帐的餐桌</a:t>
+            </a:r>
+            <a:endParaRPr lang="en-US" altLang="zh-CN" sz="1400" dirty="0" smtClean="0"/>
+          </a:p>
+          <a:p>
+            <a:pPr marL="269875" indent="-269875">
+              <a:buFont typeface="Arial" pitchFamily="34" charset="0"/>
+              <a:buChar char="•"/>
+            </a:pPr>
+            <a:r>
+              <a:rPr lang="zh-CN" altLang="en-US" sz="1400" dirty="0" smtClean="0"/>
+              <a:t>显示对应的订单</a:t>
+            </a:r>
+            <a:endParaRPr lang="en-US" altLang="zh-CN" sz="1400" dirty="0" smtClean="0"/>
+          </a:p>
+          <a:p>
+            <a:pPr marL="269875" indent="-269875">
+              <a:buFont typeface="Arial" pitchFamily="34" charset="0"/>
+              <a:buChar char="•"/>
+            </a:pPr>
+            <a:r>
+              <a:rPr lang="zh-CN" altLang="en-US" sz="1400" dirty="0" smtClean="0"/>
+              <a:t>支</a:t>
+            </a:r>
+            <a:r>
+              <a:rPr lang="zh-CN" altLang="en-US" sz="1400" dirty="0" smtClean="0"/>
+              <a:t>付，关闭订单</a:t>
+            </a:r>
+            <a:endParaRPr lang="en-US" altLang="zh-CN" sz="1400" dirty="0" smtClean="0"/>
+          </a:p>
+          <a:p>
+            <a:endParaRPr lang="en-US" altLang="zh-CN" sz="1400" dirty="0" smtClean="0"/>
+          </a:p>
+        </p:txBody>
+      </p:sp>
+    </p:spTree>
+  </p:cSld>
+  <p:clrMapOvr>
+    <a:masterClrMapping/>
+  </p:clrMapOvr>
+  <p:timing>
+    <p:tnLst>
+      <p:par>
+        <p:cTn id="1" dur="indefinite" restart="never" nodeType="tmRoot"/>
+      </p:par>
+    </p:tnLst>
+  </p:timing>
+</p:sld>
+</file>
+
+<file path=ppt/slides/slide6.xml><?xml version="1.0" encoding="utf-8"?>
+<p:sld xmlns:a="http://schemas.openxmlformats.org/drawingml/2006/main" xmlns:r="http://schemas.openxmlformats.org/officeDocument/2006/relationships" xmlns:p="http://schemas.openxmlformats.org/presentationml/2006/main">
+  <p:cSld>
+    <p:spTree>
+      <p:nvGrpSpPr>
+        <p:cNvPr id="1" name=""/>
+        <p:cNvGrpSpPr/>
+        <p:nvPr/>
+      </p:nvGrpSpPr>
+      <p:grpSpPr>
+        <a:xfrm>
+          <a:off x="0" y="0"/>
+          <a:ext cx="0" cy="0"/>
+          <a:chOff x="0" y="0"/>
+          <a:chExt cx="0" cy="0"/>
+        </a:xfrm>
+      </p:grpSpPr>
+      <p:sp>
+        <p:nvSpPr>
+          <p:cNvPr id="2" name="TextBox 1"/>
+          <p:cNvSpPr txBox="1"/>
+          <p:nvPr/>
+        </p:nvSpPr>
+        <p:spPr>
+          <a:xfrm>
+            <a:off x="533400" y="457200"/>
+            <a:ext cx="2986715" cy="523220"/>
+          </a:xfrm>
+          <a:prstGeom prst="rect">
+            <a:avLst/>
+          </a:prstGeom>
+          <a:noFill/>
+        </p:spPr>
+        <p:txBody>
+          <a:bodyPr wrap="none" rtlCol="0">
+            <a:spAutoFit/>
+          </a:bodyPr>
+          <a:lstStyle/>
+          <a:p>
+            <a:r>
+              <a:rPr lang="zh-CN" altLang="en-US" sz="2800" dirty="0" smtClean="0"/>
+              <a:t>版本</a:t>
+            </a:r>
+            <a:r>
+              <a:rPr lang="en-US" altLang="zh-CN" sz="2800" dirty="0" smtClean="0"/>
+              <a:t>III</a:t>
+            </a:r>
+            <a:r>
+              <a:rPr lang="zh-CN" altLang="en-US" sz="2800" dirty="0" smtClean="0"/>
+              <a:t> </a:t>
+            </a:r>
+            <a:r>
+              <a:rPr lang="en-US" altLang="zh-CN" sz="2800" dirty="0" smtClean="0"/>
+              <a:t>–</a:t>
+            </a:r>
+            <a:r>
+              <a:rPr lang="zh-CN" altLang="en-US" sz="2800" dirty="0" smtClean="0"/>
+              <a:t> 正式版本</a:t>
+            </a:r>
+            <a:endParaRPr lang="zh-CN" altLang="en-US" sz="2800" dirty="0"/>
+          </a:p>
+        </p:txBody>
+      </p:sp>
+      <p:sp>
+        <p:nvSpPr>
+          <p:cNvPr id="3" name="TextBox 2"/>
+          <p:cNvSpPr txBox="1"/>
+          <p:nvPr/>
+        </p:nvSpPr>
+        <p:spPr>
+          <a:xfrm>
+            <a:off x="533400" y="1295400"/>
+            <a:ext cx="8153400" cy="5562600"/>
+          </a:xfrm>
+          <a:prstGeom prst="rect">
+            <a:avLst/>
+          </a:prstGeom>
+          <a:noFill/>
+        </p:spPr>
+        <p:txBody>
+          <a:bodyPr wrap="none" rtlCol="0">
+            <a:noAutofit/>
+          </a:bodyPr>
+          <a:lstStyle/>
+          <a:p>
+            <a:r>
+              <a:rPr lang="zh-CN" altLang="en-US" sz="1400" b="1" dirty="0" smtClean="0"/>
+              <a:t>后台管理</a:t>
+            </a:r>
+            <a:endParaRPr lang="en-US" altLang="zh-CN" sz="1400" b="1" dirty="0" smtClean="0"/>
+          </a:p>
+          <a:p>
+            <a:pPr marL="269875" indent="-269875">
+              <a:buFont typeface="Arial" pitchFamily="34" charset="0"/>
+              <a:buChar char="•"/>
+            </a:pPr>
+            <a:r>
+              <a:rPr lang="zh-CN" altLang="en-US" sz="1400" dirty="0" smtClean="0"/>
+              <a:t>用户管理，权限管理</a:t>
+            </a:r>
+            <a:endParaRPr lang="en-US" altLang="zh-CN" sz="1400" dirty="0" smtClean="0"/>
+          </a:p>
+          <a:p>
+            <a:pPr marL="269875" indent="-269875">
+              <a:buFont typeface="Arial" pitchFamily="34" charset="0"/>
+              <a:buChar char="•"/>
+            </a:pPr>
+            <a:r>
+              <a:rPr lang="zh-CN" altLang="en-US" sz="1400" dirty="0" smtClean="0"/>
+              <a:t>客户可以创建试用公</a:t>
+            </a:r>
+            <a:r>
+              <a:rPr lang="zh-CN" altLang="en-US" sz="1400" dirty="0" smtClean="0"/>
+              <a:t>司（</a:t>
+            </a:r>
+            <a:r>
+              <a:rPr lang="en-US" altLang="zh-CN" sz="1400" dirty="0" smtClean="0"/>
+              <a:t>tenant</a:t>
+            </a:r>
+            <a:r>
+              <a:rPr lang="zh-CN" altLang="en-US" sz="1400" dirty="0" smtClean="0"/>
+              <a:t>）和门店（</a:t>
+            </a:r>
+            <a:r>
+              <a:rPr lang="en-US" altLang="zh-CN" sz="1400" dirty="0" smtClean="0"/>
+              <a:t> store</a:t>
+            </a:r>
+            <a:r>
+              <a:rPr lang="zh-CN" altLang="en-US" sz="1400" dirty="0" smtClean="0"/>
+              <a:t>）</a:t>
+            </a:r>
+            <a:endParaRPr lang="en-US" altLang="zh-CN" sz="1400" dirty="0" smtClean="0"/>
+          </a:p>
+          <a:p>
+            <a:pPr marL="269875" indent="-269875">
+              <a:buFont typeface="Arial" pitchFamily="34" charset="0"/>
+              <a:buChar char="•"/>
+            </a:pPr>
+            <a:r>
+              <a:rPr lang="zh-CN" altLang="en-US" sz="1400" dirty="0" smtClean="0"/>
+              <a:t>创建菜品（</a:t>
+            </a:r>
+            <a:r>
+              <a:rPr lang="en-US" altLang="zh-CN" sz="1400" dirty="0" smtClean="0"/>
+              <a:t>item</a:t>
+            </a:r>
+            <a:r>
+              <a:rPr lang="zh-CN" altLang="en-US" sz="1400" dirty="0" smtClean="0"/>
+              <a:t>）</a:t>
+            </a:r>
+            <a:endParaRPr lang="en-US" altLang="zh-CN" sz="1400" dirty="0" smtClean="0"/>
+          </a:p>
+          <a:p>
+            <a:pPr marL="269875" indent="-269875">
+              <a:buFont typeface="Arial" pitchFamily="34" charset="0"/>
+              <a:buChar char="•"/>
+            </a:pPr>
+            <a:r>
+              <a:rPr lang="zh-CN" altLang="en-US" sz="1400" dirty="0" smtClean="0"/>
+              <a:t>菜</a:t>
+            </a:r>
+            <a:r>
+              <a:rPr lang="zh-CN" altLang="en-US" sz="1400" dirty="0" smtClean="0"/>
+              <a:t>单设计</a:t>
+            </a:r>
+            <a:endParaRPr lang="en-US" altLang="zh-CN" sz="1400" dirty="0" smtClean="0"/>
+          </a:p>
+          <a:p>
+            <a:pPr marL="269875" indent="-269875">
+              <a:buFont typeface="Arial" pitchFamily="34" charset="0"/>
+              <a:buChar char="•"/>
+            </a:pPr>
+            <a:r>
+              <a:rPr lang="zh-CN" altLang="en-US" sz="1400" dirty="0" smtClean="0"/>
+              <a:t>餐</a:t>
+            </a:r>
+            <a:r>
+              <a:rPr lang="zh-CN" altLang="en-US" sz="1400" dirty="0" smtClean="0"/>
+              <a:t>桌管理，布局管理</a:t>
+            </a:r>
+            <a:endParaRPr lang="en-US" altLang="zh-CN" sz="1400" dirty="0" smtClean="0"/>
+          </a:p>
+          <a:p>
+            <a:pPr marL="269875" indent="-269875">
+              <a:buFont typeface="Arial" pitchFamily="34" charset="0"/>
+              <a:buChar char="•"/>
+            </a:pPr>
+            <a:r>
+              <a:rPr lang="zh-CN" altLang="en-US" sz="1400" dirty="0" smtClean="0"/>
+              <a:t>折</a:t>
+            </a:r>
+            <a:r>
+              <a:rPr lang="zh-CN" altLang="en-US" sz="1400" dirty="0" smtClean="0"/>
+              <a:t>扣管理</a:t>
+            </a:r>
+            <a:endParaRPr lang="en-US" altLang="zh-CN" sz="1400" dirty="0" smtClean="0"/>
+          </a:p>
+          <a:p>
+            <a:pPr marL="269875" indent="-269875">
+              <a:buFont typeface="Arial" pitchFamily="34" charset="0"/>
+              <a:buChar char="•"/>
+            </a:pPr>
+            <a:r>
+              <a:rPr lang="zh-CN" altLang="en-US" sz="1400" dirty="0" smtClean="0"/>
+              <a:t>配</a:t>
+            </a:r>
+            <a:r>
+              <a:rPr lang="en-US" altLang="zh-CN" sz="1400" dirty="0" smtClean="0"/>
+              <a:t>/</a:t>
+            </a:r>
+            <a:r>
+              <a:rPr lang="zh-CN" altLang="en-US" sz="1400" dirty="0" smtClean="0"/>
+              <a:t>出菜管理</a:t>
+            </a:r>
+            <a:endParaRPr lang="en-US" altLang="zh-CN" sz="1400" dirty="0" smtClean="0"/>
+          </a:p>
+          <a:p>
+            <a:pPr marL="269875" indent="-269875">
+              <a:buFont typeface="Arial" pitchFamily="34" charset="0"/>
+              <a:buChar char="•"/>
+            </a:pPr>
+            <a:r>
+              <a:rPr lang="zh-CN" altLang="en-US" sz="1400" dirty="0" smtClean="0"/>
+              <a:t>报表分析</a:t>
+            </a:r>
+            <a:endParaRPr lang="en-US" altLang="zh-CN" sz="1400" dirty="0" smtClean="0"/>
+          </a:p>
+          <a:p>
+            <a:pPr marL="269875" indent="-269875">
+              <a:buFont typeface="Arial" pitchFamily="34" charset="0"/>
+              <a:buChar char="•"/>
+            </a:pPr>
+            <a:endParaRPr lang="en-US" altLang="zh-CN" sz="1400" dirty="0" smtClean="0"/>
+          </a:p>
+          <a:p>
+            <a:r>
+              <a:rPr lang="zh-CN" altLang="en-US" sz="1400" b="1" dirty="0" smtClean="0"/>
+              <a:t>电子点餐（</a:t>
+            </a:r>
+            <a:r>
+              <a:rPr lang="en-US" altLang="zh-CN" sz="1400" b="1" dirty="0" smtClean="0"/>
+              <a:t>Web</a:t>
+            </a:r>
+            <a:r>
+              <a:rPr lang="zh-CN" altLang="en-US" sz="1400" b="1" dirty="0" smtClean="0"/>
+              <a:t> </a:t>
+            </a:r>
+            <a:r>
+              <a:rPr lang="en-US" altLang="zh-CN" sz="1400" b="1" dirty="0" smtClean="0"/>
+              <a:t>based</a:t>
+            </a:r>
+            <a:r>
+              <a:rPr lang="zh-CN" altLang="en-US" sz="1400" b="1" dirty="0" smtClean="0"/>
+              <a:t> </a:t>
+            </a:r>
+            <a:r>
+              <a:rPr lang="en-US" altLang="zh-CN" sz="1400" b="1" dirty="0" smtClean="0"/>
+              <a:t>mobile</a:t>
+            </a:r>
+            <a:r>
+              <a:rPr lang="zh-CN" altLang="en-US" sz="1400" b="1" dirty="0" smtClean="0"/>
+              <a:t>版）</a:t>
+            </a:r>
+            <a:endParaRPr lang="en-US" altLang="zh-CN" sz="1400" b="1" dirty="0" smtClean="0"/>
+          </a:p>
+          <a:p>
+            <a:pPr marL="269875" indent="-269875">
+              <a:buFont typeface="Arial" pitchFamily="34" charset="0"/>
+              <a:buChar char="•"/>
+            </a:pPr>
+            <a:r>
+              <a:rPr lang="zh-CN" altLang="en-US" sz="1400" dirty="0" smtClean="0"/>
+              <a:t>用户登录</a:t>
+            </a:r>
+            <a:endParaRPr lang="en-US" altLang="zh-CN" sz="1400" dirty="0" smtClean="0"/>
+          </a:p>
+          <a:p>
+            <a:pPr marL="269875" indent="-269875">
+              <a:buFont typeface="Arial" pitchFamily="34" charset="0"/>
+              <a:buChar char="•"/>
+            </a:pPr>
+            <a:r>
+              <a:rPr lang="zh-CN" altLang="en-US" sz="1400" dirty="0" smtClean="0"/>
+              <a:t>显示菜单</a:t>
+            </a:r>
+            <a:endParaRPr lang="en-US" altLang="zh-CN" sz="1400" dirty="0" smtClean="0"/>
+          </a:p>
+          <a:p>
+            <a:pPr marL="269875" indent="-269875">
+              <a:buFont typeface="Arial" pitchFamily="34" charset="0"/>
+              <a:buChar char="•"/>
+            </a:pPr>
+            <a:r>
+              <a:rPr lang="zh-CN" altLang="en-US" sz="1400" dirty="0" smtClean="0"/>
+              <a:t>显示餐桌布局，餐桌合并</a:t>
+            </a:r>
+            <a:endParaRPr lang="en-US" altLang="zh-CN" sz="1400" dirty="0" smtClean="0"/>
+          </a:p>
+          <a:p>
+            <a:pPr marL="269875" indent="-269875">
+              <a:buFont typeface="Arial" pitchFamily="34" charset="0"/>
+              <a:buChar char="•"/>
+            </a:pPr>
+            <a:r>
+              <a:rPr lang="zh-CN" altLang="en-US" sz="1400" dirty="0" smtClean="0"/>
+              <a:t>计</a:t>
+            </a:r>
+            <a:r>
+              <a:rPr lang="zh-CN" altLang="en-US" sz="1400" dirty="0" smtClean="0"/>
+              <a:t>算折扣</a:t>
+            </a:r>
+            <a:endParaRPr lang="en-US" altLang="zh-CN" sz="1400" dirty="0" smtClean="0"/>
+          </a:p>
+          <a:p>
+            <a:pPr marL="269875" indent="-269875">
+              <a:buFont typeface="Arial" pitchFamily="34" charset="0"/>
+              <a:buChar char="•"/>
+            </a:pPr>
+            <a:r>
+              <a:rPr lang="zh-CN" altLang="en-US" sz="1400" dirty="0" smtClean="0"/>
+              <a:t>创建订单</a:t>
+            </a:r>
+            <a:endParaRPr lang="en-US" altLang="zh-CN" sz="1400" dirty="0" smtClean="0"/>
+          </a:p>
+          <a:p>
+            <a:endParaRPr lang="en-US" altLang="zh-CN" sz="1400" dirty="0" smtClean="0">
+              <a:solidFill>
+                <a:schemeClr val="bg1">
+                  <a:lumMod val="65000"/>
+                </a:schemeClr>
+              </a:solidFill>
+            </a:endParaRPr>
+          </a:p>
+          <a:p>
+            <a:r>
+              <a:rPr lang="zh-CN" altLang="en-US" sz="1400" b="1" dirty="0" smtClean="0"/>
+              <a:t>收</a:t>
+            </a:r>
+            <a:r>
+              <a:rPr lang="zh-CN" altLang="en-US" sz="1400" b="1" dirty="0" smtClean="0"/>
+              <a:t>银系统</a:t>
+            </a:r>
+            <a:endParaRPr lang="en-US" altLang="zh-CN" sz="1400" b="1" dirty="0" smtClean="0"/>
+          </a:p>
+          <a:p>
+            <a:pPr marL="269875" indent="-269875">
+              <a:buFont typeface="Arial" pitchFamily="34" charset="0"/>
+              <a:buChar char="•"/>
+            </a:pPr>
+            <a:r>
+              <a:rPr lang="zh-CN" altLang="en-US" sz="1400" dirty="0" smtClean="0"/>
+              <a:t>列出准备结帐的餐桌</a:t>
+            </a:r>
+            <a:endParaRPr lang="en-US" altLang="zh-CN" sz="1400" dirty="0" smtClean="0"/>
+          </a:p>
+          <a:p>
+            <a:pPr marL="269875" indent="-269875">
+              <a:buFont typeface="Arial" pitchFamily="34" charset="0"/>
+              <a:buChar char="•"/>
+            </a:pPr>
+            <a:r>
+              <a:rPr lang="zh-CN" altLang="en-US" sz="1400" dirty="0" smtClean="0"/>
+              <a:t>显示对应的订单</a:t>
+            </a:r>
+            <a:endParaRPr lang="en-US" altLang="zh-CN" sz="1400" dirty="0" smtClean="0"/>
+          </a:p>
+          <a:p>
+            <a:pPr marL="269875" indent="-269875">
+              <a:buFont typeface="Arial" pitchFamily="34" charset="0"/>
+              <a:buChar char="•"/>
+            </a:pPr>
+            <a:r>
+              <a:rPr lang="zh-CN" altLang="en-US" sz="1400" dirty="0" smtClean="0"/>
+              <a:t>支</a:t>
+            </a:r>
+            <a:r>
+              <a:rPr lang="zh-CN" altLang="en-US" sz="1400" dirty="0" smtClean="0"/>
+              <a:t>付，关闭订单</a:t>
+            </a:r>
+            <a:endParaRPr lang="en-US" altLang="zh-CN" sz="1400" dirty="0" smtClean="0"/>
+          </a:p>
+          <a:p>
+            <a:endParaRPr lang="en-US" altLang="zh-CN" sz="1400" dirty="0" smtClean="0"/>
+          </a:p>
+        </p:txBody>
+      </p:sp>
+    </p:spTree>
+  </p:cSld>
+  <p:clrMapOvr>
+    <a:masterClrMapping/>
+  </p:clrMapOvr>
+  <p:timing>
+    <p:tnLst>
+      <p:par>
+        <p:cTn id="1" dur="indefinite" restart="never" nodeType="tmRoot"/>
+      </p:par>
+    </p:tnLst>
+  </p:timing>
+</p:sld>
+</file>
+
+<file path=ppt/slides/slide7.xml><?xml version="1.0" encoding="utf-8"?>
+<p:sld xmlns:a="http://schemas.openxmlformats.org/drawingml/2006/main" xmlns:r="http://schemas.openxmlformats.org/officeDocument/2006/relationships" xmlns:p="http://schemas.openxmlformats.org/presentationml/2006/main">
+  <p:cSld>
+    <p:spTree>
+      <p:nvGrpSpPr>
+        <p:cNvPr id="1" name=""/>
+        <p:cNvGrpSpPr/>
+        <p:nvPr/>
+      </p:nvGrpSpPr>
+      <p:grpSpPr>
+        <a:xfrm>
+          <a:off x="0" y="0"/>
+          <a:ext cx="0" cy="0"/>
+          <a:chOff x="0" y="0"/>
+          <a:chExt cx="0" cy="0"/>
+        </a:xfrm>
+      </p:grpSpPr>
+    </p:spTree>
+  </p:cSld>
+  <p:clrMapOvr>
+    <a:masterClrMapping/>
+  </p:clrMapOvr>
+  <p:timing>
+    <p:tnLst>
+      <p:par>
+        <p:cTn id="1" dur="indefinite" restart="never" nodeType="tmRoot"/>
+      </p:par>
+    </p:tnLst>
+  </p:timing>
+</p:sld>
+</file>
+
+<file path=ppt/slides/slide8.xml><?xml version="1.0" encoding="utf-8"?>
+<p:sld xmlns:a="http://schemas.openxmlformats.org/drawingml/2006/main" xmlns:r="http://schemas.openxmlformats.org/officeDocument/2006/relationships" xmlns:p="http://schemas.openxmlformats.org/presentationml/2006/main">
+  <p:cSld>
+    <p:spTree>
+      <p:nvGrpSpPr>
+        <p:cNvPr id="1" name=""/>
+        <p:cNvGrpSpPr/>
+        <p:nvPr/>
+      </p:nvGrpSpPr>
+      <p:grpSpPr>
+        <a:xfrm>
+          <a:off x="0" y="0"/>
+          <a:ext cx="0" cy="0"/>
+          <a:chOff x="0" y="0"/>
+          <a:chExt cx="0" cy="0"/>
+        </a:xfrm>
+      </p:grpSpPr>
       <p:grpSp>
         <p:nvGrpSpPr>
           <p:cNvPr id="11" name="Group 10"/>
@@ -8356,42 +10283,10 @@
 </p:sld>
 </file>
 
-<file path=ppt/slides/slide5.xml><?xml version="1.0" encoding="utf-8"?>
-<p:sld xmlns:a="http://schemas.openxmlformats.org/drawingml/2006/main" xmlns:r="http://schemas.openxmlformats.org/officeDocument/2006/relationships" xmlns:p="http://schemas.openxmlformats.org/presentationml/2006/main">
-  <p:cSld>
-    <p:spTree>
-      <p:nvGrpSpPr>
-        <p:cNvPr id="1" name=""/>
-        <p:cNvGrpSpPr/>
-        <p:nvPr/>
-      </p:nvGrpSpPr>
-      <p:grpSpPr>
-        <a:xfrm>
-          <a:off x="0" y="0"/>
-          <a:ext cx="0" cy="0"/>
-          <a:chOff x="0" y="0"/>
-          <a:chExt cx="0" cy="0"/>
-        </a:xfrm>
-      </p:grpSpPr>
-    </p:spTree>
-  </p:cSld>
-  <p:clrMapOvr>
-    <a:masterClrMapping/>
-  </p:clrMapOvr>
-  <p:timing>
-    <p:tnLst>
-      <p:par>
-        <p:cTn id="1" dur="indefinite" restart="never" nodeType="tmRoot"/>
-      </p:par>
-    </p:tnLst>
-  </p:timing>
-</p:sld>
-</file>
-
 <file path=ppt/theme/theme1.xml><?xml version="1.0" encoding="utf-8"?>
-<a:theme xmlns:a="http://schemas.openxmlformats.org/drawingml/2006/main" name="Office Theme">
+<a:theme xmlns:a="http://schemas.openxmlformats.org/drawingml/2006/main" name="Origin">
   <a:themeElements>
-    <a:clrScheme name="Office">
+    <a:clrScheme name="Origin">
       <a:dk1>
         <a:sysClr val="windowText" lastClr="000000"/>
       </a:dk1>
@@ -8399,48 +10294,50 @@
         <a:sysClr val="window" lastClr="FFFFFF"/>
       </a:lt1>
       <a:dk2>
-        <a:srgbClr val="1F497D"/>
+        <a:srgbClr val="464653"/>
       </a:dk2>
       <a:lt2>
-        <a:srgbClr val="EEECE1"/>
+        <a:srgbClr val="DDE9EC"/>
       </a:lt2>
       <a:accent1>
-        <a:srgbClr val="4F81BD"/>
+        <a:srgbClr val="727CA3"/>
       </a:accent1>
       <a:accent2>
-        <a:srgbClr val="C0504D"/>
+        <a:srgbClr val="9FB8CD"/>
       </a:accent2>
       <a:accent3>
-        <a:srgbClr val="9BBB59"/>
+        <a:srgbClr val="D2DA7A"/>
       </a:accent3>
       <a:accent4>
-        <a:srgbClr val="8064A2"/>
+        <a:srgbClr val="FADA7A"/>
       </a:accent4>
       <a:accent5>
-        <a:srgbClr val="4BACC6"/>
+        <a:srgbClr val="B88472"/>
       </a:accent5>
       <a:accent6>
-        <a:srgbClr val="F79646"/>
+        <a:srgbClr val="8E736A"/>
       </a:accent6>
       <a:hlink>
-        <a:srgbClr val="0000FF"/>
+        <a:srgbClr val="B292CA"/>
       </a:hlink>
       <a:folHlink>
-        <a:srgbClr val="800080"/>
+        <a:srgbClr val="6B5680"/>
       </a:folHlink>
     </a:clrScheme>
-    <a:fontScheme name="Office">
+    <a:fontScheme name="Origin">
       <a:majorFont>
-        <a:latin typeface="Calibri"/>
+        <a:latin typeface="Bookman Old Style"/>
         <a:ea typeface=""/>
         <a:cs typeface=""/>
-        <a:font script="Jpan" typeface="ＭＳ Ｐゴシック"/>
-        <a:font script="Hang" typeface="맑은 고딕"/>
+        <a:font script="Grek" typeface="Cambria"/>
+        <a:font script="Cyrl" typeface="Cambria"/>
+        <a:font script="Jpan" typeface="HG明朝E"/>
+        <a:font script="Hang" typeface="돋움"/>
         <a:font script="Hans" typeface="宋体"/>
-        <a:font script="Hant" typeface="新細明體"/>
+        <a:font script="Hant" typeface="標楷體"/>
         <a:font script="Arab" typeface="Times New Roman"/>
         <a:font script="Hebr" typeface="Times New Roman"/>
-        <a:font script="Thai" typeface="Angsana New"/>
+        <a:font script="Thai" typeface="Browallia New"/>
         <a:font script="Ethi" typeface="Nyala"/>
         <a:font script="Beng" typeface="Vrinda"/>
         <a:font script="Gujr" typeface="Shruti"/>
@@ -8465,12 +10362,14 @@
         <a:font script="Uigh" typeface="Microsoft Uighur"/>
       </a:majorFont>
       <a:minorFont>
-        <a:latin typeface="Calibri"/>
+        <a:latin typeface="Gill Sans MT"/>
         <a:ea typeface=""/>
         <a:cs typeface=""/>
+        <a:font script="Grek" typeface="Calibri"/>
+        <a:font script="Cyrl" typeface="Calibri"/>
         <a:font script="Jpan" typeface="ＭＳ Ｐゴシック"/>
         <a:font script="Hang" typeface="맑은 고딕"/>
-        <a:font script="Hans" typeface="宋体"/>
+        <a:font script="Hans" typeface="华文新魏"/>
         <a:font script="Hant" typeface="新細明體"/>
         <a:font script="Arab" typeface="Arial"/>
         <a:font script="Hebr" typeface="Arial"/>
@@ -8499,7 +10398,7 @@
         <a:font script="Uigh" typeface="Microsoft Uighur"/>
       </a:minorFont>
     </a:fontScheme>
-    <a:fmtScheme name="Office">
+    <a:fmtScheme name="Origin">
       <a:fillStyleLst>
         <a:solidFill>
           <a:schemeClr val="phClr"/>
@@ -8508,56 +10407,93 @@
           <a:gsLst>
             <a:gs pos="0">
               <a:schemeClr val="phClr">
-                <a:tint val="50000"/>
-                <a:satMod val="300000"/>
+                <a:tint val="45000"/>
+                <a:satMod val="200000"/>
               </a:schemeClr>
             </a:gs>
-            <a:gs pos="35000">
+            <a:gs pos="30000">
               <a:schemeClr val="phClr">
-                <a:tint val="37000"/>
-                <a:satMod val="300000"/>
+                <a:tint val="61000"/>
+                <a:satMod val="200000"/>
+              </a:schemeClr>
+            </a:gs>
+            <a:gs pos="45000">
+              <a:schemeClr val="phClr">
+                <a:tint val="66000"/>
+                <a:satMod val="200000"/>
+              </a:schemeClr>
+            </a:gs>
+            <a:gs pos="55000">
+              <a:schemeClr val="phClr">
+                <a:tint val="66000"/>
+                <a:satMod val="200000"/>
+              </a:schemeClr>
+            </a:gs>
+            <a:gs pos="73000">
+              <a:schemeClr val="phClr">
+                <a:tint val="61000"/>
+                <a:satMod val="200000"/>
               </a:schemeClr>
             </a:gs>
             <a:gs pos="100000">
               <a:schemeClr val="phClr">
-                <a:tint val="15000"/>
-                <a:satMod val="350000"/>
+                <a:tint val="45000"/>
+                <a:satMod val="200000"/>
               </a:schemeClr>
             </a:gs>
           </a:gsLst>
-          <a:lin ang="16200000" scaled="1"/>
+          <a:lin ang="950000" scaled="1"/>
         </a:gradFill>
         <a:gradFill rotWithShape="1">
           <a:gsLst>
             <a:gs pos="0">
               <a:schemeClr val="phClr">
-                <a:shade val="51000"/>
-                <a:satMod val="130000"/>
+                <a:shade val="63000"/>
               </a:schemeClr>
             </a:gs>
-            <a:gs pos="80000">
+            <a:gs pos="30000">
               <a:schemeClr val="phClr">
-                <a:shade val="93000"/>
-                <a:satMod val="130000"/>
+                <a:shade val="90000"/>
+                <a:satMod val="110000"/>
+              </a:schemeClr>
+            </a:gs>
+            <a:gs pos="45000">
+              <a:schemeClr val="phClr">
+                <a:shade val="100000"/>
+                <a:satMod val="118000"/>
+              </a:schemeClr>
+            </a:gs>
+            <a:gs pos="55000">
+              <a:schemeClr val="phClr">
+                <a:shade val="100000"/>
+                <a:satMod val="118000"/>
+              </a:schemeClr>
+            </a:gs>
+            <a:gs pos="73000">
+              <a:schemeClr val="phClr">
+                <a:shade val="90000"/>
+                <a:satMod val="110000"/>
               </a:schemeClr>
             </a:gs>
             <a:gs pos="100000">
               <a:schemeClr val="phClr">
-                <a:shade val="94000"/>
-                <a:satMod val="135000"/>
+                <a:shade val="63000"/>
               </a:schemeClr>
             </a:gs>
           </a:gsLst>
-          <a:lin ang="16200000" scaled="0"/>
+          <a:lin ang="950000" scaled="1"/>
         </a:gradFill>
       </a:fillStyleLst>
       <a:lnStyleLst>
         <a:ln w="9525" cap="flat" cmpd="sng" algn="ctr">
           <a:solidFill>
-            <a:schemeClr val="phClr">
-              <a:shade val="95000"/>
-              <a:satMod val="105000"/>
-            </a:schemeClr>
+            <a:schemeClr val="phClr"/>
+          </a:solidFill>
+          <a:prstDash val="solid"/>
+        </a:ln>
+        <a:ln w="19050" cap="flat" cmpd="sng" algn="ctr">
+          <a:solidFill>
+            <a:schemeClr val="phClr"/>
           </a:solidFill>
           <a:prstDash val="solid"/>
         </a:ln>
@@ -8567,50 +10503,66 @@
           </a:solidFill>
           <a:prstDash val="solid"/>
         </a:ln>
-        <a:ln w="38100" cap="flat" cmpd="sng" algn="ctr">
-          <a:solidFill>
-            <a:schemeClr val="phClr"/>
-          </a:solidFill>
-          <a:prstDash val="solid"/>
-        </a:ln>
       </a:lnStyleLst>
       <a:effectStyleLst>
         <a:effectStyle>
           <a:effectLst>
-            <a:outerShdw blurRad="40000" dist="20000" dir="5400000" rotWithShape="0">
+            <a:outerShdw blurRad="38100" dist="25400" dir="5400000" rotWithShape="0">
               <a:srgbClr val="000000">
-                <a:alpha val="38000"/>
+                <a:alpha val="40000"/>
               </a:srgbClr>
             </a:outerShdw>
           </a:effectLst>
         </a:effectStyle>
         <a:effectStyle>
           <a:effectLst>
-            <a:outerShdw blurRad="40000" dist="23000" dir="5400000" rotWithShape="0">
+            <a:outerShdw blurRad="50800" dist="43000" dir="5400000" rotWithShape="0">
               <a:srgbClr val="000000">
-                <a:alpha val="35000"/>
-              </a:srgbClr>
-            </a:outerShdw>
-          </a:effectLst>
-        </a:effectStyle>
-        <a:effectStyle>
-          <a:effectLst>
-            <a:outerShdw blurRad="40000" dist="23000" dir="5400000" rotWithShape="0">
-              <a:srgbClr val="000000">
-                <a:alpha val="35000"/>
+                <a:alpha val="40000"/>
               </a:srgbClr>
             </a:outerShdw>
           </a:effectLst>
           <a:scene3d>
-            <a:camera prst="orthographicFront">
+            <a:camera prst="orthographicFront" fov="0">
               <a:rot lat="0" lon="0" rev="0"/>
             </a:camera>
-            <a:lightRig rig="threePt" dir="t">
-              <a:rot lat="0" lon="0" rev="1200000"/>
+            <a:lightRig rig="balanced" dir="t">
+              <a:rot lat="0" lon="0" rev="0"/>
             </a:lightRig>
           </a:scene3d>
-          <a:sp3d>
-            <a:bevelT w="63500" h="25400"/>
+          <a:sp3d prstMaterial="matte">
+            <a:bevelT w="0" h="0"/>
+            <a:contourClr>
+              <a:schemeClr val="phClr">
+                <a:tint val="100000"/>
+                <a:shade val="100000"/>
+                <a:hueMod val="100000"/>
+                <a:satMod val="100000"/>
+              </a:schemeClr>
+            </a:contourClr>
+          </a:sp3d>
+        </a:effectStyle>
+        <a:effectStyle>
+          <a:effectLst>
+            <a:outerShdw blurRad="50800" dist="25400" dir="5400000" rotWithShape="0">
+              <a:srgbClr val="000000">
+                <a:alpha val="50000"/>
+              </a:srgbClr>
+            </a:outerShdw>
+          </a:effectLst>
+          <a:scene3d>
+            <a:camera prst="orthographicFront" fov="0">
+              <a:rot lat="0" lon="0" rev="0"/>
+            </a:camera>
+            <a:lightRig rig="soft" dir="t">
+              <a:rot lat="0" lon="0" rev="2700000"/>
+            </a:lightRig>
+          </a:scene3d>
+          <a:sp3d prstMaterial="matte">
+            <a:bevelT w="50800" h="50800"/>
+            <a:contourClr>
+              <a:schemeClr val="phClr"/>
+            </a:contourClr>
           </a:sp3d>
         </a:effectStyle>
       </a:effectStyleLst>
@@ -8622,47 +10574,39 @@
           <a:gsLst>
             <a:gs pos="0">
               <a:schemeClr val="phClr">
-                <a:tint val="40000"/>
-                <a:satMod val="350000"/>
+                <a:shade val="60000"/>
+                <a:satMod val="300000"/>
               </a:schemeClr>
             </a:gs>
-            <a:gs pos="40000">
+            <a:gs pos="30000">
               <a:schemeClr val="phClr">
-                <a:tint val="45000"/>
-                <a:shade val="99000"/>
-                <a:satMod val="350000"/>
+                <a:shade val="80000"/>
+                <a:satMod val="230000"/>
               </a:schemeClr>
             </a:gs>
             <a:gs pos="100000">
               <a:schemeClr val="phClr">
-                <a:shade val="20000"/>
-                <a:satMod val="255000"/>
+                <a:tint val="97000"/>
+                <a:satMod val="220000"/>
               </a:schemeClr>
             </a:gs>
           </a:gsLst>
-          <a:path path="circle">
-            <a:fillToRect l="50000" t="-80000" r="50000" b="180000"/>
-          </a:path>
+          <a:lin ang="16200000" scaled="1"/>
         </a:gradFill>
-        <a:gradFill rotWithShape="1">
-          <a:gsLst>
-            <a:gs pos="0">
+        <a:blipFill>
+          <a:blip xmlns:r="http://schemas.openxmlformats.org/officeDocument/2006/relationships" r:embed="rId1">
+            <a:duotone>
               <a:schemeClr val="phClr">
-                <a:tint val="80000"/>
-                <a:satMod val="300000"/>
+                <a:shade val="6000"/>
+                <a:satMod val="120000"/>
               </a:schemeClr>
-            </a:gs>
-            <a:gs pos="100000">
               <a:schemeClr val="phClr">
-                <a:shade val="30000"/>
-                <a:satMod val="200000"/>
+                <a:tint val="90000"/>
               </a:schemeClr>
-            </a:gs>
-          </a:gsLst>
-          <a:path path="circle">
-            <a:fillToRect l="50000" t="50000" r="50000" b="50000"/>
-          </a:path>
-        </a:gradFill>
+            </a:duotone>
+          </a:blip>
+          <a:tile tx="0" ty="0" sx="35000" sy="40000" flip="x" algn="tl"/>
+        </a:blipFill>
       </a:bgFillStyleLst>
     </a:fmtScheme>
   </a:themeElements>
